--- a/src/Tieuluancuoiky/Chương trình cho khách sạn.pptx
+++ b/src/Tieuluancuoiky/Chương trình cho khách sạn.pptx
@@ -8,14 +8,24 @@
     <p:sldId id="256" r:id="rId2"/>
     <p:sldId id="257" r:id="rId3"/>
     <p:sldId id="259" r:id="rId4"/>
-    <p:sldId id="258" r:id="rId5"/>
-    <p:sldId id="260" r:id="rId6"/>
-    <p:sldId id="261" r:id="rId7"/>
-    <p:sldId id="263" r:id="rId8"/>
-    <p:sldId id="262" r:id="rId9"/>
-    <p:sldId id="264" r:id="rId10"/>
-    <p:sldId id="265" r:id="rId11"/>
-    <p:sldId id="266" r:id="rId12"/>
+    <p:sldId id="267" r:id="rId5"/>
+    <p:sldId id="275" r:id="rId6"/>
+    <p:sldId id="276" r:id="rId7"/>
+    <p:sldId id="258" r:id="rId8"/>
+    <p:sldId id="260" r:id="rId9"/>
+    <p:sldId id="261" r:id="rId10"/>
+    <p:sldId id="263" r:id="rId11"/>
+    <p:sldId id="262" r:id="rId12"/>
+    <p:sldId id="264" r:id="rId13"/>
+    <p:sldId id="265" r:id="rId14"/>
+    <p:sldId id="266" r:id="rId15"/>
+    <p:sldId id="268" r:id="rId16"/>
+    <p:sldId id="269" r:id="rId17"/>
+    <p:sldId id="270" r:id="rId18"/>
+    <p:sldId id="271" r:id="rId19"/>
+    <p:sldId id="272" r:id="rId20"/>
+    <p:sldId id="273" r:id="rId21"/>
+    <p:sldId id="274" r:id="rId22"/>
   </p:sldIdLst>
   <p:sldSz cx="12192000" cy="6858000"/>
   <p:notesSz cx="6858000" cy="9144000"/>
@@ -114,6 +124,11 @@
       </a:defRPr>
     </a:lvl9pPr>
   </p:defaultTextStyle>
+  <p:extLst>
+    <p:ext uri="{EFAFB233-063F-42B5-8137-9DF3F51BA10A}">
+      <p15:sldGuideLst xmlns:p15="http://schemas.microsoft.com/office/powerpoint/2012/main"/>
+    </p:ext>
+  </p:extLst>
 </p:presentation>
 </file>
 
@@ -248,7 +263,7 @@
           <a:p>
             <a:fld id="{F663C538-86AE-4CC7-987A-D6D1473B6F11}" type="datetimeFigureOut">
               <a:rPr lang="en-US" smtClean="0"/>
-              <a:t>6/26/2022</a:t>
+              <a:t>6/28/2022</a:t>
             </a:fld>
             <a:endParaRPr lang="en-US"/>
           </a:p>
@@ -418,7 +433,7 @@
           <a:p>
             <a:fld id="{F663C538-86AE-4CC7-987A-D6D1473B6F11}" type="datetimeFigureOut">
               <a:rPr lang="en-US" smtClean="0"/>
-              <a:t>6/26/2022</a:t>
+              <a:t>6/28/2022</a:t>
             </a:fld>
             <a:endParaRPr lang="en-US"/>
           </a:p>
@@ -598,7 +613,7 @@
           <a:p>
             <a:fld id="{F663C538-86AE-4CC7-987A-D6D1473B6F11}" type="datetimeFigureOut">
               <a:rPr lang="en-US" smtClean="0"/>
-              <a:t>6/26/2022</a:t>
+              <a:t>6/28/2022</a:t>
             </a:fld>
             <a:endParaRPr lang="en-US"/>
           </a:p>
@@ -768,7 +783,7 @@
           <a:p>
             <a:fld id="{F663C538-86AE-4CC7-987A-D6D1473B6F11}" type="datetimeFigureOut">
               <a:rPr lang="en-US" smtClean="0"/>
-              <a:t>6/26/2022</a:t>
+              <a:t>6/28/2022</a:t>
             </a:fld>
             <a:endParaRPr lang="en-US"/>
           </a:p>
@@ -1014,7 +1029,7 @@
           <a:p>
             <a:fld id="{F663C538-86AE-4CC7-987A-D6D1473B6F11}" type="datetimeFigureOut">
               <a:rPr lang="en-US" smtClean="0"/>
-              <a:t>6/26/2022</a:t>
+              <a:t>6/28/2022</a:t>
             </a:fld>
             <a:endParaRPr lang="en-US"/>
           </a:p>
@@ -1246,7 +1261,7 @@
           <a:p>
             <a:fld id="{F663C538-86AE-4CC7-987A-D6D1473B6F11}" type="datetimeFigureOut">
               <a:rPr lang="en-US" smtClean="0"/>
-              <a:t>6/26/2022</a:t>
+              <a:t>6/28/2022</a:t>
             </a:fld>
             <a:endParaRPr lang="en-US"/>
           </a:p>
@@ -1613,7 +1628,7 @@
           <a:p>
             <a:fld id="{F663C538-86AE-4CC7-987A-D6D1473B6F11}" type="datetimeFigureOut">
               <a:rPr lang="en-US" smtClean="0"/>
-              <a:t>6/26/2022</a:t>
+              <a:t>6/28/2022</a:t>
             </a:fld>
             <a:endParaRPr lang="en-US"/>
           </a:p>
@@ -1731,7 +1746,7 @@
           <a:p>
             <a:fld id="{F663C538-86AE-4CC7-987A-D6D1473B6F11}" type="datetimeFigureOut">
               <a:rPr lang="en-US" smtClean="0"/>
-              <a:t>6/26/2022</a:t>
+              <a:t>6/28/2022</a:t>
             </a:fld>
             <a:endParaRPr lang="en-US"/>
           </a:p>
@@ -1826,7 +1841,7 @@
           <a:p>
             <a:fld id="{F663C538-86AE-4CC7-987A-D6D1473B6F11}" type="datetimeFigureOut">
               <a:rPr lang="en-US" smtClean="0"/>
-              <a:t>6/26/2022</a:t>
+              <a:t>6/28/2022</a:t>
             </a:fld>
             <a:endParaRPr lang="en-US"/>
           </a:p>
@@ -2103,7 +2118,7 @@
           <a:p>
             <a:fld id="{F663C538-86AE-4CC7-987A-D6D1473B6F11}" type="datetimeFigureOut">
               <a:rPr lang="en-US" smtClean="0"/>
-              <a:t>6/26/2022</a:t>
+              <a:t>6/28/2022</a:t>
             </a:fld>
             <a:endParaRPr lang="en-US"/>
           </a:p>
@@ -2356,7 +2371,7 @@
           <a:p>
             <a:fld id="{F663C538-86AE-4CC7-987A-D6D1473B6F11}" type="datetimeFigureOut">
               <a:rPr lang="en-US" smtClean="0"/>
-              <a:t>6/26/2022</a:t>
+              <a:t>6/28/2022</a:t>
             </a:fld>
             <a:endParaRPr lang="en-US"/>
           </a:p>
@@ -2569,7 +2584,7 @@
           <a:p>
             <a:fld id="{F663C538-86AE-4CC7-987A-D6D1473B6F11}" type="datetimeFigureOut">
               <a:rPr lang="en-US" smtClean="0"/>
-              <a:t>6/26/2022</a:t>
+              <a:t>6/28/2022</a:t>
             </a:fld>
             <a:endParaRPr lang="en-US"/>
           </a:p>
@@ -3056,12 +3071,12 @@
           <a:lstStyle/>
           <a:p>
             <a:r>
-              <a:rPr lang="en-US" b="1" dirty="0"/>
-              <a:t>:</a:t>
-            </a:r>
-            <a:r>
-              <a:rPr lang="en-US" dirty="0"/>
-              <a:t> Luxury hotel </a:t>
+              <a:rPr lang="en-US" smtClean="0"/>
+              <a:t> </a:t>
+            </a:r>
+            <a:r>
+              <a:rPr lang="en-US" dirty="0"/>
+              <a:t>Luxury hotel </a:t>
             </a:r>
             <a:r>
               <a:rPr lang="en-US" dirty="0" err="1"/>
@@ -3355,6 +3370,724 @@
 </file>
 
 <file path=ppt/slides/slide10.xml><?xml version="1.0" encoding="utf-8"?>
+<p:sld xmlns:a="http://schemas.openxmlformats.org/drawingml/2006/main" xmlns:r="http://schemas.openxmlformats.org/officeDocument/2006/relationships" xmlns:p="http://schemas.openxmlformats.org/presentationml/2006/main">
+  <p:cSld>
+    <p:spTree>
+      <p:nvGrpSpPr>
+        <p:cNvPr id="1" name=""/>
+        <p:cNvGrpSpPr/>
+        <p:nvPr/>
+      </p:nvGrpSpPr>
+      <p:grpSpPr>
+        <a:xfrm>
+          <a:off x="0" y="0"/>
+          <a:ext cx="0" cy="0"/>
+          <a:chOff x="0" y="0"/>
+          <a:chExt cx="0" cy="0"/>
+        </a:xfrm>
+      </p:grpSpPr>
+      <p:sp>
+        <p:nvSpPr>
+          <p:cNvPr id="2" name="Title 1"/>
+          <p:cNvSpPr>
+            <a:spLocks noGrp="1"/>
+          </p:cNvSpPr>
+          <p:nvPr>
+            <p:ph type="title"/>
+          </p:nvPr>
+        </p:nvSpPr>
+        <p:spPr/>
+        <p:txBody>
+          <a:bodyPr/>
+          <a:lstStyle/>
+          <a:p>
+            <a:endParaRPr lang="en-US"/>
+          </a:p>
+        </p:txBody>
+      </p:sp>
+      <p:pic>
+        <p:nvPicPr>
+          <p:cNvPr id="1028" name="Picture 1"/>
+          <p:cNvPicPr>
+            <a:picLocks noChangeAspect="1" noChangeArrowheads="1"/>
+          </p:cNvPicPr>
+          <p:nvPr/>
+        </p:nvPicPr>
+        <p:blipFill>
+          <a:blip r:embed="rId2">
+            <a:extLst>
+              <a:ext uri="{28A0092B-C50C-407E-A947-70E740481C1C}">
+                <a14:useLocalDpi xmlns:a14="http://schemas.microsoft.com/office/drawing/2010/main" val="0"/>
+              </a:ext>
+            </a:extLst>
+          </a:blip>
+          <a:srcRect/>
+          <a:stretch>
+            <a:fillRect/>
+          </a:stretch>
+        </p:blipFill>
+        <p:spPr bwMode="auto">
+          <a:xfrm>
+            <a:off x="2605171" y="2111375"/>
+            <a:ext cx="5759450" cy="4746625"/>
+          </a:xfrm>
+          <a:prstGeom prst="rect">
+            <a:avLst/>
+          </a:prstGeom>
+          <a:noFill/>
+          <a:ln>
+            <a:noFill/>
+          </a:ln>
+          <a:extLst>
+            <a:ext uri="{909E8E84-426E-40DD-AFC4-6F175D3DCCD1}">
+              <a14:hiddenFill xmlns:a14="http://schemas.microsoft.com/office/drawing/2010/main">
+                <a:solidFill>
+                  <a:srgbClr val="FFFFFF"/>
+                </a:solidFill>
+              </a14:hiddenFill>
+            </a:ext>
+            <a:ext uri="{91240B29-F687-4F45-9708-019B960494DF}">
+              <a14:hiddenLine xmlns:a14="http://schemas.microsoft.com/office/drawing/2010/main" w="9525">
+                <a:solidFill>
+                  <a:srgbClr val="000000"/>
+                </a:solidFill>
+                <a:miter lim="800000"/>
+                <a:headEnd/>
+                <a:tailEnd/>
+              </a14:hiddenLine>
+            </a:ext>
+          </a:extLst>
+        </p:spPr>
+      </p:pic>
+    </p:spTree>
+    <p:extLst>
+      <p:ext uri="{BB962C8B-B14F-4D97-AF65-F5344CB8AC3E}">
+        <p14:creationId xmlns:p14="http://schemas.microsoft.com/office/powerpoint/2010/main" val="4084163907"/>
+      </p:ext>
+    </p:extLst>
+  </p:cSld>
+  <p:clrMapOvr>
+    <a:masterClrMapping/>
+  </p:clrMapOvr>
+</p:sld>
+</file>
+
+<file path=ppt/slides/slide11.xml><?xml version="1.0" encoding="utf-8"?>
+<p:sld xmlns:a="http://schemas.openxmlformats.org/drawingml/2006/main" xmlns:r="http://schemas.openxmlformats.org/officeDocument/2006/relationships" xmlns:p="http://schemas.openxmlformats.org/presentationml/2006/main">
+  <p:cSld>
+    <p:spTree>
+      <p:nvGrpSpPr>
+        <p:cNvPr id="1" name=""/>
+        <p:cNvGrpSpPr/>
+        <p:nvPr/>
+      </p:nvGrpSpPr>
+      <p:grpSpPr>
+        <a:xfrm>
+          <a:off x="0" y="0"/>
+          <a:ext cx="0" cy="0"/>
+          <a:chOff x="0" y="0"/>
+          <a:chExt cx="0" cy="0"/>
+        </a:xfrm>
+      </p:grpSpPr>
+      <p:sp>
+        <p:nvSpPr>
+          <p:cNvPr id="2" name="Title 1"/>
+          <p:cNvSpPr>
+            <a:spLocks noGrp="1"/>
+          </p:cNvSpPr>
+          <p:nvPr>
+            <p:ph type="title"/>
+          </p:nvPr>
+        </p:nvSpPr>
+        <p:spPr/>
+        <p:txBody>
+          <a:bodyPr/>
+          <a:lstStyle/>
+          <a:p>
+            <a:r>
+              <a:rPr lang="en-US" dirty="0" err="1" smtClean="0"/>
+              <a:t>Kịch</a:t>
+            </a:r>
+            <a:r>
+              <a:rPr lang="en-US" dirty="0" smtClean="0"/>
+              <a:t> </a:t>
+            </a:r>
+            <a:r>
+              <a:rPr lang="en-US" dirty="0" err="1" smtClean="0"/>
+              <a:t>bản</a:t>
+            </a:r>
+            <a:r>
+              <a:rPr lang="en-US" dirty="0" smtClean="0"/>
+              <a:t> </a:t>
+            </a:r>
+            <a:r>
+              <a:rPr lang="en-US" dirty="0" err="1" smtClean="0"/>
+              <a:t>cho</a:t>
+            </a:r>
+            <a:r>
+              <a:rPr lang="en-US" dirty="0" smtClean="0"/>
+              <a:t> them </a:t>
+            </a:r>
+            <a:r>
+              <a:rPr lang="en-US" dirty="0" err="1" smtClean="0"/>
+              <a:t>phòng</a:t>
+            </a:r>
+            <a:endParaRPr lang="en-US" dirty="0"/>
+          </a:p>
+        </p:txBody>
+      </p:sp>
+      <p:sp>
+        <p:nvSpPr>
+          <p:cNvPr id="3" name="Content Placeholder 2"/>
+          <p:cNvSpPr>
+            <a:spLocks noGrp="1"/>
+          </p:cNvSpPr>
+          <p:nvPr>
+            <p:ph idx="1"/>
+          </p:nvPr>
+        </p:nvSpPr>
+        <p:spPr/>
+        <p:txBody>
+          <a:bodyPr/>
+          <a:lstStyle/>
+          <a:p>
+            <a:pPr lvl="0"/>
+            <a:r>
+              <a:rPr lang="en-US" b="1" dirty="0" err="1"/>
+              <a:t>Nhân</a:t>
+            </a:r>
+            <a:r>
+              <a:rPr lang="en-US" b="1" dirty="0"/>
+              <a:t> </a:t>
+            </a:r>
+            <a:r>
+              <a:rPr lang="en-US" b="1" dirty="0" err="1"/>
+              <a:t>viên</a:t>
+            </a:r>
+            <a:r>
+              <a:rPr lang="en-US" b="1" dirty="0"/>
+              <a:t>: </a:t>
+            </a:r>
+            <a:r>
+              <a:rPr lang="en-US" b="1" dirty="0" err="1"/>
+              <a:t>Lựa</a:t>
+            </a:r>
+            <a:r>
+              <a:rPr lang="en-US" b="1" dirty="0"/>
+              <a:t> </a:t>
+            </a:r>
+            <a:r>
+              <a:rPr lang="en-US" b="1" dirty="0" err="1"/>
+              <a:t>chọn</a:t>
+            </a:r>
+            <a:r>
+              <a:rPr lang="en-US" b="1" dirty="0"/>
+              <a:t> </a:t>
+            </a:r>
+            <a:r>
+              <a:rPr lang="en-US" b="1" dirty="0" err="1"/>
+              <a:t>thêm</a:t>
+            </a:r>
+            <a:r>
+              <a:rPr lang="en-US" b="1" dirty="0"/>
+              <a:t> </a:t>
+            </a:r>
+            <a:r>
+              <a:rPr lang="en-US" b="1" dirty="0" err="1"/>
+              <a:t>phòng</a:t>
+            </a:r>
+            <a:r>
+              <a:rPr lang="en-US" b="1" dirty="0"/>
+              <a:t>.</a:t>
+            </a:r>
+            <a:endParaRPr lang="en-US" dirty="0"/>
+          </a:p>
+          <a:p>
+            <a:pPr lvl="0"/>
+            <a:r>
+              <a:rPr lang="en-US" b="1" dirty="0" err="1"/>
+              <a:t>Hệ</a:t>
+            </a:r>
+            <a:r>
+              <a:rPr lang="en-US" b="1" dirty="0"/>
+              <a:t> </a:t>
+            </a:r>
+            <a:r>
+              <a:rPr lang="en-US" b="1" dirty="0" err="1"/>
+              <a:t>thống</a:t>
+            </a:r>
+            <a:r>
+              <a:rPr lang="en-US" b="1" dirty="0"/>
+              <a:t>: </a:t>
+            </a:r>
+            <a:r>
+              <a:rPr lang="en-US" b="1" dirty="0" err="1"/>
+              <a:t>đưa</a:t>
+            </a:r>
+            <a:r>
+              <a:rPr lang="en-US" b="1" dirty="0"/>
+              <a:t> </a:t>
+            </a:r>
+            <a:r>
+              <a:rPr lang="en-US" b="1" dirty="0" err="1"/>
+              <a:t>ra</a:t>
+            </a:r>
+            <a:r>
+              <a:rPr lang="en-US" b="1" dirty="0"/>
+              <a:t> </a:t>
+            </a:r>
+            <a:r>
+              <a:rPr lang="en-US" b="1" dirty="0" err="1"/>
+              <a:t>biểu</a:t>
+            </a:r>
+            <a:r>
+              <a:rPr lang="en-US" b="1" dirty="0"/>
+              <a:t> </a:t>
+            </a:r>
+            <a:r>
+              <a:rPr lang="en-US" b="1" dirty="0" err="1"/>
+              <a:t>mẫu</a:t>
+            </a:r>
+            <a:r>
+              <a:rPr lang="en-US" b="1" dirty="0"/>
+              <a:t> </a:t>
+            </a:r>
+            <a:r>
+              <a:rPr lang="en-US" b="1" dirty="0" err="1"/>
+              <a:t>để</a:t>
+            </a:r>
+            <a:r>
+              <a:rPr lang="en-US" b="1" dirty="0"/>
+              <a:t> </a:t>
+            </a:r>
+            <a:r>
+              <a:rPr lang="en-US" b="1" dirty="0" err="1"/>
+              <a:t>thêm</a:t>
+            </a:r>
+            <a:r>
+              <a:rPr lang="en-US" b="1" dirty="0"/>
+              <a:t> </a:t>
+            </a:r>
+            <a:r>
+              <a:rPr lang="en-US" b="1" dirty="0" err="1"/>
+              <a:t>phòng</a:t>
+            </a:r>
+            <a:r>
+              <a:rPr lang="en-US" b="1" dirty="0"/>
+              <a:t>.</a:t>
+            </a:r>
+            <a:endParaRPr lang="en-US" dirty="0"/>
+          </a:p>
+          <a:p>
+            <a:pPr lvl="0"/>
+            <a:r>
+              <a:rPr lang="en-US" b="1" dirty="0" err="1"/>
+              <a:t>Nhân</a:t>
+            </a:r>
+            <a:r>
+              <a:rPr lang="en-US" b="1" dirty="0"/>
+              <a:t> </a:t>
+            </a:r>
+            <a:r>
+              <a:rPr lang="en-US" b="1" dirty="0" err="1"/>
+              <a:t>viên</a:t>
+            </a:r>
+            <a:r>
+              <a:rPr lang="en-US" b="1" dirty="0"/>
+              <a:t> </a:t>
+            </a:r>
+            <a:r>
+              <a:rPr lang="en-US" b="1" dirty="0" err="1"/>
+              <a:t>điền</a:t>
+            </a:r>
+            <a:r>
+              <a:rPr lang="en-US" b="1" dirty="0"/>
+              <a:t> </a:t>
+            </a:r>
+            <a:r>
+              <a:rPr lang="en-US" b="1" dirty="0" err="1"/>
+              <a:t>thông</a:t>
+            </a:r>
+            <a:r>
+              <a:rPr lang="en-US" b="1" dirty="0"/>
+              <a:t> tin </a:t>
+            </a:r>
+            <a:r>
+              <a:rPr lang="en-US" b="1" dirty="0" err="1"/>
+              <a:t>phòng</a:t>
+            </a:r>
+            <a:r>
+              <a:rPr lang="en-US" b="1" dirty="0"/>
+              <a:t> </a:t>
+            </a:r>
+            <a:r>
+              <a:rPr lang="en-US" b="1" dirty="0" err="1"/>
+              <a:t>vào</a:t>
+            </a:r>
+            <a:r>
+              <a:rPr lang="en-US" b="1" dirty="0"/>
+              <a:t>.</a:t>
+            </a:r>
+            <a:endParaRPr lang="en-US" dirty="0"/>
+          </a:p>
+          <a:p>
+            <a:pPr lvl="0"/>
+            <a:r>
+              <a:rPr lang="en-US" b="1" dirty="0" err="1"/>
+              <a:t>Hệ</a:t>
+            </a:r>
+            <a:r>
+              <a:rPr lang="en-US" b="1" dirty="0"/>
+              <a:t> </a:t>
+            </a:r>
+            <a:r>
+              <a:rPr lang="en-US" b="1" dirty="0" err="1"/>
+              <a:t>thống</a:t>
+            </a:r>
+            <a:r>
+              <a:rPr lang="en-US" b="1" dirty="0"/>
+              <a:t>: </a:t>
+            </a:r>
+            <a:r>
+              <a:rPr lang="en-US" b="1" dirty="0" err="1"/>
+              <a:t>Kiểm</a:t>
+            </a:r>
+            <a:r>
+              <a:rPr lang="en-US" b="1" dirty="0"/>
+              <a:t> </a:t>
+            </a:r>
+            <a:r>
+              <a:rPr lang="en-US" b="1" dirty="0" err="1"/>
+              <a:t>tra</a:t>
+            </a:r>
+            <a:r>
+              <a:rPr lang="en-US" b="1" dirty="0"/>
+              <a:t> </a:t>
+            </a:r>
+            <a:r>
+              <a:rPr lang="en-US" b="1" dirty="0" err="1"/>
+              <a:t>địa</a:t>
+            </a:r>
+            <a:r>
+              <a:rPr lang="en-US" b="1" dirty="0"/>
+              <a:t> </a:t>
+            </a:r>
+            <a:r>
+              <a:rPr lang="en-US" b="1" dirty="0" err="1"/>
+              <a:t>chỉ</a:t>
+            </a:r>
+            <a:r>
+              <a:rPr lang="en-US" b="1" dirty="0"/>
+              <a:t> </a:t>
+            </a:r>
+            <a:r>
+              <a:rPr lang="en-US" b="1" dirty="0" err="1"/>
+              <a:t>xem</a:t>
+            </a:r>
+            <a:r>
+              <a:rPr lang="en-US" b="1" dirty="0"/>
+              <a:t> </a:t>
+            </a:r>
+            <a:r>
+              <a:rPr lang="en-US" b="1" dirty="0" err="1"/>
+              <a:t>có</a:t>
+            </a:r>
+            <a:r>
+              <a:rPr lang="en-US" b="1" dirty="0"/>
+              <a:t> </a:t>
+            </a:r>
+            <a:r>
+              <a:rPr lang="en-US" b="1" dirty="0" err="1"/>
+              <a:t>tồn</a:t>
+            </a:r>
+            <a:r>
+              <a:rPr lang="en-US" b="1" dirty="0"/>
+              <a:t> </a:t>
+            </a:r>
+            <a:r>
+              <a:rPr lang="en-US" b="1" dirty="0" err="1"/>
+              <a:t>tại</a:t>
+            </a:r>
+            <a:r>
+              <a:rPr lang="en-US" b="1" dirty="0"/>
+              <a:t> hay </a:t>
+            </a:r>
+            <a:r>
+              <a:rPr lang="en-US" b="1" dirty="0" err="1"/>
+              <a:t>chưa</a:t>
+            </a:r>
+            <a:r>
+              <a:rPr lang="en-US" b="1" dirty="0"/>
+              <a:t>.</a:t>
+            </a:r>
+            <a:endParaRPr lang="en-US" dirty="0"/>
+          </a:p>
+          <a:p>
+            <a:pPr lvl="0"/>
+            <a:r>
+              <a:rPr lang="en-US" b="1" dirty="0" err="1"/>
+              <a:t>Hệ</a:t>
+            </a:r>
+            <a:r>
+              <a:rPr lang="en-US" b="1" dirty="0"/>
+              <a:t> </a:t>
+            </a:r>
+            <a:r>
+              <a:rPr lang="en-US" b="1" dirty="0" err="1"/>
+              <a:t>thống</a:t>
+            </a:r>
+            <a:r>
+              <a:rPr lang="en-US" b="1" dirty="0"/>
+              <a:t>: </a:t>
+            </a:r>
+            <a:r>
+              <a:rPr lang="en-US" b="1" dirty="0" err="1"/>
+              <a:t>trả</a:t>
+            </a:r>
+            <a:r>
+              <a:rPr lang="en-US" b="1" dirty="0"/>
+              <a:t> </a:t>
+            </a:r>
+            <a:r>
+              <a:rPr lang="en-US" b="1" dirty="0" err="1"/>
+              <a:t>về</a:t>
+            </a:r>
+            <a:r>
+              <a:rPr lang="en-US" b="1" dirty="0"/>
+              <a:t> </a:t>
+            </a:r>
+            <a:r>
+              <a:rPr lang="en-US" b="1" dirty="0" err="1"/>
+              <a:t>thêm</a:t>
+            </a:r>
+            <a:r>
+              <a:rPr lang="en-US" b="1" dirty="0"/>
+              <a:t> </a:t>
+            </a:r>
+            <a:r>
+              <a:rPr lang="en-US" b="1" dirty="0" err="1"/>
+              <a:t>thành</a:t>
+            </a:r>
+            <a:r>
+              <a:rPr lang="en-US" b="1" dirty="0"/>
+              <a:t> </a:t>
+            </a:r>
+            <a:r>
+              <a:rPr lang="en-US" b="1" dirty="0" err="1"/>
+              <a:t>công</a:t>
+            </a:r>
+            <a:r>
+              <a:rPr lang="en-US" b="1" dirty="0"/>
+              <a:t> </a:t>
+            </a:r>
+            <a:r>
+              <a:rPr lang="en-US" b="1" dirty="0" err="1"/>
+              <a:t>hoặc</a:t>
+            </a:r>
+            <a:r>
+              <a:rPr lang="en-US" b="1" dirty="0"/>
+              <a:t> </a:t>
+            </a:r>
+            <a:r>
+              <a:rPr lang="en-US" b="1" dirty="0" err="1"/>
+              <a:t>địa</a:t>
+            </a:r>
+            <a:r>
+              <a:rPr lang="en-US" b="1" dirty="0"/>
+              <a:t> </a:t>
+            </a:r>
+            <a:r>
+              <a:rPr lang="en-US" b="1" dirty="0" err="1"/>
+              <a:t>chỉ</a:t>
+            </a:r>
+            <a:r>
+              <a:rPr lang="en-US" b="1" dirty="0"/>
+              <a:t> </a:t>
+            </a:r>
+            <a:r>
+              <a:rPr lang="en-US" b="1" dirty="0" err="1"/>
+              <a:t>đã</a:t>
+            </a:r>
+            <a:r>
+              <a:rPr lang="en-US" b="1" dirty="0"/>
+              <a:t> </a:t>
+            </a:r>
+            <a:r>
+              <a:rPr lang="en-US" b="1" dirty="0" err="1"/>
+              <a:t>tồng</a:t>
+            </a:r>
+            <a:r>
+              <a:rPr lang="en-US" b="1" dirty="0"/>
+              <a:t> </a:t>
+            </a:r>
+            <a:r>
+              <a:rPr lang="en-US" b="1" dirty="0" err="1"/>
+              <a:t>tại</a:t>
+            </a:r>
+            <a:r>
+              <a:rPr lang="en-US" b="1" dirty="0"/>
+              <a:t>.</a:t>
+            </a:r>
+            <a:endParaRPr lang="en-US" dirty="0"/>
+          </a:p>
+          <a:p>
+            <a:pPr lvl="0"/>
+            <a:r>
+              <a:rPr lang="en-US" b="1" dirty="0" err="1"/>
+              <a:t>Hẹ</a:t>
+            </a:r>
+            <a:r>
+              <a:rPr lang="en-US" b="1" dirty="0"/>
+              <a:t> </a:t>
+            </a:r>
+            <a:r>
+              <a:rPr lang="en-US" b="1" dirty="0" err="1"/>
+              <a:t>thống</a:t>
+            </a:r>
+            <a:r>
+              <a:rPr lang="en-US" b="1" dirty="0"/>
+              <a:t>: </a:t>
+            </a:r>
+            <a:r>
+              <a:rPr lang="en-US" b="1" dirty="0" err="1"/>
+              <a:t>trả</a:t>
+            </a:r>
+            <a:r>
+              <a:rPr lang="en-US" b="1" dirty="0"/>
+              <a:t> </a:t>
+            </a:r>
+            <a:r>
+              <a:rPr lang="en-US" b="1" dirty="0" err="1"/>
+              <a:t>về</a:t>
+            </a:r>
+            <a:r>
+              <a:rPr lang="en-US" b="1" dirty="0"/>
+              <a:t> MENU.</a:t>
+            </a:r>
+            <a:endParaRPr lang="en-US" dirty="0"/>
+          </a:p>
+          <a:p>
+            <a:endParaRPr lang="en-US" dirty="0"/>
+          </a:p>
+        </p:txBody>
+      </p:sp>
+    </p:spTree>
+    <p:extLst>
+      <p:ext uri="{BB962C8B-B14F-4D97-AF65-F5344CB8AC3E}">
+        <p14:creationId xmlns:p14="http://schemas.microsoft.com/office/powerpoint/2010/main" val="1446813414"/>
+      </p:ext>
+    </p:extLst>
+  </p:cSld>
+  <p:clrMapOvr>
+    <a:masterClrMapping/>
+  </p:clrMapOvr>
+</p:sld>
+</file>
+
+<file path=ppt/slides/slide12.xml><?xml version="1.0" encoding="utf-8"?>
+<p:sld xmlns:a="http://schemas.openxmlformats.org/drawingml/2006/main" xmlns:r="http://schemas.openxmlformats.org/officeDocument/2006/relationships" xmlns:p="http://schemas.openxmlformats.org/presentationml/2006/main">
+  <p:cSld>
+    <p:spTree>
+      <p:nvGrpSpPr>
+        <p:cNvPr id="1" name=""/>
+        <p:cNvGrpSpPr/>
+        <p:nvPr/>
+      </p:nvGrpSpPr>
+      <p:grpSpPr>
+        <a:xfrm>
+          <a:off x="0" y="0"/>
+          <a:ext cx="0" cy="0"/>
+          <a:chOff x="0" y="0"/>
+          <a:chExt cx="0" cy="0"/>
+        </a:xfrm>
+      </p:grpSpPr>
+      <p:sp>
+        <p:nvSpPr>
+          <p:cNvPr id="2" name="Title 1"/>
+          <p:cNvSpPr>
+            <a:spLocks noGrp="1"/>
+          </p:cNvSpPr>
+          <p:nvPr>
+            <p:ph type="title"/>
+          </p:nvPr>
+        </p:nvSpPr>
+        <p:spPr/>
+        <p:txBody>
+          <a:bodyPr/>
+          <a:lstStyle/>
+          <a:p>
+            <a:endParaRPr lang="en-US"/>
+          </a:p>
+        </p:txBody>
+      </p:sp>
+      <p:pic>
+        <p:nvPicPr>
+          <p:cNvPr id="2050" name="Picture 1"/>
+          <p:cNvPicPr>
+            <a:picLocks noChangeAspect="1" noChangeArrowheads="1"/>
+          </p:cNvPicPr>
+          <p:nvPr/>
+        </p:nvPicPr>
+        <p:blipFill>
+          <a:blip r:embed="rId2">
+            <a:extLst>
+              <a:ext uri="{28A0092B-C50C-407E-A947-70E740481C1C}">
+                <a14:useLocalDpi xmlns:a14="http://schemas.microsoft.com/office/drawing/2010/main" val="0"/>
+              </a:ext>
+            </a:extLst>
+          </a:blip>
+          <a:srcRect/>
+          <a:stretch>
+            <a:fillRect/>
+          </a:stretch>
+        </p:blipFill>
+        <p:spPr bwMode="auto">
+          <a:xfrm>
+            <a:off x="2244224" y="1690688"/>
+            <a:ext cx="5759450" cy="5167312"/>
+          </a:xfrm>
+          <a:prstGeom prst="rect">
+            <a:avLst/>
+          </a:prstGeom>
+          <a:noFill/>
+          <a:ln>
+            <a:noFill/>
+          </a:ln>
+          <a:extLst>
+            <a:ext uri="{909E8E84-426E-40DD-AFC4-6F175D3DCCD1}">
+              <a14:hiddenFill xmlns:a14="http://schemas.microsoft.com/office/drawing/2010/main">
+                <a:solidFill>
+                  <a:srgbClr val="FFFFFF"/>
+                </a:solidFill>
+              </a14:hiddenFill>
+            </a:ext>
+            <a:ext uri="{91240B29-F687-4F45-9708-019B960494DF}">
+              <a14:hiddenLine xmlns:a14="http://schemas.microsoft.com/office/drawing/2010/main" w="9525">
+                <a:solidFill>
+                  <a:srgbClr val="000000"/>
+                </a:solidFill>
+                <a:miter lim="800000"/>
+                <a:headEnd/>
+                <a:tailEnd/>
+              </a14:hiddenLine>
+            </a:ext>
+          </a:extLst>
+        </p:spPr>
+      </p:pic>
+    </p:spTree>
+    <p:extLst>
+      <p:ext uri="{BB962C8B-B14F-4D97-AF65-F5344CB8AC3E}">
+        <p14:creationId xmlns:p14="http://schemas.microsoft.com/office/powerpoint/2010/main" val="2345656342"/>
+      </p:ext>
+    </p:extLst>
+  </p:cSld>
+  <p:clrMapOvr>
+    <a:masterClrMapping/>
+  </p:clrMapOvr>
+</p:sld>
+</file>
+
+<file path=ppt/slides/slide13.xml><?xml version="1.0" encoding="utf-8"?>
 <p:sld xmlns:a="http://schemas.openxmlformats.org/drawingml/2006/main" xmlns:r="http://schemas.openxmlformats.org/officeDocument/2006/relationships" xmlns:p="http://schemas.openxmlformats.org/presentationml/2006/main">
   <p:cSld>
     <p:spTree>
@@ -3457,7 +4190,7 @@
 </p:sld>
 </file>
 
-<file path=ppt/slides/slide11.xml><?xml version="1.0" encoding="utf-8"?>
+<file path=ppt/slides/slide14.xml><?xml version="1.0" encoding="utf-8"?>
 <p:sld xmlns:a="http://schemas.openxmlformats.org/drawingml/2006/main" xmlns:r="http://schemas.openxmlformats.org/officeDocument/2006/relationships" xmlns:p="http://schemas.openxmlformats.org/presentationml/2006/main">
   <p:cSld>
     <p:spTree>
@@ -3557,6 +4290,2277 @@
   <p:clrMapOvr>
     <a:masterClrMapping/>
   </p:clrMapOvr>
+  <p:timing>
+    <p:tnLst>
+      <p:par>
+        <p:cTn id="1" dur="indefinite" restart="never" nodeType="tmRoot"/>
+      </p:par>
+    </p:tnLst>
+  </p:timing>
+</p:sld>
+</file>
+
+<file path=ppt/slides/slide15.xml><?xml version="1.0" encoding="utf-8"?>
+<p:sld xmlns:a="http://schemas.openxmlformats.org/drawingml/2006/main" xmlns:r="http://schemas.openxmlformats.org/officeDocument/2006/relationships" xmlns:p="http://schemas.openxmlformats.org/presentationml/2006/main">
+  <p:cSld>
+    <p:spTree>
+      <p:nvGrpSpPr>
+        <p:cNvPr id="1" name=""/>
+        <p:cNvGrpSpPr/>
+        <p:nvPr/>
+      </p:nvGrpSpPr>
+      <p:grpSpPr>
+        <a:xfrm>
+          <a:off x="0" y="0"/>
+          <a:ext cx="0" cy="0"/>
+          <a:chOff x="0" y="0"/>
+          <a:chExt cx="0" cy="0"/>
+        </a:xfrm>
+      </p:grpSpPr>
+      <p:sp>
+        <p:nvSpPr>
+          <p:cNvPr id="3" name="Content Placeholder 2"/>
+          <p:cNvSpPr>
+            <a:spLocks noGrp="1"/>
+          </p:cNvSpPr>
+          <p:nvPr>
+            <p:ph idx="1"/>
+          </p:nvPr>
+        </p:nvSpPr>
+        <p:spPr/>
+        <p:txBody>
+          <a:bodyPr/>
+          <a:lstStyle/>
+          <a:p>
+            <a:pPr lvl="0"/>
+            <a:r>
+              <a:rPr lang="en-US" b="1" dirty="0" smtClean="0"/>
+              <a:t>.</a:t>
+            </a:r>
+            <a:endParaRPr lang="en-US" dirty="0"/>
+          </a:p>
+          <a:p>
+            <a:endParaRPr lang="en-US" dirty="0"/>
+          </a:p>
+        </p:txBody>
+      </p:sp>
+      <p:sp>
+        <p:nvSpPr>
+          <p:cNvPr id="4" name="Rectangle 2"/>
+          <p:cNvSpPr>
+            <a:spLocks noChangeArrowheads="1"/>
+          </p:cNvSpPr>
+          <p:nvPr/>
+        </p:nvSpPr>
+        <p:spPr bwMode="auto">
+          <a:xfrm>
+            <a:off x="3024632" y="1189038"/>
+            <a:ext cx="12192000" cy="457200"/>
+          </a:xfrm>
+          <a:prstGeom prst="rect">
+            <a:avLst/>
+          </a:prstGeom>
+          <a:noFill/>
+          <a:ln>
+            <a:noFill/>
+          </a:ln>
+          <a:effectLst/>
+          <a:extLst>
+            <a:ext uri="{909E8E84-426E-40DD-AFC4-6F175D3DCCD1}">
+              <a14:hiddenFill xmlns:a14="http://schemas.microsoft.com/office/drawing/2010/main">
+                <a:solidFill>
+                  <a:schemeClr val="accent1"/>
+                </a:solidFill>
+              </a14:hiddenFill>
+            </a:ext>
+            <a:ext uri="{91240B29-F687-4F45-9708-019B960494DF}">
+              <a14:hiddenLine xmlns:a14="http://schemas.microsoft.com/office/drawing/2010/main" w="9525">
+                <a:solidFill>
+                  <a:schemeClr val="tx1"/>
+                </a:solidFill>
+                <a:miter lim="800000"/>
+                <a:headEnd/>
+                <a:tailEnd/>
+              </a14:hiddenLine>
+            </a:ext>
+            <a:ext uri="{AF507438-7753-43E0-B8FC-AC1667EBCBE1}">
+              <a14:hiddenEffects xmlns:a14="http://schemas.microsoft.com/office/drawing/2010/main">
+                <a:effectLst>
+                  <a:outerShdw dist="35921" dir="2700000" algn="ctr" rotWithShape="0">
+                    <a:schemeClr val="bg2"/>
+                  </a:outerShdw>
+                </a:effectLst>
+              </a14:hiddenEffects>
+            </a:ext>
+          </a:extLst>
+        </p:spPr>
+        <p:txBody>
+          <a:bodyPr vert="horz" wrap="none" lIns="91440" tIns="45720" rIns="91440" bIns="45720" numCol="1" anchor="ctr" anchorCtr="0" compatLnSpc="1">
+            <a:prstTxWarp prst="textNoShape">
+              <a:avLst/>
+            </a:prstTxWarp>
+            <a:spAutoFit/>
+          </a:bodyPr>
+          <a:lstStyle/>
+          <a:p>
+            <a:pPr marL="0" marR="0" lvl="0" indent="0" algn="l" defTabSz="914400" rtl="0" eaLnBrk="0" fontAlgn="base" latinLnBrk="0" hangingPunct="0">
+              <a:lnSpc>
+                <a:spcPct val="100000"/>
+              </a:lnSpc>
+              <a:spcBef>
+                <a:spcPct val="0"/>
+              </a:spcBef>
+              <a:spcAft>
+                <a:spcPct val="0"/>
+              </a:spcAft>
+              <a:buClrTx/>
+              <a:buSzTx/>
+              <a:buFontTx/>
+              <a:buChar char="•"/>
+              <a:tabLst/>
+            </a:pPr>
+            <a:r>
+              <a:rPr kumimoji="0" lang="en-US" altLang="ja-JP" sz="1400" b="0" i="0" u="none" strike="noStrike" cap="none" normalizeH="0" baseline="0" dirty="0" err="1" smtClean="0">
+                <a:ln>
+                  <a:noFill/>
+                </a:ln>
+                <a:solidFill>
+                  <a:schemeClr val="tx1"/>
+                </a:solidFill>
+                <a:effectLst/>
+                <a:latin typeface="Times New Roman" panose="02020603050405020304" pitchFamily="18" charset="0"/>
+                <a:ea typeface="Yu Mincho"/>
+                <a:cs typeface="Times New Roman" panose="02020603050405020304" pitchFamily="18" charset="0"/>
+              </a:rPr>
+              <a:t>Sơ</a:t>
+            </a:r>
+            <a:r>
+              <a:rPr kumimoji="0" lang="en-US" altLang="ja-JP" sz="1400" b="0" i="0" u="none" strike="noStrike" cap="none" normalizeH="0" baseline="0" dirty="0" smtClean="0">
+                <a:ln>
+                  <a:noFill/>
+                </a:ln>
+                <a:solidFill>
+                  <a:schemeClr val="tx1"/>
+                </a:solidFill>
+                <a:effectLst/>
+                <a:latin typeface="Times New Roman" panose="02020603050405020304" pitchFamily="18" charset="0"/>
+                <a:ea typeface="Yu Mincho"/>
+                <a:cs typeface="Times New Roman" panose="02020603050405020304" pitchFamily="18" charset="0"/>
+              </a:rPr>
+              <a:t> </a:t>
+            </a:r>
+            <a:r>
+              <a:rPr kumimoji="0" lang="en-US" altLang="ja-JP" sz="1400" b="0" i="0" u="none" strike="noStrike" cap="none" normalizeH="0" baseline="0" dirty="0" err="1" smtClean="0">
+                <a:ln>
+                  <a:noFill/>
+                </a:ln>
+                <a:solidFill>
+                  <a:schemeClr val="tx1"/>
+                </a:solidFill>
+                <a:effectLst/>
+                <a:latin typeface="Times New Roman" panose="02020603050405020304" pitchFamily="18" charset="0"/>
+                <a:ea typeface="Yu Mincho"/>
+                <a:cs typeface="Times New Roman" panose="02020603050405020304" pitchFamily="18" charset="0"/>
+              </a:rPr>
+              <a:t>đồ</a:t>
+            </a:r>
+            <a:r>
+              <a:rPr kumimoji="0" lang="en-US" altLang="ja-JP" sz="1400" b="0" i="0" u="none" strike="noStrike" cap="none" normalizeH="0" baseline="0" dirty="0" smtClean="0">
+                <a:ln>
+                  <a:noFill/>
+                </a:ln>
+                <a:solidFill>
+                  <a:schemeClr val="tx1"/>
+                </a:solidFill>
+                <a:effectLst/>
+                <a:latin typeface="Times New Roman" panose="02020603050405020304" pitchFamily="18" charset="0"/>
+                <a:ea typeface="Yu Mincho"/>
+                <a:cs typeface="Times New Roman" panose="02020603050405020304" pitchFamily="18" charset="0"/>
+              </a:rPr>
+              <a:t> </a:t>
+            </a:r>
+            <a:r>
+              <a:rPr kumimoji="0" lang="en-US" altLang="ja-JP" sz="1400" b="0" i="0" u="none" strike="noStrike" cap="none" normalizeH="0" baseline="0" dirty="0" err="1" smtClean="0">
+                <a:ln>
+                  <a:noFill/>
+                </a:ln>
+                <a:solidFill>
+                  <a:schemeClr val="tx1"/>
+                </a:solidFill>
+                <a:effectLst/>
+                <a:latin typeface="Times New Roman" panose="02020603050405020304" pitchFamily="18" charset="0"/>
+                <a:ea typeface="Yu Mincho"/>
+                <a:cs typeface="Times New Roman" panose="02020603050405020304" pitchFamily="18" charset="0"/>
+              </a:rPr>
+              <a:t>tuần</a:t>
+            </a:r>
+            <a:r>
+              <a:rPr kumimoji="0" lang="en-US" altLang="ja-JP" sz="1400" b="0" i="0" u="none" strike="noStrike" cap="none" normalizeH="0" baseline="0" dirty="0" smtClean="0">
+                <a:ln>
+                  <a:noFill/>
+                </a:ln>
+                <a:solidFill>
+                  <a:schemeClr val="tx1"/>
+                </a:solidFill>
+                <a:effectLst/>
+                <a:latin typeface="Times New Roman" panose="02020603050405020304" pitchFamily="18" charset="0"/>
+                <a:ea typeface="Yu Mincho"/>
+                <a:cs typeface="Times New Roman" panose="02020603050405020304" pitchFamily="18" charset="0"/>
+              </a:rPr>
+              <a:t> </a:t>
+            </a:r>
+            <a:r>
+              <a:rPr kumimoji="0" lang="en-US" altLang="ja-JP" sz="1400" b="0" i="0" u="none" strike="noStrike" cap="none" normalizeH="0" baseline="0" dirty="0" err="1" smtClean="0">
+                <a:ln>
+                  <a:noFill/>
+                </a:ln>
+                <a:solidFill>
+                  <a:schemeClr val="tx1"/>
+                </a:solidFill>
+                <a:effectLst/>
+                <a:latin typeface="Times New Roman" panose="02020603050405020304" pitchFamily="18" charset="0"/>
+                <a:ea typeface="Yu Mincho"/>
+                <a:cs typeface="Times New Roman" panose="02020603050405020304" pitchFamily="18" charset="0"/>
+              </a:rPr>
+              <a:t>tự</a:t>
+            </a:r>
+            <a:r>
+              <a:rPr kumimoji="0" lang="en-US" altLang="ja-JP" sz="1400" b="0" i="0" u="none" strike="noStrike" cap="none" normalizeH="0" baseline="0" dirty="0" smtClean="0">
+                <a:ln>
+                  <a:noFill/>
+                </a:ln>
+                <a:solidFill>
+                  <a:schemeClr val="tx1"/>
+                </a:solidFill>
+                <a:effectLst/>
+                <a:latin typeface="Times New Roman" panose="02020603050405020304" pitchFamily="18" charset="0"/>
+                <a:ea typeface="Yu Mincho"/>
+                <a:cs typeface="Times New Roman" panose="02020603050405020304" pitchFamily="18" charset="0"/>
+              </a:rPr>
+              <a:t> </a:t>
+            </a:r>
+            <a:r>
+              <a:rPr kumimoji="0" lang="en-US" altLang="ja-JP" sz="1400" b="0" i="0" u="none" strike="noStrike" cap="none" normalizeH="0" baseline="0" dirty="0" err="1" smtClean="0">
+                <a:ln>
+                  <a:noFill/>
+                </a:ln>
+                <a:solidFill>
+                  <a:schemeClr val="tx1"/>
+                </a:solidFill>
+                <a:effectLst/>
+                <a:latin typeface="Times New Roman" panose="02020603050405020304" pitchFamily="18" charset="0"/>
+                <a:ea typeface="Yu Mincho"/>
+                <a:cs typeface="Times New Roman" panose="02020603050405020304" pitchFamily="18" charset="0"/>
+              </a:rPr>
+              <a:t>cho</a:t>
+            </a:r>
+            <a:r>
+              <a:rPr kumimoji="0" lang="en-US" altLang="ja-JP" sz="1400" b="0" i="0" u="none" strike="noStrike" cap="none" normalizeH="0" baseline="0" dirty="0" smtClean="0">
+                <a:ln>
+                  <a:noFill/>
+                </a:ln>
+                <a:solidFill>
+                  <a:schemeClr val="tx1"/>
+                </a:solidFill>
+                <a:effectLst/>
+                <a:latin typeface="Times New Roman" panose="02020603050405020304" pitchFamily="18" charset="0"/>
+                <a:ea typeface="Yu Mincho"/>
+                <a:cs typeface="Times New Roman" panose="02020603050405020304" pitchFamily="18" charset="0"/>
+              </a:rPr>
+              <a:t> </a:t>
+            </a:r>
+            <a:r>
+              <a:rPr kumimoji="0" lang="en-US" altLang="ja-JP" sz="1400" b="0" i="0" u="none" strike="noStrike" cap="none" normalizeH="0" baseline="0" dirty="0" err="1" smtClean="0">
+                <a:ln>
+                  <a:noFill/>
+                </a:ln>
+                <a:solidFill>
+                  <a:schemeClr val="tx1"/>
+                </a:solidFill>
+                <a:effectLst/>
+                <a:latin typeface="Times New Roman" panose="02020603050405020304" pitchFamily="18" charset="0"/>
+                <a:ea typeface="Yu Mincho"/>
+                <a:cs typeface="Times New Roman" panose="02020603050405020304" pitchFamily="18" charset="0"/>
+              </a:rPr>
+              <a:t>usecase</a:t>
+            </a:r>
+            <a:r>
+              <a:rPr kumimoji="0" lang="en-US" altLang="ja-JP" sz="1400" b="0" i="0" u="none" strike="noStrike" cap="none" normalizeH="0" baseline="0" dirty="0" smtClean="0">
+                <a:ln>
+                  <a:noFill/>
+                </a:ln>
+                <a:solidFill>
+                  <a:schemeClr val="tx1"/>
+                </a:solidFill>
+                <a:effectLst/>
+                <a:latin typeface="Times New Roman" panose="02020603050405020304" pitchFamily="18" charset="0"/>
+                <a:ea typeface="Yu Mincho"/>
+                <a:cs typeface="Times New Roman" panose="02020603050405020304" pitchFamily="18" charset="0"/>
+              </a:rPr>
+              <a:t> </a:t>
+            </a:r>
+            <a:r>
+              <a:rPr kumimoji="0" lang="en-US" altLang="ja-JP" sz="1400" b="0" i="0" u="none" strike="noStrike" cap="none" normalizeH="0" baseline="0" dirty="0" err="1" smtClean="0">
+                <a:ln>
+                  <a:noFill/>
+                </a:ln>
+                <a:solidFill>
+                  <a:schemeClr val="tx1"/>
+                </a:solidFill>
+                <a:effectLst/>
+                <a:latin typeface="Times New Roman" panose="02020603050405020304" pitchFamily="18" charset="0"/>
+                <a:ea typeface="Yu Mincho"/>
+                <a:cs typeface="Times New Roman" panose="02020603050405020304" pitchFamily="18" charset="0"/>
+              </a:rPr>
+              <a:t>T</a:t>
+            </a:r>
+            <a:r>
+              <a:rPr kumimoji="0" lang="en-US" altLang="ja-JP" sz="1400" b="0" i="0" u="none" strike="noStrike" cap="none" normalizeH="0" baseline="0" dirty="0" err="1" smtClean="0">
+                <a:ln>
+                  <a:noFill/>
+                </a:ln>
+                <a:solidFill>
+                  <a:schemeClr val="tx1"/>
+                </a:solidFill>
+                <a:effectLst/>
+                <a:latin typeface="Calibri" panose="020F0502020204030204" pitchFamily="34" charset="0"/>
+                <a:ea typeface="Yu Mincho"/>
+                <a:cs typeface="Times New Roman" panose="02020603050405020304" pitchFamily="18" charset="0"/>
+              </a:rPr>
+              <a:t>ì</a:t>
+            </a:r>
+            <a:r>
+              <a:rPr kumimoji="0" lang="en-US" altLang="ja-JP" sz="1400" b="0" i="0" u="none" strike="noStrike" cap="none" normalizeH="0" baseline="0" dirty="0" err="1" smtClean="0">
+                <a:ln>
+                  <a:noFill/>
+                </a:ln>
+                <a:solidFill>
+                  <a:schemeClr val="tx1"/>
+                </a:solidFill>
+                <a:effectLst/>
+                <a:latin typeface="Times New Roman" panose="02020603050405020304" pitchFamily="18" charset="0"/>
+                <a:ea typeface="Yu Mincho"/>
+                <a:cs typeface="Times New Roman" panose="02020603050405020304" pitchFamily="18" charset="0"/>
+              </a:rPr>
+              <a:t>m</a:t>
+            </a:r>
+            <a:r>
+              <a:rPr kumimoji="0" lang="en-US" altLang="ja-JP" sz="1400" b="0" i="0" u="none" strike="noStrike" cap="none" normalizeH="0" baseline="0" dirty="0" smtClean="0">
+                <a:ln>
+                  <a:noFill/>
+                </a:ln>
+                <a:solidFill>
+                  <a:schemeClr val="tx1"/>
+                </a:solidFill>
+                <a:effectLst/>
+                <a:latin typeface="Times New Roman" panose="02020603050405020304" pitchFamily="18" charset="0"/>
+                <a:ea typeface="Yu Mincho"/>
+                <a:cs typeface="Times New Roman" panose="02020603050405020304" pitchFamily="18" charset="0"/>
+              </a:rPr>
+              <a:t> </a:t>
+            </a:r>
+            <a:r>
+              <a:rPr kumimoji="0" lang="en-US" altLang="ja-JP" sz="1400" b="0" i="0" u="none" strike="noStrike" cap="none" normalizeH="0" baseline="0" dirty="0" err="1" smtClean="0">
+                <a:ln>
+                  <a:noFill/>
+                </a:ln>
+                <a:solidFill>
+                  <a:schemeClr val="tx1"/>
+                </a:solidFill>
+                <a:effectLst/>
+                <a:latin typeface="Times New Roman" panose="02020603050405020304" pitchFamily="18" charset="0"/>
+                <a:ea typeface="Yu Mincho"/>
+                <a:cs typeface="Times New Roman" panose="02020603050405020304" pitchFamily="18" charset="0"/>
+              </a:rPr>
+              <a:t>kiếm</a:t>
+            </a:r>
+            <a:r>
+              <a:rPr kumimoji="0" lang="en-US" altLang="ja-JP" sz="1400" b="0" i="0" u="none" strike="noStrike" cap="none" normalizeH="0" baseline="0" dirty="0" smtClean="0">
+                <a:ln>
+                  <a:noFill/>
+                </a:ln>
+                <a:solidFill>
+                  <a:schemeClr val="tx1"/>
+                </a:solidFill>
+                <a:effectLst/>
+                <a:latin typeface="Times New Roman" panose="02020603050405020304" pitchFamily="18" charset="0"/>
+                <a:ea typeface="Yu Mincho"/>
+                <a:cs typeface="Times New Roman" panose="02020603050405020304" pitchFamily="18" charset="0"/>
+              </a:rPr>
+              <a:t> </a:t>
+            </a:r>
+            <a:r>
+              <a:rPr kumimoji="0" lang="en-US" altLang="ja-JP" sz="1400" b="0" i="0" u="none" strike="noStrike" cap="none" normalizeH="0" baseline="0" dirty="0" err="1" smtClean="0">
+                <a:ln>
+                  <a:noFill/>
+                </a:ln>
+                <a:solidFill>
+                  <a:schemeClr val="tx1"/>
+                </a:solidFill>
+                <a:effectLst/>
+                <a:latin typeface="Times New Roman" panose="02020603050405020304" pitchFamily="18" charset="0"/>
+                <a:ea typeface="Yu Mincho"/>
+                <a:cs typeface="Times New Roman" panose="02020603050405020304" pitchFamily="18" charset="0"/>
+              </a:rPr>
+              <a:t>phòng</a:t>
+            </a:r>
+            <a:endParaRPr kumimoji="0" lang="en-US" altLang="ja-JP" sz="1100" b="0" i="0" u="none" strike="noStrike" cap="none" normalizeH="0" baseline="0" dirty="0" smtClean="0">
+              <a:ln>
+                <a:noFill/>
+              </a:ln>
+              <a:solidFill>
+                <a:schemeClr val="tx1"/>
+              </a:solidFill>
+              <a:effectLst/>
+            </a:endParaRPr>
+          </a:p>
+          <a:p>
+            <a:pPr marL="0" marR="0" lvl="0" indent="0" algn="l" defTabSz="914400" rtl="0" eaLnBrk="0" fontAlgn="base" latinLnBrk="0" hangingPunct="0">
+              <a:lnSpc>
+                <a:spcPct val="100000"/>
+              </a:lnSpc>
+              <a:spcBef>
+                <a:spcPct val="0"/>
+              </a:spcBef>
+              <a:spcAft>
+                <a:spcPct val="0"/>
+              </a:spcAft>
+              <a:buClrTx/>
+              <a:buSzTx/>
+              <a:buFontTx/>
+              <a:buNone/>
+              <a:tabLst/>
+            </a:pPr>
+            <a:endParaRPr kumimoji="0" lang="en-US" altLang="ja-JP" sz="1800" b="0" i="0" u="none" strike="noStrike" cap="none" normalizeH="0" baseline="0" dirty="0" smtClean="0">
+              <a:ln>
+                <a:noFill/>
+              </a:ln>
+              <a:solidFill>
+                <a:schemeClr val="tx1"/>
+              </a:solidFill>
+              <a:effectLst/>
+              <a:latin typeface="Arial" panose="020B0604020202020204" pitchFamily="34" charset="0"/>
+            </a:endParaRPr>
+          </a:p>
+        </p:txBody>
+      </p:sp>
+      <p:pic>
+        <p:nvPicPr>
+          <p:cNvPr id="1025" name="Picture 4"/>
+          <p:cNvPicPr>
+            <a:picLocks noChangeAspect="1" noChangeArrowheads="1"/>
+          </p:cNvPicPr>
+          <p:nvPr/>
+        </p:nvPicPr>
+        <p:blipFill>
+          <a:blip r:embed="rId2">
+            <a:extLst>
+              <a:ext uri="{28A0092B-C50C-407E-A947-70E740481C1C}">
+                <a14:useLocalDpi xmlns:a14="http://schemas.microsoft.com/office/drawing/2010/main" val="0"/>
+              </a:ext>
+            </a:extLst>
+          </a:blip>
+          <a:srcRect/>
+          <a:stretch>
+            <a:fillRect/>
+          </a:stretch>
+        </p:blipFill>
+        <p:spPr bwMode="auto">
+          <a:xfrm>
+            <a:off x="3305175" y="1825625"/>
+            <a:ext cx="5581650" cy="4171950"/>
+          </a:xfrm>
+          <a:prstGeom prst="rect">
+            <a:avLst/>
+          </a:prstGeom>
+          <a:noFill/>
+          <a:extLst>
+            <a:ext uri="{909E8E84-426E-40DD-AFC4-6F175D3DCCD1}">
+              <a14:hiddenFill xmlns:a14="http://schemas.microsoft.com/office/drawing/2010/main">
+                <a:solidFill>
+                  <a:srgbClr val="FFFFFF"/>
+                </a:solidFill>
+              </a14:hiddenFill>
+            </a:ext>
+          </a:extLst>
+        </p:spPr>
+      </p:pic>
+      <p:sp>
+        <p:nvSpPr>
+          <p:cNvPr id="5" name="Rectangle 3"/>
+          <p:cNvSpPr>
+            <a:spLocks noChangeArrowheads="1"/>
+          </p:cNvSpPr>
+          <p:nvPr/>
+        </p:nvSpPr>
+        <p:spPr bwMode="auto">
+          <a:xfrm>
+            <a:off x="1703832" y="5997575"/>
+            <a:ext cx="12192000" cy="0"/>
+          </a:xfrm>
+          <a:prstGeom prst="rect">
+            <a:avLst/>
+          </a:prstGeom>
+          <a:noFill/>
+          <a:ln>
+            <a:noFill/>
+          </a:ln>
+          <a:effectLst/>
+          <a:extLst>
+            <a:ext uri="{909E8E84-426E-40DD-AFC4-6F175D3DCCD1}">
+              <a14:hiddenFill xmlns:a14="http://schemas.microsoft.com/office/drawing/2010/main">
+                <a:solidFill>
+                  <a:schemeClr val="accent1"/>
+                </a:solidFill>
+              </a14:hiddenFill>
+            </a:ext>
+            <a:ext uri="{91240B29-F687-4F45-9708-019B960494DF}">
+              <a14:hiddenLine xmlns:a14="http://schemas.microsoft.com/office/drawing/2010/main" w="9525">
+                <a:solidFill>
+                  <a:schemeClr val="tx1"/>
+                </a:solidFill>
+                <a:miter lim="800000"/>
+                <a:headEnd/>
+                <a:tailEnd/>
+              </a14:hiddenLine>
+            </a:ext>
+            <a:ext uri="{AF507438-7753-43E0-B8FC-AC1667EBCBE1}">
+              <a14:hiddenEffects xmlns:a14="http://schemas.microsoft.com/office/drawing/2010/main">
+                <a:effectLst>
+                  <a:outerShdw dist="35921" dir="2700000" algn="ctr" rotWithShape="0">
+                    <a:schemeClr val="bg2"/>
+                  </a:outerShdw>
+                </a:effectLst>
+              </a14:hiddenEffects>
+            </a:ext>
+          </a:extLst>
+        </p:spPr>
+        <p:txBody>
+          <a:bodyPr vert="horz" wrap="none" lIns="91440" tIns="45720" rIns="91440" bIns="45720" numCol="1" anchor="ctr" anchorCtr="0" compatLnSpc="1">
+            <a:prstTxWarp prst="textNoShape">
+              <a:avLst/>
+            </a:prstTxWarp>
+            <a:spAutoFit/>
+          </a:bodyPr>
+          <a:lstStyle/>
+          <a:p>
+            <a:endParaRPr lang="en-US"/>
+          </a:p>
+        </p:txBody>
+      </p:sp>
+    </p:spTree>
+    <p:extLst>
+      <p:ext uri="{BB962C8B-B14F-4D97-AF65-F5344CB8AC3E}">
+        <p14:creationId xmlns:p14="http://schemas.microsoft.com/office/powerpoint/2010/main" val="4000268918"/>
+      </p:ext>
+    </p:extLst>
+  </p:cSld>
+  <p:clrMapOvr>
+    <a:masterClrMapping/>
+  </p:clrMapOvr>
+  <p:timing>
+    <p:tnLst>
+      <p:par>
+        <p:cTn id="1" dur="indefinite" restart="never" nodeType="tmRoot"/>
+      </p:par>
+    </p:tnLst>
+  </p:timing>
+</p:sld>
+</file>
+
+<file path=ppt/slides/slide16.xml><?xml version="1.0" encoding="utf-8"?>
+<p:sld xmlns:a="http://schemas.openxmlformats.org/drawingml/2006/main" xmlns:r="http://schemas.openxmlformats.org/officeDocument/2006/relationships" xmlns:p="http://schemas.openxmlformats.org/presentationml/2006/main">
+  <p:cSld>
+    <p:spTree>
+      <p:nvGrpSpPr>
+        <p:cNvPr id="1" name=""/>
+        <p:cNvGrpSpPr/>
+        <p:nvPr/>
+      </p:nvGrpSpPr>
+      <p:grpSpPr>
+        <a:xfrm>
+          <a:off x="0" y="0"/>
+          <a:ext cx="0" cy="0"/>
+          <a:chOff x="0" y="0"/>
+          <a:chExt cx="0" cy="0"/>
+        </a:xfrm>
+      </p:grpSpPr>
+      <p:sp>
+        <p:nvSpPr>
+          <p:cNvPr id="3" name="Content Placeholder 2"/>
+          <p:cNvSpPr>
+            <a:spLocks noGrp="1"/>
+          </p:cNvSpPr>
+          <p:nvPr>
+            <p:ph idx="1"/>
+          </p:nvPr>
+        </p:nvSpPr>
+        <p:spPr/>
+        <p:txBody>
+          <a:bodyPr/>
+          <a:lstStyle/>
+          <a:p>
+            <a:pPr lvl="0"/>
+            <a:r>
+              <a:rPr lang="en-US" b="1" dirty="0" smtClean="0"/>
+              <a:t>.</a:t>
+            </a:r>
+            <a:endParaRPr lang="en-US" dirty="0"/>
+          </a:p>
+          <a:p>
+            <a:endParaRPr lang="en-US" dirty="0"/>
+          </a:p>
+        </p:txBody>
+      </p:sp>
+      <p:sp>
+        <p:nvSpPr>
+          <p:cNvPr id="5" name="Rectangle 3"/>
+          <p:cNvSpPr>
+            <a:spLocks noChangeArrowheads="1"/>
+          </p:cNvSpPr>
+          <p:nvPr/>
+        </p:nvSpPr>
+        <p:spPr bwMode="auto">
+          <a:xfrm>
+            <a:off x="1703832" y="5997575"/>
+            <a:ext cx="12192000" cy="0"/>
+          </a:xfrm>
+          <a:prstGeom prst="rect">
+            <a:avLst/>
+          </a:prstGeom>
+          <a:noFill/>
+          <a:ln>
+            <a:noFill/>
+          </a:ln>
+          <a:effectLst/>
+          <a:extLst>
+            <a:ext uri="{909E8E84-426E-40DD-AFC4-6F175D3DCCD1}">
+              <a14:hiddenFill xmlns:a14="http://schemas.microsoft.com/office/drawing/2010/main">
+                <a:solidFill>
+                  <a:schemeClr val="accent1"/>
+                </a:solidFill>
+              </a14:hiddenFill>
+            </a:ext>
+            <a:ext uri="{91240B29-F687-4F45-9708-019B960494DF}">
+              <a14:hiddenLine xmlns:a14="http://schemas.microsoft.com/office/drawing/2010/main" w="9525">
+                <a:solidFill>
+                  <a:schemeClr val="tx1"/>
+                </a:solidFill>
+                <a:miter lim="800000"/>
+                <a:headEnd/>
+                <a:tailEnd/>
+              </a14:hiddenLine>
+            </a:ext>
+            <a:ext uri="{AF507438-7753-43E0-B8FC-AC1667EBCBE1}">
+              <a14:hiddenEffects xmlns:a14="http://schemas.microsoft.com/office/drawing/2010/main">
+                <a:effectLst>
+                  <a:outerShdw dist="35921" dir="2700000" algn="ctr" rotWithShape="0">
+                    <a:schemeClr val="bg2"/>
+                  </a:outerShdw>
+                </a:effectLst>
+              </a14:hiddenEffects>
+            </a:ext>
+          </a:extLst>
+        </p:spPr>
+        <p:txBody>
+          <a:bodyPr vert="horz" wrap="none" lIns="91440" tIns="45720" rIns="91440" bIns="45720" numCol="1" anchor="ctr" anchorCtr="0" compatLnSpc="1">
+            <a:prstTxWarp prst="textNoShape">
+              <a:avLst/>
+            </a:prstTxWarp>
+            <a:spAutoFit/>
+          </a:bodyPr>
+          <a:lstStyle/>
+          <a:p>
+            <a:endParaRPr lang="en-US"/>
+          </a:p>
+        </p:txBody>
+      </p:sp>
+      <p:sp>
+        <p:nvSpPr>
+          <p:cNvPr id="2" name="Rectangle 2"/>
+          <p:cNvSpPr>
+            <a:spLocks noChangeArrowheads="1"/>
+          </p:cNvSpPr>
+          <p:nvPr/>
+        </p:nvSpPr>
+        <p:spPr bwMode="auto">
+          <a:xfrm>
+            <a:off x="3405124" y="1533525"/>
+            <a:ext cx="12192000" cy="457200"/>
+          </a:xfrm>
+          <a:prstGeom prst="rect">
+            <a:avLst/>
+          </a:prstGeom>
+          <a:noFill/>
+          <a:ln>
+            <a:noFill/>
+          </a:ln>
+          <a:effectLst/>
+          <a:extLst>
+            <a:ext uri="{909E8E84-426E-40DD-AFC4-6F175D3DCCD1}">
+              <a14:hiddenFill xmlns:a14="http://schemas.microsoft.com/office/drawing/2010/main">
+                <a:solidFill>
+                  <a:schemeClr val="accent1"/>
+                </a:solidFill>
+              </a14:hiddenFill>
+            </a:ext>
+            <a:ext uri="{91240B29-F687-4F45-9708-019B960494DF}">
+              <a14:hiddenLine xmlns:a14="http://schemas.microsoft.com/office/drawing/2010/main" w="9525">
+                <a:solidFill>
+                  <a:schemeClr val="tx1"/>
+                </a:solidFill>
+                <a:miter lim="800000"/>
+                <a:headEnd/>
+                <a:tailEnd/>
+              </a14:hiddenLine>
+            </a:ext>
+            <a:ext uri="{AF507438-7753-43E0-B8FC-AC1667EBCBE1}">
+              <a14:hiddenEffects xmlns:a14="http://schemas.microsoft.com/office/drawing/2010/main">
+                <a:effectLst>
+                  <a:outerShdw dist="35921" dir="2700000" algn="ctr" rotWithShape="0">
+                    <a:schemeClr val="bg2"/>
+                  </a:outerShdw>
+                </a:effectLst>
+              </a14:hiddenEffects>
+            </a:ext>
+          </a:extLst>
+        </p:spPr>
+        <p:txBody>
+          <a:bodyPr vert="horz" wrap="none" lIns="91440" tIns="45720" rIns="91440" bIns="45720" numCol="1" anchor="ctr" anchorCtr="0" compatLnSpc="1">
+            <a:prstTxWarp prst="textNoShape">
+              <a:avLst/>
+            </a:prstTxWarp>
+            <a:spAutoFit/>
+          </a:bodyPr>
+          <a:lstStyle/>
+          <a:p>
+            <a:pPr marL="0" marR="0" lvl="0" indent="0" algn="l" defTabSz="914400" rtl="0" eaLnBrk="0" fontAlgn="base" latinLnBrk="0" hangingPunct="0">
+              <a:lnSpc>
+                <a:spcPct val="100000"/>
+              </a:lnSpc>
+              <a:spcBef>
+                <a:spcPct val="0"/>
+              </a:spcBef>
+              <a:spcAft>
+                <a:spcPct val="0"/>
+              </a:spcAft>
+              <a:buClrTx/>
+              <a:buSzTx/>
+              <a:buFontTx/>
+              <a:buChar char="•"/>
+              <a:tabLst/>
+            </a:pPr>
+            <a:r>
+              <a:rPr kumimoji="0" lang="en-US" altLang="ja-JP" sz="1400" b="0" i="0" u="none" strike="noStrike" cap="none" normalizeH="0" baseline="0" smtClean="0">
+                <a:ln>
+                  <a:noFill/>
+                </a:ln>
+                <a:solidFill>
+                  <a:schemeClr val="tx1"/>
+                </a:solidFill>
+                <a:effectLst/>
+                <a:latin typeface="Times New Roman" panose="02020603050405020304" pitchFamily="18" charset="0"/>
+                <a:ea typeface="Yu Mincho" charset="-128"/>
+                <a:cs typeface="Times New Roman" panose="02020603050405020304" pitchFamily="18" charset="0"/>
+              </a:rPr>
+              <a:t>Sơ đồ tuần tự cho usecase Xem chi tiết phòng</a:t>
+            </a:r>
+            <a:endParaRPr kumimoji="0" lang="en-US" altLang="ja-JP" sz="1100" b="0" i="0" u="none" strike="noStrike" cap="none" normalizeH="0" baseline="0" smtClean="0">
+              <a:ln>
+                <a:noFill/>
+              </a:ln>
+              <a:solidFill>
+                <a:schemeClr val="tx1"/>
+              </a:solidFill>
+              <a:effectLst/>
+            </a:endParaRPr>
+          </a:p>
+          <a:p>
+            <a:pPr marL="0" marR="0" lvl="0" indent="0" algn="l" defTabSz="914400" rtl="0" eaLnBrk="0" fontAlgn="base" latinLnBrk="0" hangingPunct="0">
+              <a:lnSpc>
+                <a:spcPct val="100000"/>
+              </a:lnSpc>
+              <a:spcBef>
+                <a:spcPct val="0"/>
+              </a:spcBef>
+              <a:spcAft>
+                <a:spcPct val="0"/>
+              </a:spcAft>
+              <a:buClrTx/>
+              <a:buSzTx/>
+              <a:buFontTx/>
+              <a:buNone/>
+              <a:tabLst/>
+            </a:pPr>
+            <a:endParaRPr kumimoji="0" lang="en-US" altLang="ja-JP" sz="1800" b="0" i="0" u="none" strike="noStrike" cap="none" normalizeH="0" baseline="0" smtClean="0">
+              <a:ln>
+                <a:noFill/>
+              </a:ln>
+              <a:solidFill>
+                <a:schemeClr val="tx1"/>
+              </a:solidFill>
+              <a:effectLst/>
+              <a:latin typeface="Arial" panose="020B0604020202020204" pitchFamily="34" charset="0"/>
+            </a:endParaRPr>
+          </a:p>
+        </p:txBody>
+      </p:sp>
+      <p:pic>
+        <p:nvPicPr>
+          <p:cNvPr id="2049" name="Picture 16"/>
+          <p:cNvPicPr>
+            <a:picLocks noChangeAspect="1" noChangeArrowheads="1"/>
+          </p:cNvPicPr>
+          <p:nvPr/>
+        </p:nvPicPr>
+        <p:blipFill>
+          <a:blip r:embed="rId2">
+            <a:extLst>
+              <a:ext uri="{28A0092B-C50C-407E-A947-70E740481C1C}">
+                <a14:useLocalDpi xmlns:a14="http://schemas.microsoft.com/office/drawing/2010/main" val="0"/>
+              </a:ext>
+            </a:extLst>
+          </a:blip>
+          <a:srcRect/>
+          <a:stretch>
+            <a:fillRect/>
+          </a:stretch>
+        </p:blipFill>
+        <p:spPr bwMode="auto">
+          <a:xfrm>
+            <a:off x="3305175" y="1844675"/>
+            <a:ext cx="5581650" cy="3714750"/>
+          </a:xfrm>
+          <a:prstGeom prst="rect">
+            <a:avLst/>
+          </a:prstGeom>
+          <a:noFill/>
+          <a:extLst>
+            <a:ext uri="{909E8E84-426E-40DD-AFC4-6F175D3DCCD1}">
+              <a14:hiddenFill xmlns:a14="http://schemas.microsoft.com/office/drawing/2010/main">
+                <a:solidFill>
+                  <a:srgbClr val="FFFFFF"/>
+                </a:solidFill>
+              </a14:hiddenFill>
+            </a:ext>
+          </a:extLst>
+        </p:spPr>
+      </p:pic>
+      <p:sp>
+        <p:nvSpPr>
+          <p:cNvPr id="6" name="Rectangle 3"/>
+          <p:cNvSpPr>
+            <a:spLocks noChangeArrowheads="1"/>
+          </p:cNvSpPr>
+          <p:nvPr/>
+        </p:nvSpPr>
+        <p:spPr bwMode="auto">
+          <a:xfrm>
+            <a:off x="3633724" y="5705475"/>
+            <a:ext cx="12192000" cy="0"/>
+          </a:xfrm>
+          <a:prstGeom prst="rect">
+            <a:avLst/>
+          </a:prstGeom>
+          <a:noFill/>
+          <a:ln>
+            <a:noFill/>
+          </a:ln>
+          <a:effectLst/>
+          <a:extLst>
+            <a:ext uri="{909E8E84-426E-40DD-AFC4-6F175D3DCCD1}">
+              <a14:hiddenFill xmlns:a14="http://schemas.microsoft.com/office/drawing/2010/main">
+                <a:solidFill>
+                  <a:schemeClr val="accent1"/>
+                </a:solidFill>
+              </a14:hiddenFill>
+            </a:ext>
+            <a:ext uri="{91240B29-F687-4F45-9708-019B960494DF}">
+              <a14:hiddenLine xmlns:a14="http://schemas.microsoft.com/office/drawing/2010/main" w="9525">
+                <a:solidFill>
+                  <a:schemeClr val="tx1"/>
+                </a:solidFill>
+                <a:miter lim="800000"/>
+                <a:headEnd/>
+                <a:tailEnd/>
+              </a14:hiddenLine>
+            </a:ext>
+            <a:ext uri="{AF507438-7753-43E0-B8FC-AC1667EBCBE1}">
+              <a14:hiddenEffects xmlns:a14="http://schemas.microsoft.com/office/drawing/2010/main">
+                <a:effectLst>
+                  <a:outerShdw dist="35921" dir="2700000" algn="ctr" rotWithShape="0">
+                    <a:schemeClr val="bg2"/>
+                  </a:outerShdw>
+                </a:effectLst>
+              </a14:hiddenEffects>
+            </a:ext>
+          </a:extLst>
+        </p:spPr>
+        <p:txBody>
+          <a:bodyPr vert="horz" wrap="none" lIns="91440" tIns="45720" rIns="91440" bIns="45720" numCol="1" anchor="ctr" anchorCtr="0" compatLnSpc="1">
+            <a:prstTxWarp prst="textNoShape">
+              <a:avLst/>
+            </a:prstTxWarp>
+            <a:spAutoFit/>
+          </a:bodyPr>
+          <a:lstStyle/>
+          <a:p>
+            <a:endParaRPr lang="en-US"/>
+          </a:p>
+        </p:txBody>
+      </p:sp>
+    </p:spTree>
+    <p:extLst>
+      <p:ext uri="{BB962C8B-B14F-4D97-AF65-F5344CB8AC3E}">
+        <p14:creationId xmlns:p14="http://schemas.microsoft.com/office/powerpoint/2010/main" val="2758531678"/>
+      </p:ext>
+    </p:extLst>
+  </p:cSld>
+  <p:clrMapOvr>
+    <a:masterClrMapping/>
+  </p:clrMapOvr>
+  <p:timing>
+    <p:tnLst>
+      <p:par>
+        <p:cTn id="1" dur="indefinite" restart="never" nodeType="tmRoot"/>
+      </p:par>
+    </p:tnLst>
+  </p:timing>
+</p:sld>
+</file>
+
+<file path=ppt/slides/slide17.xml><?xml version="1.0" encoding="utf-8"?>
+<p:sld xmlns:a="http://schemas.openxmlformats.org/drawingml/2006/main" xmlns:r="http://schemas.openxmlformats.org/officeDocument/2006/relationships" xmlns:p="http://schemas.openxmlformats.org/presentationml/2006/main">
+  <p:cSld>
+    <p:spTree>
+      <p:nvGrpSpPr>
+        <p:cNvPr id="1" name=""/>
+        <p:cNvGrpSpPr/>
+        <p:nvPr/>
+      </p:nvGrpSpPr>
+      <p:grpSpPr>
+        <a:xfrm>
+          <a:off x="0" y="0"/>
+          <a:ext cx="0" cy="0"/>
+          <a:chOff x="0" y="0"/>
+          <a:chExt cx="0" cy="0"/>
+        </a:xfrm>
+      </p:grpSpPr>
+      <p:sp>
+        <p:nvSpPr>
+          <p:cNvPr id="3" name="Content Placeholder 2"/>
+          <p:cNvSpPr>
+            <a:spLocks noGrp="1"/>
+          </p:cNvSpPr>
+          <p:nvPr>
+            <p:ph idx="1"/>
+          </p:nvPr>
+        </p:nvSpPr>
+        <p:spPr/>
+        <p:txBody>
+          <a:bodyPr/>
+          <a:lstStyle/>
+          <a:p>
+            <a:pPr lvl="0"/>
+            <a:r>
+              <a:rPr lang="en-US" b="1" dirty="0" smtClean="0"/>
+              <a:t>.</a:t>
+            </a:r>
+            <a:endParaRPr lang="en-US" dirty="0"/>
+          </a:p>
+          <a:p>
+            <a:endParaRPr lang="en-US" dirty="0"/>
+          </a:p>
+        </p:txBody>
+      </p:sp>
+      <p:sp>
+        <p:nvSpPr>
+          <p:cNvPr id="5" name="Rectangle 3"/>
+          <p:cNvSpPr>
+            <a:spLocks noChangeArrowheads="1"/>
+          </p:cNvSpPr>
+          <p:nvPr/>
+        </p:nvSpPr>
+        <p:spPr bwMode="auto">
+          <a:xfrm>
+            <a:off x="1703832" y="5997575"/>
+            <a:ext cx="12192000" cy="0"/>
+          </a:xfrm>
+          <a:prstGeom prst="rect">
+            <a:avLst/>
+          </a:prstGeom>
+          <a:noFill/>
+          <a:ln>
+            <a:noFill/>
+          </a:ln>
+          <a:effectLst/>
+          <a:extLst>
+            <a:ext uri="{909E8E84-426E-40DD-AFC4-6F175D3DCCD1}">
+              <a14:hiddenFill xmlns:a14="http://schemas.microsoft.com/office/drawing/2010/main">
+                <a:solidFill>
+                  <a:schemeClr val="accent1"/>
+                </a:solidFill>
+              </a14:hiddenFill>
+            </a:ext>
+            <a:ext uri="{91240B29-F687-4F45-9708-019B960494DF}">
+              <a14:hiddenLine xmlns:a14="http://schemas.microsoft.com/office/drawing/2010/main" w="9525">
+                <a:solidFill>
+                  <a:schemeClr val="tx1"/>
+                </a:solidFill>
+                <a:miter lim="800000"/>
+                <a:headEnd/>
+                <a:tailEnd/>
+              </a14:hiddenLine>
+            </a:ext>
+            <a:ext uri="{AF507438-7753-43E0-B8FC-AC1667EBCBE1}">
+              <a14:hiddenEffects xmlns:a14="http://schemas.microsoft.com/office/drawing/2010/main">
+                <a:effectLst>
+                  <a:outerShdw dist="35921" dir="2700000" algn="ctr" rotWithShape="0">
+                    <a:schemeClr val="bg2"/>
+                  </a:outerShdw>
+                </a:effectLst>
+              </a14:hiddenEffects>
+            </a:ext>
+          </a:extLst>
+        </p:spPr>
+        <p:txBody>
+          <a:bodyPr vert="horz" wrap="none" lIns="91440" tIns="45720" rIns="91440" bIns="45720" numCol="1" anchor="ctr" anchorCtr="0" compatLnSpc="1">
+            <a:prstTxWarp prst="textNoShape">
+              <a:avLst/>
+            </a:prstTxWarp>
+            <a:spAutoFit/>
+          </a:bodyPr>
+          <a:lstStyle/>
+          <a:p>
+            <a:endParaRPr lang="en-US"/>
+          </a:p>
+        </p:txBody>
+      </p:sp>
+      <p:sp>
+        <p:nvSpPr>
+          <p:cNvPr id="6" name="Rectangle 3"/>
+          <p:cNvSpPr>
+            <a:spLocks noChangeArrowheads="1"/>
+          </p:cNvSpPr>
+          <p:nvPr/>
+        </p:nvSpPr>
+        <p:spPr bwMode="auto">
+          <a:xfrm>
+            <a:off x="3633724" y="5705475"/>
+            <a:ext cx="12192000" cy="0"/>
+          </a:xfrm>
+          <a:prstGeom prst="rect">
+            <a:avLst/>
+          </a:prstGeom>
+          <a:noFill/>
+          <a:ln>
+            <a:noFill/>
+          </a:ln>
+          <a:effectLst/>
+          <a:extLst>
+            <a:ext uri="{909E8E84-426E-40DD-AFC4-6F175D3DCCD1}">
+              <a14:hiddenFill xmlns:a14="http://schemas.microsoft.com/office/drawing/2010/main">
+                <a:solidFill>
+                  <a:schemeClr val="accent1"/>
+                </a:solidFill>
+              </a14:hiddenFill>
+            </a:ext>
+            <a:ext uri="{91240B29-F687-4F45-9708-019B960494DF}">
+              <a14:hiddenLine xmlns:a14="http://schemas.microsoft.com/office/drawing/2010/main" w="9525">
+                <a:solidFill>
+                  <a:schemeClr val="tx1"/>
+                </a:solidFill>
+                <a:miter lim="800000"/>
+                <a:headEnd/>
+                <a:tailEnd/>
+              </a14:hiddenLine>
+            </a:ext>
+            <a:ext uri="{AF507438-7753-43E0-B8FC-AC1667EBCBE1}">
+              <a14:hiddenEffects xmlns:a14="http://schemas.microsoft.com/office/drawing/2010/main">
+                <a:effectLst>
+                  <a:outerShdw dist="35921" dir="2700000" algn="ctr" rotWithShape="0">
+                    <a:schemeClr val="bg2"/>
+                  </a:outerShdw>
+                </a:effectLst>
+              </a14:hiddenEffects>
+            </a:ext>
+          </a:extLst>
+        </p:spPr>
+        <p:txBody>
+          <a:bodyPr vert="horz" wrap="none" lIns="91440" tIns="45720" rIns="91440" bIns="45720" numCol="1" anchor="ctr" anchorCtr="0" compatLnSpc="1">
+            <a:prstTxWarp prst="textNoShape">
+              <a:avLst/>
+            </a:prstTxWarp>
+            <a:spAutoFit/>
+          </a:bodyPr>
+          <a:lstStyle/>
+          <a:p>
+            <a:endParaRPr lang="en-US"/>
+          </a:p>
+        </p:txBody>
+      </p:sp>
+      <p:sp>
+        <p:nvSpPr>
+          <p:cNvPr id="4" name="Rectangle 2"/>
+          <p:cNvSpPr>
+            <a:spLocks noChangeArrowheads="1"/>
+          </p:cNvSpPr>
+          <p:nvPr/>
+        </p:nvSpPr>
+        <p:spPr bwMode="auto">
+          <a:xfrm>
+            <a:off x="2681732" y="1100138"/>
+            <a:ext cx="12192000" cy="457200"/>
+          </a:xfrm>
+          <a:prstGeom prst="rect">
+            <a:avLst/>
+          </a:prstGeom>
+          <a:noFill/>
+          <a:ln>
+            <a:noFill/>
+          </a:ln>
+          <a:effectLst/>
+          <a:extLst>
+            <a:ext uri="{909E8E84-426E-40DD-AFC4-6F175D3DCCD1}">
+              <a14:hiddenFill xmlns:a14="http://schemas.microsoft.com/office/drawing/2010/main">
+                <a:solidFill>
+                  <a:schemeClr val="accent1"/>
+                </a:solidFill>
+              </a14:hiddenFill>
+            </a:ext>
+            <a:ext uri="{91240B29-F687-4F45-9708-019B960494DF}">
+              <a14:hiddenLine xmlns:a14="http://schemas.microsoft.com/office/drawing/2010/main" w="9525">
+                <a:solidFill>
+                  <a:schemeClr val="tx1"/>
+                </a:solidFill>
+                <a:miter lim="800000"/>
+                <a:headEnd/>
+                <a:tailEnd/>
+              </a14:hiddenLine>
+            </a:ext>
+            <a:ext uri="{AF507438-7753-43E0-B8FC-AC1667EBCBE1}">
+              <a14:hiddenEffects xmlns:a14="http://schemas.microsoft.com/office/drawing/2010/main">
+                <a:effectLst>
+                  <a:outerShdw dist="35921" dir="2700000" algn="ctr" rotWithShape="0">
+                    <a:schemeClr val="bg2"/>
+                  </a:outerShdw>
+                </a:effectLst>
+              </a14:hiddenEffects>
+            </a:ext>
+          </a:extLst>
+        </p:spPr>
+        <p:txBody>
+          <a:bodyPr vert="horz" wrap="none" lIns="91440" tIns="45720" rIns="91440" bIns="45720" numCol="1" anchor="ctr" anchorCtr="0" compatLnSpc="1">
+            <a:prstTxWarp prst="textNoShape">
+              <a:avLst/>
+            </a:prstTxWarp>
+            <a:spAutoFit/>
+          </a:bodyPr>
+          <a:lstStyle/>
+          <a:p>
+            <a:pPr marL="0" marR="0" lvl="0" indent="0" algn="l" defTabSz="914400" rtl="0" eaLnBrk="0" fontAlgn="base" latinLnBrk="0" hangingPunct="0">
+              <a:lnSpc>
+                <a:spcPct val="100000"/>
+              </a:lnSpc>
+              <a:spcBef>
+                <a:spcPct val="0"/>
+              </a:spcBef>
+              <a:spcAft>
+                <a:spcPct val="0"/>
+              </a:spcAft>
+              <a:buClrTx/>
+              <a:buSzTx/>
+              <a:buFontTx/>
+              <a:buChar char="•"/>
+              <a:tabLst/>
+            </a:pPr>
+            <a:r>
+              <a:rPr kumimoji="0" lang="en-US" altLang="ja-JP" sz="1400" b="0" i="0" u="none" strike="noStrike" cap="none" normalizeH="0" baseline="0" smtClean="0">
+                <a:ln>
+                  <a:noFill/>
+                </a:ln>
+                <a:solidFill>
+                  <a:schemeClr val="tx1"/>
+                </a:solidFill>
+                <a:effectLst/>
+                <a:latin typeface="Times New Roman" panose="02020603050405020304" pitchFamily="18" charset="0"/>
+                <a:ea typeface="Yu Mincho" charset="-128"/>
+                <a:cs typeface="Times New Roman" panose="02020603050405020304" pitchFamily="18" charset="0"/>
+              </a:rPr>
+              <a:t>Sơ đồ tuần tự cho usecase Đặt phòng </a:t>
+            </a:r>
+            <a:endParaRPr kumimoji="0" lang="en-US" altLang="ja-JP" sz="1100" b="0" i="0" u="none" strike="noStrike" cap="none" normalizeH="0" baseline="0" smtClean="0">
+              <a:ln>
+                <a:noFill/>
+              </a:ln>
+              <a:solidFill>
+                <a:schemeClr val="tx1"/>
+              </a:solidFill>
+              <a:effectLst/>
+            </a:endParaRPr>
+          </a:p>
+          <a:p>
+            <a:pPr marL="0" marR="0" lvl="0" indent="0" algn="l" defTabSz="914400" rtl="0" eaLnBrk="0" fontAlgn="base" latinLnBrk="0" hangingPunct="0">
+              <a:lnSpc>
+                <a:spcPct val="100000"/>
+              </a:lnSpc>
+              <a:spcBef>
+                <a:spcPct val="0"/>
+              </a:spcBef>
+              <a:spcAft>
+                <a:spcPct val="0"/>
+              </a:spcAft>
+              <a:buClrTx/>
+              <a:buSzTx/>
+              <a:buFontTx/>
+              <a:buNone/>
+              <a:tabLst/>
+            </a:pPr>
+            <a:endParaRPr kumimoji="0" lang="en-US" altLang="ja-JP" sz="1800" b="0" i="0" u="none" strike="noStrike" cap="none" normalizeH="0" baseline="0" smtClean="0">
+              <a:ln>
+                <a:noFill/>
+              </a:ln>
+              <a:solidFill>
+                <a:schemeClr val="tx1"/>
+              </a:solidFill>
+              <a:effectLst/>
+              <a:latin typeface="Arial" panose="020B0604020202020204" pitchFamily="34" charset="0"/>
+            </a:endParaRPr>
+          </a:p>
+        </p:txBody>
+      </p:sp>
+      <p:pic>
+        <p:nvPicPr>
+          <p:cNvPr id="3073" name="Picture 17"/>
+          <p:cNvPicPr>
+            <a:picLocks noChangeAspect="1" noChangeArrowheads="1"/>
+          </p:cNvPicPr>
+          <p:nvPr/>
+        </p:nvPicPr>
+        <p:blipFill>
+          <a:blip r:embed="rId2">
+            <a:extLst>
+              <a:ext uri="{28A0092B-C50C-407E-A947-70E740481C1C}">
+                <a14:useLocalDpi xmlns:a14="http://schemas.microsoft.com/office/drawing/2010/main" val="0"/>
+              </a:ext>
+            </a:extLst>
+          </a:blip>
+          <a:srcRect/>
+          <a:stretch>
+            <a:fillRect/>
+          </a:stretch>
+        </p:blipFill>
+        <p:spPr bwMode="auto">
+          <a:xfrm>
+            <a:off x="2681732" y="1557338"/>
+            <a:ext cx="5581650" cy="4619625"/>
+          </a:xfrm>
+          <a:prstGeom prst="rect">
+            <a:avLst/>
+          </a:prstGeom>
+          <a:noFill/>
+          <a:extLst>
+            <a:ext uri="{909E8E84-426E-40DD-AFC4-6F175D3DCCD1}">
+              <a14:hiddenFill xmlns:a14="http://schemas.microsoft.com/office/drawing/2010/main">
+                <a:solidFill>
+                  <a:srgbClr val="FFFFFF"/>
+                </a:solidFill>
+              </a14:hiddenFill>
+            </a:ext>
+          </a:extLst>
+        </p:spPr>
+      </p:pic>
+      <p:sp>
+        <p:nvSpPr>
+          <p:cNvPr id="7" name="Rectangle 3"/>
+          <p:cNvSpPr>
+            <a:spLocks noChangeArrowheads="1"/>
+          </p:cNvSpPr>
+          <p:nvPr/>
+        </p:nvSpPr>
+        <p:spPr bwMode="auto">
+          <a:xfrm>
+            <a:off x="2910332" y="6176963"/>
+            <a:ext cx="12192000" cy="0"/>
+          </a:xfrm>
+          <a:prstGeom prst="rect">
+            <a:avLst/>
+          </a:prstGeom>
+          <a:noFill/>
+          <a:ln>
+            <a:noFill/>
+          </a:ln>
+          <a:effectLst/>
+          <a:extLst>
+            <a:ext uri="{909E8E84-426E-40DD-AFC4-6F175D3DCCD1}">
+              <a14:hiddenFill xmlns:a14="http://schemas.microsoft.com/office/drawing/2010/main">
+                <a:solidFill>
+                  <a:schemeClr val="accent1"/>
+                </a:solidFill>
+              </a14:hiddenFill>
+            </a:ext>
+            <a:ext uri="{91240B29-F687-4F45-9708-019B960494DF}">
+              <a14:hiddenLine xmlns:a14="http://schemas.microsoft.com/office/drawing/2010/main" w="9525">
+                <a:solidFill>
+                  <a:schemeClr val="tx1"/>
+                </a:solidFill>
+                <a:miter lim="800000"/>
+                <a:headEnd/>
+                <a:tailEnd/>
+              </a14:hiddenLine>
+            </a:ext>
+            <a:ext uri="{AF507438-7753-43E0-B8FC-AC1667EBCBE1}">
+              <a14:hiddenEffects xmlns:a14="http://schemas.microsoft.com/office/drawing/2010/main">
+                <a:effectLst>
+                  <a:outerShdw dist="35921" dir="2700000" algn="ctr" rotWithShape="0">
+                    <a:schemeClr val="bg2"/>
+                  </a:outerShdw>
+                </a:effectLst>
+              </a14:hiddenEffects>
+            </a:ext>
+          </a:extLst>
+        </p:spPr>
+        <p:txBody>
+          <a:bodyPr vert="horz" wrap="none" lIns="91440" tIns="45720" rIns="91440" bIns="45720" numCol="1" anchor="ctr" anchorCtr="0" compatLnSpc="1">
+            <a:prstTxWarp prst="textNoShape">
+              <a:avLst/>
+            </a:prstTxWarp>
+            <a:spAutoFit/>
+          </a:bodyPr>
+          <a:lstStyle/>
+          <a:p>
+            <a:endParaRPr lang="en-US"/>
+          </a:p>
+        </p:txBody>
+      </p:sp>
+    </p:spTree>
+    <p:extLst>
+      <p:ext uri="{BB962C8B-B14F-4D97-AF65-F5344CB8AC3E}">
+        <p14:creationId xmlns:p14="http://schemas.microsoft.com/office/powerpoint/2010/main" val="3375448684"/>
+      </p:ext>
+    </p:extLst>
+  </p:cSld>
+  <p:clrMapOvr>
+    <a:masterClrMapping/>
+  </p:clrMapOvr>
+  <p:timing>
+    <p:tnLst>
+      <p:par>
+        <p:cTn id="1" dur="indefinite" restart="never" nodeType="tmRoot"/>
+      </p:par>
+    </p:tnLst>
+  </p:timing>
+</p:sld>
+</file>
+
+<file path=ppt/slides/slide18.xml><?xml version="1.0" encoding="utf-8"?>
+<p:sld xmlns:a="http://schemas.openxmlformats.org/drawingml/2006/main" xmlns:r="http://schemas.openxmlformats.org/officeDocument/2006/relationships" xmlns:p="http://schemas.openxmlformats.org/presentationml/2006/main">
+  <p:cSld>
+    <p:spTree>
+      <p:nvGrpSpPr>
+        <p:cNvPr id="1" name=""/>
+        <p:cNvGrpSpPr/>
+        <p:nvPr/>
+      </p:nvGrpSpPr>
+      <p:grpSpPr>
+        <a:xfrm>
+          <a:off x="0" y="0"/>
+          <a:ext cx="0" cy="0"/>
+          <a:chOff x="0" y="0"/>
+          <a:chExt cx="0" cy="0"/>
+        </a:xfrm>
+      </p:grpSpPr>
+      <p:sp>
+        <p:nvSpPr>
+          <p:cNvPr id="3" name="Content Placeholder 2"/>
+          <p:cNvSpPr>
+            <a:spLocks noGrp="1"/>
+          </p:cNvSpPr>
+          <p:nvPr>
+            <p:ph idx="1"/>
+          </p:nvPr>
+        </p:nvSpPr>
+        <p:spPr/>
+        <p:txBody>
+          <a:bodyPr/>
+          <a:lstStyle/>
+          <a:p>
+            <a:pPr lvl="0"/>
+            <a:r>
+              <a:rPr lang="en-US" b="1" dirty="0" smtClean="0"/>
+              <a:t>.</a:t>
+            </a:r>
+            <a:endParaRPr lang="en-US" dirty="0"/>
+          </a:p>
+          <a:p>
+            <a:endParaRPr lang="en-US" dirty="0"/>
+          </a:p>
+        </p:txBody>
+      </p:sp>
+      <p:sp>
+        <p:nvSpPr>
+          <p:cNvPr id="5" name="Rectangle 3"/>
+          <p:cNvSpPr>
+            <a:spLocks noChangeArrowheads="1"/>
+          </p:cNvSpPr>
+          <p:nvPr/>
+        </p:nvSpPr>
+        <p:spPr bwMode="auto">
+          <a:xfrm>
+            <a:off x="1703832" y="5997575"/>
+            <a:ext cx="12192000" cy="0"/>
+          </a:xfrm>
+          <a:prstGeom prst="rect">
+            <a:avLst/>
+          </a:prstGeom>
+          <a:noFill/>
+          <a:ln>
+            <a:noFill/>
+          </a:ln>
+          <a:effectLst/>
+          <a:extLst>
+            <a:ext uri="{909E8E84-426E-40DD-AFC4-6F175D3DCCD1}">
+              <a14:hiddenFill xmlns:a14="http://schemas.microsoft.com/office/drawing/2010/main">
+                <a:solidFill>
+                  <a:schemeClr val="accent1"/>
+                </a:solidFill>
+              </a14:hiddenFill>
+            </a:ext>
+            <a:ext uri="{91240B29-F687-4F45-9708-019B960494DF}">
+              <a14:hiddenLine xmlns:a14="http://schemas.microsoft.com/office/drawing/2010/main" w="9525">
+                <a:solidFill>
+                  <a:schemeClr val="tx1"/>
+                </a:solidFill>
+                <a:miter lim="800000"/>
+                <a:headEnd/>
+                <a:tailEnd/>
+              </a14:hiddenLine>
+            </a:ext>
+            <a:ext uri="{AF507438-7753-43E0-B8FC-AC1667EBCBE1}">
+              <a14:hiddenEffects xmlns:a14="http://schemas.microsoft.com/office/drawing/2010/main">
+                <a:effectLst>
+                  <a:outerShdw dist="35921" dir="2700000" algn="ctr" rotWithShape="0">
+                    <a:schemeClr val="bg2"/>
+                  </a:outerShdw>
+                </a:effectLst>
+              </a14:hiddenEffects>
+            </a:ext>
+          </a:extLst>
+        </p:spPr>
+        <p:txBody>
+          <a:bodyPr vert="horz" wrap="none" lIns="91440" tIns="45720" rIns="91440" bIns="45720" numCol="1" anchor="ctr" anchorCtr="0" compatLnSpc="1">
+            <a:prstTxWarp prst="textNoShape">
+              <a:avLst/>
+            </a:prstTxWarp>
+            <a:spAutoFit/>
+          </a:bodyPr>
+          <a:lstStyle/>
+          <a:p>
+            <a:endParaRPr lang="en-US"/>
+          </a:p>
+        </p:txBody>
+      </p:sp>
+      <p:sp>
+        <p:nvSpPr>
+          <p:cNvPr id="6" name="Rectangle 3"/>
+          <p:cNvSpPr>
+            <a:spLocks noChangeArrowheads="1"/>
+          </p:cNvSpPr>
+          <p:nvPr/>
+        </p:nvSpPr>
+        <p:spPr bwMode="auto">
+          <a:xfrm>
+            <a:off x="3633724" y="5705475"/>
+            <a:ext cx="12192000" cy="0"/>
+          </a:xfrm>
+          <a:prstGeom prst="rect">
+            <a:avLst/>
+          </a:prstGeom>
+          <a:noFill/>
+          <a:ln>
+            <a:noFill/>
+          </a:ln>
+          <a:effectLst/>
+          <a:extLst>
+            <a:ext uri="{909E8E84-426E-40DD-AFC4-6F175D3DCCD1}">
+              <a14:hiddenFill xmlns:a14="http://schemas.microsoft.com/office/drawing/2010/main">
+                <a:solidFill>
+                  <a:schemeClr val="accent1"/>
+                </a:solidFill>
+              </a14:hiddenFill>
+            </a:ext>
+            <a:ext uri="{91240B29-F687-4F45-9708-019B960494DF}">
+              <a14:hiddenLine xmlns:a14="http://schemas.microsoft.com/office/drawing/2010/main" w="9525">
+                <a:solidFill>
+                  <a:schemeClr val="tx1"/>
+                </a:solidFill>
+                <a:miter lim="800000"/>
+                <a:headEnd/>
+                <a:tailEnd/>
+              </a14:hiddenLine>
+            </a:ext>
+            <a:ext uri="{AF507438-7753-43E0-B8FC-AC1667EBCBE1}">
+              <a14:hiddenEffects xmlns:a14="http://schemas.microsoft.com/office/drawing/2010/main">
+                <a:effectLst>
+                  <a:outerShdw dist="35921" dir="2700000" algn="ctr" rotWithShape="0">
+                    <a:schemeClr val="bg2"/>
+                  </a:outerShdw>
+                </a:effectLst>
+              </a14:hiddenEffects>
+            </a:ext>
+          </a:extLst>
+        </p:spPr>
+        <p:txBody>
+          <a:bodyPr vert="horz" wrap="none" lIns="91440" tIns="45720" rIns="91440" bIns="45720" numCol="1" anchor="ctr" anchorCtr="0" compatLnSpc="1">
+            <a:prstTxWarp prst="textNoShape">
+              <a:avLst/>
+            </a:prstTxWarp>
+            <a:spAutoFit/>
+          </a:bodyPr>
+          <a:lstStyle/>
+          <a:p>
+            <a:endParaRPr lang="en-US"/>
+          </a:p>
+        </p:txBody>
+      </p:sp>
+      <p:sp>
+        <p:nvSpPr>
+          <p:cNvPr id="2" name="Rectangle 2"/>
+          <p:cNvSpPr>
+            <a:spLocks noChangeArrowheads="1"/>
+          </p:cNvSpPr>
+          <p:nvPr/>
+        </p:nvSpPr>
+        <p:spPr bwMode="auto">
+          <a:xfrm>
+            <a:off x="3633724" y="1368424"/>
+            <a:ext cx="12192000" cy="457200"/>
+          </a:xfrm>
+          <a:prstGeom prst="rect">
+            <a:avLst/>
+          </a:prstGeom>
+          <a:noFill/>
+          <a:ln>
+            <a:noFill/>
+          </a:ln>
+          <a:effectLst/>
+          <a:extLst>
+            <a:ext uri="{909E8E84-426E-40DD-AFC4-6F175D3DCCD1}">
+              <a14:hiddenFill xmlns:a14="http://schemas.microsoft.com/office/drawing/2010/main">
+                <a:solidFill>
+                  <a:schemeClr val="accent1"/>
+                </a:solidFill>
+              </a14:hiddenFill>
+            </a:ext>
+            <a:ext uri="{91240B29-F687-4F45-9708-019B960494DF}">
+              <a14:hiddenLine xmlns:a14="http://schemas.microsoft.com/office/drawing/2010/main" w="9525">
+                <a:solidFill>
+                  <a:schemeClr val="tx1"/>
+                </a:solidFill>
+                <a:miter lim="800000"/>
+                <a:headEnd/>
+                <a:tailEnd/>
+              </a14:hiddenLine>
+            </a:ext>
+            <a:ext uri="{AF507438-7753-43E0-B8FC-AC1667EBCBE1}">
+              <a14:hiddenEffects xmlns:a14="http://schemas.microsoft.com/office/drawing/2010/main">
+                <a:effectLst>
+                  <a:outerShdw dist="35921" dir="2700000" algn="ctr" rotWithShape="0">
+                    <a:schemeClr val="bg2"/>
+                  </a:outerShdw>
+                </a:effectLst>
+              </a14:hiddenEffects>
+            </a:ext>
+          </a:extLst>
+        </p:spPr>
+        <p:txBody>
+          <a:bodyPr vert="horz" wrap="none" lIns="91440" tIns="45720" rIns="91440" bIns="45720" numCol="1" anchor="ctr" anchorCtr="0" compatLnSpc="1">
+            <a:prstTxWarp prst="textNoShape">
+              <a:avLst/>
+            </a:prstTxWarp>
+            <a:spAutoFit/>
+          </a:bodyPr>
+          <a:lstStyle/>
+          <a:p>
+            <a:pPr marL="0" marR="0" lvl="0" indent="0" algn="l" defTabSz="914400" rtl="0" eaLnBrk="0" fontAlgn="base" latinLnBrk="0" hangingPunct="0">
+              <a:lnSpc>
+                <a:spcPct val="100000"/>
+              </a:lnSpc>
+              <a:spcBef>
+                <a:spcPct val="0"/>
+              </a:spcBef>
+              <a:spcAft>
+                <a:spcPct val="0"/>
+              </a:spcAft>
+              <a:buClrTx/>
+              <a:buSzTx/>
+              <a:buFontTx/>
+              <a:buChar char="•"/>
+              <a:tabLst/>
+            </a:pPr>
+            <a:r>
+              <a:rPr kumimoji="0" lang="en-US" altLang="ja-JP" sz="1400" b="0" i="0" u="none" strike="noStrike" cap="none" normalizeH="0" baseline="0" smtClean="0">
+                <a:ln>
+                  <a:noFill/>
+                </a:ln>
+                <a:solidFill>
+                  <a:schemeClr val="tx1"/>
+                </a:solidFill>
+                <a:effectLst/>
+                <a:latin typeface="Times New Roman" panose="02020603050405020304" pitchFamily="18" charset="0"/>
+                <a:ea typeface="Yu Mincho" charset="-128"/>
+                <a:cs typeface="Times New Roman" panose="02020603050405020304" pitchFamily="18" charset="0"/>
+              </a:rPr>
+              <a:t>Sơ đồ tuần tự cho usecase Hủy Đặt phòng </a:t>
+            </a:r>
+            <a:endParaRPr kumimoji="0" lang="en-US" altLang="ja-JP" sz="1100" b="0" i="0" u="none" strike="noStrike" cap="none" normalizeH="0" baseline="0" smtClean="0">
+              <a:ln>
+                <a:noFill/>
+              </a:ln>
+              <a:solidFill>
+                <a:schemeClr val="tx1"/>
+              </a:solidFill>
+              <a:effectLst/>
+            </a:endParaRPr>
+          </a:p>
+          <a:p>
+            <a:pPr marL="0" marR="0" lvl="0" indent="0" algn="l" defTabSz="914400" rtl="0" eaLnBrk="0" fontAlgn="base" latinLnBrk="0" hangingPunct="0">
+              <a:lnSpc>
+                <a:spcPct val="100000"/>
+              </a:lnSpc>
+              <a:spcBef>
+                <a:spcPct val="0"/>
+              </a:spcBef>
+              <a:spcAft>
+                <a:spcPct val="0"/>
+              </a:spcAft>
+              <a:buClrTx/>
+              <a:buSzTx/>
+              <a:buFontTx/>
+              <a:buNone/>
+              <a:tabLst/>
+            </a:pPr>
+            <a:endParaRPr kumimoji="0" lang="en-US" altLang="ja-JP" sz="1800" b="0" i="0" u="none" strike="noStrike" cap="none" normalizeH="0" baseline="0" smtClean="0">
+              <a:ln>
+                <a:noFill/>
+              </a:ln>
+              <a:solidFill>
+                <a:schemeClr val="tx1"/>
+              </a:solidFill>
+              <a:effectLst/>
+              <a:latin typeface="Arial" panose="020B0604020202020204" pitchFamily="34" charset="0"/>
+            </a:endParaRPr>
+          </a:p>
+        </p:txBody>
+      </p:sp>
+      <p:pic>
+        <p:nvPicPr>
+          <p:cNvPr id="4097" name="Picture 18"/>
+          <p:cNvPicPr>
+            <a:picLocks noChangeAspect="1" noChangeArrowheads="1"/>
+          </p:cNvPicPr>
+          <p:nvPr/>
+        </p:nvPicPr>
+        <p:blipFill>
+          <a:blip r:embed="rId2">
+            <a:extLst>
+              <a:ext uri="{28A0092B-C50C-407E-A947-70E740481C1C}">
+                <a14:useLocalDpi xmlns:a14="http://schemas.microsoft.com/office/drawing/2010/main" val="0"/>
+              </a:ext>
+            </a:extLst>
+          </a:blip>
+          <a:srcRect/>
+          <a:stretch>
+            <a:fillRect/>
+          </a:stretch>
+        </p:blipFill>
+        <p:spPr bwMode="auto">
+          <a:xfrm>
+            <a:off x="3633724" y="1825624"/>
+            <a:ext cx="5572125" cy="3295650"/>
+          </a:xfrm>
+          <a:prstGeom prst="rect">
+            <a:avLst/>
+          </a:prstGeom>
+          <a:noFill/>
+          <a:extLst>
+            <a:ext uri="{909E8E84-426E-40DD-AFC4-6F175D3DCCD1}">
+              <a14:hiddenFill xmlns:a14="http://schemas.microsoft.com/office/drawing/2010/main">
+                <a:solidFill>
+                  <a:srgbClr val="FFFFFF"/>
+                </a:solidFill>
+              </a14:hiddenFill>
+            </a:ext>
+          </a:extLst>
+        </p:spPr>
+      </p:pic>
+      <p:sp>
+        <p:nvSpPr>
+          <p:cNvPr id="8" name="Rectangle 3"/>
+          <p:cNvSpPr>
+            <a:spLocks noChangeArrowheads="1"/>
+          </p:cNvSpPr>
+          <p:nvPr/>
+        </p:nvSpPr>
+        <p:spPr bwMode="auto">
+          <a:xfrm>
+            <a:off x="3862324" y="5121274"/>
+            <a:ext cx="12192000" cy="0"/>
+          </a:xfrm>
+          <a:prstGeom prst="rect">
+            <a:avLst/>
+          </a:prstGeom>
+          <a:noFill/>
+          <a:ln>
+            <a:noFill/>
+          </a:ln>
+          <a:effectLst/>
+          <a:extLst>
+            <a:ext uri="{909E8E84-426E-40DD-AFC4-6F175D3DCCD1}">
+              <a14:hiddenFill xmlns:a14="http://schemas.microsoft.com/office/drawing/2010/main">
+                <a:solidFill>
+                  <a:schemeClr val="accent1"/>
+                </a:solidFill>
+              </a14:hiddenFill>
+            </a:ext>
+            <a:ext uri="{91240B29-F687-4F45-9708-019B960494DF}">
+              <a14:hiddenLine xmlns:a14="http://schemas.microsoft.com/office/drawing/2010/main" w="9525">
+                <a:solidFill>
+                  <a:schemeClr val="tx1"/>
+                </a:solidFill>
+                <a:miter lim="800000"/>
+                <a:headEnd/>
+                <a:tailEnd/>
+              </a14:hiddenLine>
+            </a:ext>
+            <a:ext uri="{AF507438-7753-43E0-B8FC-AC1667EBCBE1}">
+              <a14:hiddenEffects xmlns:a14="http://schemas.microsoft.com/office/drawing/2010/main">
+                <a:effectLst>
+                  <a:outerShdw dist="35921" dir="2700000" algn="ctr" rotWithShape="0">
+                    <a:schemeClr val="bg2"/>
+                  </a:outerShdw>
+                </a:effectLst>
+              </a14:hiddenEffects>
+            </a:ext>
+          </a:extLst>
+        </p:spPr>
+        <p:txBody>
+          <a:bodyPr vert="horz" wrap="none" lIns="91440" tIns="45720" rIns="91440" bIns="45720" numCol="1" anchor="ctr" anchorCtr="0" compatLnSpc="1">
+            <a:prstTxWarp prst="textNoShape">
+              <a:avLst/>
+            </a:prstTxWarp>
+            <a:spAutoFit/>
+          </a:bodyPr>
+          <a:lstStyle/>
+          <a:p>
+            <a:endParaRPr lang="en-US"/>
+          </a:p>
+        </p:txBody>
+      </p:sp>
+    </p:spTree>
+    <p:extLst>
+      <p:ext uri="{BB962C8B-B14F-4D97-AF65-F5344CB8AC3E}">
+        <p14:creationId xmlns:p14="http://schemas.microsoft.com/office/powerpoint/2010/main" val="419696143"/>
+      </p:ext>
+    </p:extLst>
+  </p:cSld>
+  <p:clrMapOvr>
+    <a:masterClrMapping/>
+  </p:clrMapOvr>
+  <p:timing>
+    <p:tnLst>
+      <p:par>
+        <p:cTn id="1" dur="indefinite" restart="never" nodeType="tmRoot"/>
+      </p:par>
+    </p:tnLst>
+  </p:timing>
+</p:sld>
+</file>
+
+<file path=ppt/slides/slide19.xml><?xml version="1.0" encoding="utf-8"?>
+<p:sld xmlns:a="http://schemas.openxmlformats.org/drawingml/2006/main" xmlns:r="http://schemas.openxmlformats.org/officeDocument/2006/relationships" xmlns:p="http://schemas.openxmlformats.org/presentationml/2006/main">
+  <p:cSld>
+    <p:spTree>
+      <p:nvGrpSpPr>
+        <p:cNvPr id="1" name=""/>
+        <p:cNvGrpSpPr/>
+        <p:nvPr/>
+      </p:nvGrpSpPr>
+      <p:grpSpPr>
+        <a:xfrm>
+          <a:off x="0" y="0"/>
+          <a:ext cx="0" cy="0"/>
+          <a:chOff x="0" y="0"/>
+          <a:chExt cx="0" cy="0"/>
+        </a:xfrm>
+      </p:grpSpPr>
+      <p:sp>
+        <p:nvSpPr>
+          <p:cNvPr id="3" name="Content Placeholder 2"/>
+          <p:cNvSpPr>
+            <a:spLocks noGrp="1"/>
+          </p:cNvSpPr>
+          <p:nvPr>
+            <p:ph idx="1"/>
+          </p:nvPr>
+        </p:nvSpPr>
+        <p:spPr/>
+        <p:txBody>
+          <a:bodyPr/>
+          <a:lstStyle/>
+          <a:p>
+            <a:pPr lvl="0"/>
+            <a:r>
+              <a:rPr lang="en-US" b="1" dirty="0" smtClean="0"/>
+              <a:t>.</a:t>
+            </a:r>
+            <a:endParaRPr lang="en-US" dirty="0"/>
+          </a:p>
+          <a:p>
+            <a:endParaRPr lang="en-US" dirty="0"/>
+          </a:p>
+        </p:txBody>
+      </p:sp>
+      <p:sp>
+        <p:nvSpPr>
+          <p:cNvPr id="5" name="Rectangle 3"/>
+          <p:cNvSpPr>
+            <a:spLocks noChangeArrowheads="1"/>
+          </p:cNvSpPr>
+          <p:nvPr/>
+        </p:nvSpPr>
+        <p:spPr bwMode="auto">
+          <a:xfrm>
+            <a:off x="1703832" y="5997575"/>
+            <a:ext cx="12192000" cy="0"/>
+          </a:xfrm>
+          <a:prstGeom prst="rect">
+            <a:avLst/>
+          </a:prstGeom>
+          <a:noFill/>
+          <a:ln>
+            <a:noFill/>
+          </a:ln>
+          <a:effectLst/>
+          <a:extLst>
+            <a:ext uri="{909E8E84-426E-40DD-AFC4-6F175D3DCCD1}">
+              <a14:hiddenFill xmlns:a14="http://schemas.microsoft.com/office/drawing/2010/main">
+                <a:solidFill>
+                  <a:schemeClr val="accent1"/>
+                </a:solidFill>
+              </a14:hiddenFill>
+            </a:ext>
+            <a:ext uri="{91240B29-F687-4F45-9708-019B960494DF}">
+              <a14:hiddenLine xmlns:a14="http://schemas.microsoft.com/office/drawing/2010/main" w="9525">
+                <a:solidFill>
+                  <a:schemeClr val="tx1"/>
+                </a:solidFill>
+                <a:miter lim="800000"/>
+                <a:headEnd/>
+                <a:tailEnd/>
+              </a14:hiddenLine>
+            </a:ext>
+            <a:ext uri="{AF507438-7753-43E0-B8FC-AC1667EBCBE1}">
+              <a14:hiddenEffects xmlns:a14="http://schemas.microsoft.com/office/drawing/2010/main">
+                <a:effectLst>
+                  <a:outerShdw dist="35921" dir="2700000" algn="ctr" rotWithShape="0">
+                    <a:schemeClr val="bg2"/>
+                  </a:outerShdw>
+                </a:effectLst>
+              </a14:hiddenEffects>
+            </a:ext>
+          </a:extLst>
+        </p:spPr>
+        <p:txBody>
+          <a:bodyPr vert="horz" wrap="none" lIns="91440" tIns="45720" rIns="91440" bIns="45720" numCol="1" anchor="ctr" anchorCtr="0" compatLnSpc="1">
+            <a:prstTxWarp prst="textNoShape">
+              <a:avLst/>
+            </a:prstTxWarp>
+            <a:spAutoFit/>
+          </a:bodyPr>
+          <a:lstStyle/>
+          <a:p>
+            <a:endParaRPr lang="en-US"/>
+          </a:p>
+        </p:txBody>
+      </p:sp>
+      <p:sp>
+        <p:nvSpPr>
+          <p:cNvPr id="6" name="Rectangle 3"/>
+          <p:cNvSpPr>
+            <a:spLocks noChangeArrowheads="1"/>
+          </p:cNvSpPr>
+          <p:nvPr/>
+        </p:nvSpPr>
+        <p:spPr bwMode="auto">
+          <a:xfrm>
+            <a:off x="3633724" y="5705475"/>
+            <a:ext cx="12192000" cy="0"/>
+          </a:xfrm>
+          <a:prstGeom prst="rect">
+            <a:avLst/>
+          </a:prstGeom>
+          <a:noFill/>
+          <a:ln>
+            <a:noFill/>
+          </a:ln>
+          <a:effectLst/>
+          <a:extLst>
+            <a:ext uri="{909E8E84-426E-40DD-AFC4-6F175D3DCCD1}">
+              <a14:hiddenFill xmlns:a14="http://schemas.microsoft.com/office/drawing/2010/main">
+                <a:solidFill>
+                  <a:schemeClr val="accent1"/>
+                </a:solidFill>
+              </a14:hiddenFill>
+            </a:ext>
+            <a:ext uri="{91240B29-F687-4F45-9708-019B960494DF}">
+              <a14:hiddenLine xmlns:a14="http://schemas.microsoft.com/office/drawing/2010/main" w="9525">
+                <a:solidFill>
+                  <a:schemeClr val="tx1"/>
+                </a:solidFill>
+                <a:miter lim="800000"/>
+                <a:headEnd/>
+                <a:tailEnd/>
+              </a14:hiddenLine>
+            </a:ext>
+            <a:ext uri="{AF507438-7753-43E0-B8FC-AC1667EBCBE1}">
+              <a14:hiddenEffects xmlns:a14="http://schemas.microsoft.com/office/drawing/2010/main">
+                <a:effectLst>
+                  <a:outerShdw dist="35921" dir="2700000" algn="ctr" rotWithShape="0">
+                    <a:schemeClr val="bg2"/>
+                  </a:outerShdw>
+                </a:effectLst>
+              </a14:hiddenEffects>
+            </a:ext>
+          </a:extLst>
+        </p:spPr>
+        <p:txBody>
+          <a:bodyPr vert="horz" wrap="none" lIns="91440" tIns="45720" rIns="91440" bIns="45720" numCol="1" anchor="ctr" anchorCtr="0" compatLnSpc="1">
+            <a:prstTxWarp prst="textNoShape">
+              <a:avLst/>
+            </a:prstTxWarp>
+            <a:spAutoFit/>
+          </a:bodyPr>
+          <a:lstStyle/>
+          <a:p>
+            <a:endParaRPr lang="en-US"/>
+          </a:p>
+        </p:txBody>
+      </p:sp>
+      <p:sp>
+        <p:nvSpPr>
+          <p:cNvPr id="8" name="Rectangle 3"/>
+          <p:cNvSpPr>
+            <a:spLocks noChangeArrowheads="1"/>
+          </p:cNvSpPr>
+          <p:nvPr/>
+        </p:nvSpPr>
+        <p:spPr bwMode="auto">
+          <a:xfrm>
+            <a:off x="3862324" y="5121274"/>
+            <a:ext cx="12192000" cy="0"/>
+          </a:xfrm>
+          <a:prstGeom prst="rect">
+            <a:avLst/>
+          </a:prstGeom>
+          <a:noFill/>
+          <a:ln>
+            <a:noFill/>
+          </a:ln>
+          <a:effectLst/>
+          <a:extLst>
+            <a:ext uri="{909E8E84-426E-40DD-AFC4-6F175D3DCCD1}">
+              <a14:hiddenFill xmlns:a14="http://schemas.microsoft.com/office/drawing/2010/main">
+                <a:solidFill>
+                  <a:schemeClr val="accent1"/>
+                </a:solidFill>
+              </a14:hiddenFill>
+            </a:ext>
+            <a:ext uri="{91240B29-F687-4F45-9708-019B960494DF}">
+              <a14:hiddenLine xmlns:a14="http://schemas.microsoft.com/office/drawing/2010/main" w="9525">
+                <a:solidFill>
+                  <a:schemeClr val="tx1"/>
+                </a:solidFill>
+                <a:miter lim="800000"/>
+                <a:headEnd/>
+                <a:tailEnd/>
+              </a14:hiddenLine>
+            </a:ext>
+            <a:ext uri="{AF507438-7753-43E0-B8FC-AC1667EBCBE1}">
+              <a14:hiddenEffects xmlns:a14="http://schemas.microsoft.com/office/drawing/2010/main">
+                <a:effectLst>
+                  <a:outerShdw dist="35921" dir="2700000" algn="ctr" rotWithShape="0">
+                    <a:schemeClr val="bg2"/>
+                  </a:outerShdw>
+                </a:effectLst>
+              </a14:hiddenEffects>
+            </a:ext>
+          </a:extLst>
+        </p:spPr>
+        <p:txBody>
+          <a:bodyPr vert="horz" wrap="none" lIns="91440" tIns="45720" rIns="91440" bIns="45720" numCol="1" anchor="ctr" anchorCtr="0" compatLnSpc="1">
+            <a:prstTxWarp prst="textNoShape">
+              <a:avLst/>
+            </a:prstTxWarp>
+            <a:spAutoFit/>
+          </a:bodyPr>
+          <a:lstStyle/>
+          <a:p>
+            <a:endParaRPr lang="en-US"/>
+          </a:p>
+        </p:txBody>
+      </p:sp>
+      <p:sp>
+        <p:nvSpPr>
+          <p:cNvPr id="4" name="Rectangle 2"/>
+          <p:cNvSpPr>
+            <a:spLocks noChangeArrowheads="1"/>
+          </p:cNvSpPr>
+          <p:nvPr/>
+        </p:nvSpPr>
+        <p:spPr bwMode="auto">
+          <a:xfrm>
+            <a:off x="2828544" y="1149350"/>
+            <a:ext cx="12192000" cy="457200"/>
+          </a:xfrm>
+          <a:prstGeom prst="rect">
+            <a:avLst/>
+          </a:prstGeom>
+          <a:noFill/>
+          <a:ln>
+            <a:noFill/>
+          </a:ln>
+          <a:effectLst/>
+          <a:extLst>
+            <a:ext uri="{909E8E84-426E-40DD-AFC4-6F175D3DCCD1}">
+              <a14:hiddenFill xmlns:a14="http://schemas.microsoft.com/office/drawing/2010/main">
+                <a:solidFill>
+                  <a:schemeClr val="accent1"/>
+                </a:solidFill>
+              </a14:hiddenFill>
+            </a:ext>
+            <a:ext uri="{91240B29-F687-4F45-9708-019B960494DF}">
+              <a14:hiddenLine xmlns:a14="http://schemas.microsoft.com/office/drawing/2010/main" w="9525">
+                <a:solidFill>
+                  <a:schemeClr val="tx1"/>
+                </a:solidFill>
+                <a:miter lim="800000"/>
+                <a:headEnd/>
+                <a:tailEnd/>
+              </a14:hiddenLine>
+            </a:ext>
+            <a:ext uri="{AF507438-7753-43E0-B8FC-AC1667EBCBE1}">
+              <a14:hiddenEffects xmlns:a14="http://schemas.microsoft.com/office/drawing/2010/main">
+                <a:effectLst>
+                  <a:outerShdw dist="35921" dir="2700000" algn="ctr" rotWithShape="0">
+                    <a:schemeClr val="bg2"/>
+                  </a:outerShdw>
+                </a:effectLst>
+              </a14:hiddenEffects>
+            </a:ext>
+          </a:extLst>
+        </p:spPr>
+        <p:txBody>
+          <a:bodyPr vert="horz" wrap="none" lIns="91440" tIns="45720" rIns="91440" bIns="45720" numCol="1" anchor="ctr" anchorCtr="0" compatLnSpc="1">
+            <a:prstTxWarp prst="textNoShape">
+              <a:avLst/>
+            </a:prstTxWarp>
+            <a:spAutoFit/>
+          </a:bodyPr>
+          <a:lstStyle/>
+          <a:p>
+            <a:pPr marL="0" marR="0" lvl="0" indent="0" algn="l" defTabSz="914400" rtl="0" eaLnBrk="0" fontAlgn="base" latinLnBrk="0" hangingPunct="0">
+              <a:lnSpc>
+                <a:spcPct val="100000"/>
+              </a:lnSpc>
+              <a:spcBef>
+                <a:spcPct val="0"/>
+              </a:spcBef>
+              <a:spcAft>
+                <a:spcPct val="0"/>
+              </a:spcAft>
+              <a:buClrTx/>
+              <a:buSzTx/>
+              <a:buFontTx/>
+              <a:buChar char="•"/>
+              <a:tabLst/>
+            </a:pPr>
+            <a:r>
+              <a:rPr kumimoji="0" lang="en-US" altLang="ja-JP" sz="1400" b="0" i="0" u="none" strike="noStrike" cap="none" normalizeH="0" baseline="0" smtClean="0">
+                <a:ln>
+                  <a:noFill/>
+                </a:ln>
+                <a:solidFill>
+                  <a:schemeClr val="tx1"/>
+                </a:solidFill>
+                <a:effectLst/>
+                <a:latin typeface="Times New Roman" panose="02020603050405020304" pitchFamily="18" charset="0"/>
+                <a:ea typeface="Yu Mincho" charset="-128"/>
+                <a:cs typeface="Times New Roman" panose="02020603050405020304" pitchFamily="18" charset="0"/>
+              </a:rPr>
+              <a:t>Sơ đồ tuần tự cho usecase Xuất giấy đặt phòng</a:t>
+            </a:r>
+            <a:endParaRPr kumimoji="0" lang="en-US" altLang="ja-JP" sz="1100" b="0" i="0" u="none" strike="noStrike" cap="none" normalizeH="0" baseline="0" smtClean="0">
+              <a:ln>
+                <a:noFill/>
+              </a:ln>
+              <a:solidFill>
+                <a:schemeClr val="tx1"/>
+              </a:solidFill>
+              <a:effectLst/>
+            </a:endParaRPr>
+          </a:p>
+          <a:p>
+            <a:pPr marL="0" marR="0" lvl="0" indent="0" algn="l" defTabSz="914400" rtl="0" eaLnBrk="0" fontAlgn="base" latinLnBrk="0" hangingPunct="0">
+              <a:lnSpc>
+                <a:spcPct val="100000"/>
+              </a:lnSpc>
+              <a:spcBef>
+                <a:spcPct val="0"/>
+              </a:spcBef>
+              <a:spcAft>
+                <a:spcPct val="0"/>
+              </a:spcAft>
+              <a:buClrTx/>
+              <a:buSzTx/>
+              <a:buFontTx/>
+              <a:buNone/>
+              <a:tabLst/>
+            </a:pPr>
+            <a:endParaRPr kumimoji="0" lang="en-US" altLang="ja-JP" sz="1800" b="0" i="0" u="none" strike="noStrike" cap="none" normalizeH="0" baseline="0" smtClean="0">
+              <a:ln>
+                <a:noFill/>
+              </a:ln>
+              <a:solidFill>
+                <a:schemeClr val="tx1"/>
+              </a:solidFill>
+              <a:effectLst/>
+              <a:latin typeface="Arial" panose="020B0604020202020204" pitchFamily="34" charset="0"/>
+            </a:endParaRPr>
+          </a:p>
+        </p:txBody>
+      </p:sp>
+      <p:pic>
+        <p:nvPicPr>
+          <p:cNvPr id="5121" name="Picture 19"/>
+          <p:cNvPicPr>
+            <a:picLocks noChangeAspect="1" noChangeArrowheads="1"/>
+          </p:cNvPicPr>
+          <p:nvPr/>
+        </p:nvPicPr>
+        <p:blipFill>
+          <a:blip r:embed="rId2">
+            <a:extLst>
+              <a:ext uri="{28A0092B-C50C-407E-A947-70E740481C1C}">
+                <a14:useLocalDpi xmlns:a14="http://schemas.microsoft.com/office/drawing/2010/main" val="0"/>
+              </a:ext>
+            </a:extLst>
+          </a:blip>
+          <a:srcRect/>
+          <a:stretch>
+            <a:fillRect/>
+          </a:stretch>
+        </p:blipFill>
+        <p:spPr bwMode="auto">
+          <a:xfrm>
+            <a:off x="2828544" y="1606550"/>
+            <a:ext cx="5505450" cy="4391025"/>
+          </a:xfrm>
+          <a:prstGeom prst="rect">
+            <a:avLst/>
+          </a:prstGeom>
+          <a:noFill/>
+          <a:extLst>
+            <a:ext uri="{909E8E84-426E-40DD-AFC4-6F175D3DCCD1}">
+              <a14:hiddenFill xmlns:a14="http://schemas.microsoft.com/office/drawing/2010/main">
+                <a:solidFill>
+                  <a:srgbClr val="FFFFFF"/>
+                </a:solidFill>
+              </a14:hiddenFill>
+            </a:ext>
+          </a:extLst>
+        </p:spPr>
+      </p:pic>
+      <p:sp>
+        <p:nvSpPr>
+          <p:cNvPr id="7" name="Rectangle 3"/>
+          <p:cNvSpPr>
+            <a:spLocks noChangeArrowheads="1"/>
+          </p:cNvSpPr>
+          <p:nvPr/>
+        </p:nvSpPr>
+        <p:spPr bwMode="auto">
+          <a:xfrm>
+            <a:off x="3057144" y="5997575"/>
+            <a:ext cx="12192000" cy="0"/>
+          </a:xfrm>
+          <a:prstGeom prst="rect">
+            <a:avLst/>
+          </a:prstGeom>
+          <a:noFill/>
+          <a:ln>
+            <a:noFill/>
+          </a:ln>
+          <a:effectLst/>
+          <a:extLst>
+            <a:ext uri="{909E8E84-426E-40DD-AFC4-6F175D3DCCD1}">
+              <a14:hiddenFill xmlns:a14="http://schemas.microsoft.com/office/drawing/2010/main">
+                <a:solidFill>
+                  <a:schemeClr val="accent1"/>
+                </a:solidFill>
+              </a14:hiddenFill>
+            </a:ext>
+            <a:ext uri="{91240B29-F687-4F45-9708-019B960494DF}">
+              <a14:hiddenLine xmlns:a14="http://schemas.microsoft.com/office/drawing/2010/main" w="9525">
+                <a:solidFill>
+                  <a:schemeClr val="tx1"/>
+                </a:solidFill>
+                <a:miter lim="800000"/>
+                <a:headEnd/>
+                <a:tailEnd/>
+              </a14:hiddenLine>
+            </a:ext>
+            <a:ext uri="{AF507438-7753-43E0-B8FC-AC1667EBCBE1}">
+              <a14:hiddenEffects xmlns:a14="http://schemas.microsoft.com/office/drawing/2010/main">
+                <a:effectLst>
+                  <a:outerShdw dist="35921" dir="2700000" algn="ctr" rotWithShape="0">
+                    <a:schemeClr val="bg2"/>
+                  </a:outerShdw>
+                </a:effectLst>
+              </a14:hiddenEffects>
+            </a:ext>
+          </a:extLst>
+        </p:spPr>
+        <p:txBody>
+          <a:bodyPr vert="horz" wrap="none" lIns="91440" tIns="45720" rIns="91440" bIns="45720" numCol="1" anchor="ctr" anchorCtr="0" compatLnSpc="1">
+            <a:prstTxWarp prst="textNoShape">
+              <a:avLst/>
+            </a:prstTxWarp>
+            <a:spAutoFit/>
+          </a:bodyPr>
+          <a:lstStyle/>
+          <a:p>
+            <a:endParaRPr lang="en-US"/>
+          </a:p>
+        </p:txBody>
+      </p:sp>
+    </p:spTree>
+    <p:extLst>
+      <p:ext uri="{BB962C8B-B14F-4D97-AF65-F5344CB8AC3E}">
+        <p14:creationId xmlns:p14="http://schemas.microsoft.com/office/powerpoint/2010/main" val="1106193362"/>
+      </p:ext>
+    </p:extLst>
+  </p:cSld>
+  <p:clrMapOvr>
+    <a:masterClrMapping/>
+  </p:clrMapOvr>
+  <p:timing>
+    <p:tnLst>
+      <p:par>
+        <p:cTn id="1" dur="indefinite" restart="never" nodeType="tmRoot"/>
+      </p:par>
+    </p:tnLst>
+  </p:timing>
 </p:sld>
 </file>
 
@@ -3614,7 +6618,7 @@
       </p:sp>
       <p:pic>
         <p:nvPicPr>
-          <p:cNvPr id="4" name="Content Placeholder 3"/>
+          <p:cNvPr id="5" name="Content Placeholder 4"/>
           <p:cNvPicPr>
             <a:picLocks noGrp="1"/>
           </p:cNvPicPr>
@@ -3630,8 +6634,8 @@
         </p:blipFill>
         <p:spPr>
           <a:xfrm>
-            <a:off x="2640268" y="1825625"/>
-            <a:ext cx="6911463" cy="4351338"/>
+            <a:off x="2345165" y="1825625"/>
+            <a:ext cx="7501669" cy="4351338"/>
           </a:xfrm>
           <a:prstGeom prst="rect">
             <a:avLst/>
@@ -3648,6 +6652,1229 @@
   <p:clrMapOvr>
     <a:masterClrMapping/>
   </p:clrMapOvr>
+</p:sld>
+</file>
+
+<file path=ppt/slides/slide20.xml><?xml version="1.0" encoding="utf-8"?>
+<p:sld xmlns:a="http://schemas.openxmlformats.org/drawingml/2006/main" xmlns:r="http://schemas.openxmlformats.org/officeDocument/2006/relationships" xmlns:p="http://schemas.openxmlformats.org/presentationml/2006/main">
+  <p:cSld>
+    <p:spTree>
+      <p:nvGrpSpPr>
+        <p:cNvPr id="1" name=""/>
+        <p:cNvGrpSpPr/>
+        <p:nvPr/>
+      </p:nvGrpSpPr>
+      <p:grpSpPr>
+        <a:xfrm>
+          <a:off x="0" y="0"/>
+          <a:ext cx="0" cy="0"/>
+          <a:chOff x="0" y="0"/>
+          <a:chExt cx="0" cy="0"/>
+        </a:xfrm>
+      </p:grpSpPr>
+      <p:sp>
+        <p:nvSpPr>
+          <p:cNvPr id="3" name="Content Placeholder 2"/>
+          <p:cNvSpPr>
+            <a:spLocks noGrp="1"/>
+          </p:cNvSpPr>
+          <p:nvPr>
+            <p:ph idx="1"/>
+          </p:nvPr>
+        </p:nvSpPr>
+        <p:spPr/>
+        <p:txBody>
+          <a:bodyPr/>
+          <a:lstStyle/>
+          <a:p>
+            <a:pPr lvl="0"/>
+            <a:r>
+              <a:rPr lang="en-US" b="1" dirty="0" smtClean="0"/>
+              <a:t>.</a:t>
+            </a:r>
+            <a:endParaRPr lang="en-US" dirty="0"/>
+          </a:p>
+          <a:p>
+            <a:endParaRPr lang="en-US" dirty="0"/>
+          </a:p>
+        </p:txBody>
+      </p:sp>
+      <p:sp>
+        <p:nvSpPr>
+          <p:cNvPr id="5" name="Rectangle 3"/>
+          <p:cNvSpPr>
+            <a:spLocks noChangeArrowheads="1"/>
+          </p:cNvSpPr>
+          <p:nvPr/>
+        </p:nvSpPr>
+        <p:spPr bwMode="auto">
+          <a:xfrm>
+            <a:off x="1703832" y="5997575"/>
+            <a:ext cx="12192000" cy="0"/>
+          </a:xfrm>
+          <a:prstGeom prst="rect">
+            <a:avLst/>
+          </a:prstGeom>
+          <a:noFill/>
+          <a:ln>
+            <a:noFill/>
+          </a:ln>
+          <a:effectLst/>
+          <a:extLst>
+            <a:ext uri="{909E8E84-426E-40DD-AFC4-6F175D3DCCD1}">
+              <a14:hiddenFill xmlns:a14="http://schemas.microsoft.com/office/drawing/2010/main">
+                <a:solidFill>
+                  <a:schemeClr val="accent1"/>
+                </a:solidFill>
+              </a14:hiddenFill>
+            </a:ext>
+            <a:ext uri="{91240B29-F687-4F45-9708-019B960494DF}">
+              <a14:hiddenLine xmlns:a14="http://schemas.microsoft.com/office/drawing/2010/main" w="9525">
+                <a:solidFill>
+                  <a:schemeClr val="tx1"/>
+                </a:solidFill>
+                <a:miter lim="800000"/>
+                <a:headEnd/>
+                <a:tailEnd/>
+              </a14:hiddenLine>
+            </a:ext>
+            <a:ext uri="{AF507438-7753-43E0-B8FC-AC1667EBCBE1}">
+              <a14:hiddenEffects xmlns:a14="http://schemas.microsoft.com/office/drawing/2010/main">
+                <a:effectLst>
+                  <a:outerShdw dist="35921" dir="2700000" algn="ctr" rotWithShape="0">
+                    <a:schemeClr val="bg2"/>
+                  </a:outerShdw>
+                </a:effectLst>
+              </a14:hiddenEffects>
+            </a:ext>
+          </a:extLst>
+        </p:spPr>
+        <p:txBody>
+          <a:bodyPr vert="horz" wrap="none" lIns="91440" tIns="45720" rIns="91440" bIns="45720" numCol="1" anchor="ctr" anchorCtr="0" compatLnSpc="1">
+            <a:prstTxWarp prst="textNoShape">
+              <a:avLst/>
+            </a:prstTxWarp>
+            <a:spAutoFit/>
+          </a:bodyPr>
+          <a:lstStyle/>
+          <a:p>
+            <a:endParaRPr lang="en-US"/>
+          </a:p>
+        </p:txBody>
+      </p:sp>
+      <p:sp>
+        <p:nvSpPr>
+          <p:cNvPr id="6" name="Rectangle 3"/>
+          <p:cNvSpPr>
+            <a:spLocks noChangeArrowheads="1"/>
+          </p:cNvSpPr>
+          <p:nvPr/>
+        </p:nvSpPr>
+        <p:spPr bwMode="auto">
+          <a:xfrm>
+            <a:off x="3633724" y="5705475"/>
+            <a:ext cx="12192000" cy="0"/>
+          </a:xfrm>
+          <a:prstGeom prst="rect">
+            <a:avLst/>
+          </a:prstGeom>
+          <a:noFill/>
+          <a:ln>
+            <a:noFill/>
+          </a:ln>
+          <a:effectLst/>
+          <a:extLst>
+            <a:ext uri="{909E8E84-426E-40DD-AFC4-6F175D3DCCD1}">
+              <a14:hiddenFill xmlns:a14="http://schemas.microsoft.com/office/drawing/2010/main">
+                <a:solidFill>
+                  <a:schemeClr val="accent1"/>
+                </a:solidFill>
+              </a14:hiddenFill>
+            </a:ext>
+            <a:ext uri="{91240B29-F687-4F45-9708-019B960494DF}">
+              <a14:hiddenLine xmlns:a14="http://schemas.microsoft.com/office/drawing/2010/main" w="9525">
+                <a:solidFill>
+                  <a:schemeClr val="tx1"/>
+                </a:solidFill>
+                <a:miter lim="800000"/>
+                <a:headEnd/>
+                <a:tailEnd/>
+              </a14:hiddenLine>
+            </a:ext>
+            <a:ext uri="{AF507438-7753-43E0-B8FC-AC1667EBCBE1}">
+              <a14:hiddenEffects xmlns:a14="http://schemas.microsoft.com/office/drawing/2010/main">
+                <a:effectLst>
+                  <a:outerShdw dist="35921" dir="2700000" algn="ctr" rotWithShape="0">
+                    <a:schemeClr val="bg2"/>
+                  </a:outerShdw>
+                </a:effectLst>
+              </a14:hiddenEffects>
+            </a:ext>
+          </a:extLst>
+        </p:spPr>
+        <p:txBody>
+          <a:bodyPr vert="horz" wrap="none" lIns="91440" tIns="45720" rIns="91440" bIns="45720" numCol="1" anchor="ctr" anchorCtr="0" compatLnSpc="1">
+            <a:prstTxWarp prst="textNoShape">
+              <a:avLst/>
+            </a:prstTxWarp>
+            <a:spAutoFit/>
+          </a:bodyPr>
+          <a:lstStyle/>
+          <a:p>
+            <a:endParaRPr lang="en-US"/>
+          </a:p>
+        </p:txBody>
+      </p:sp>
+      <p:sp>
+        <p:nvSpPr>
+          <p:cNvPr id="8" name="Rectangle 3"/>
+          <p:cNvSpPr>
+            <a:spLocks noChangeArrowheads="1"/>
+          </p:cNvSpPr>
+          <p:nvPr/>
+        </p:nvSpPr>
+        <p:spPr bwMode="auto">
+          <a:xfrm>
+            <a:off x="3862324" y="5121274"/>
+            <a:ext cx="12192000" cy="0"/>
+          </a:xfrm>
+          <a:prstGeom prst="rect">
+            <a:avLst/>
+          </a:prstGeom>
+          <a:noFill/>
+          <a:ln>
+            <a:noFill/>
+          </a:ln>
+          <a:effectLst/>
+          <a:extLst>
+            <a:ext uri="{909E8E84-426E-40DD-AFC4-6F175D3DCCD1}">
+              <a14:hiddenFill xmlns:a14="http://schemas.microsoft.com/office/drawing/2010/main">
+                <a:solidFill>
+                  <a:schemeClr val="accent1"/>
+                </a:solidFill>
+              </a14:hiddenFill>
+            </a:ext>
+            <a:ext uri="{91240B29-F687-4F45-9708-019B960494DF}">
+              <a14:hiddenLine xmlns:a14="http://schemas.microsoft.com/office/drawing/2010/main" w="9525">
+                <a:solidFill>
+                  <a:schemeClr val="tx1"/>
+                </a:solidFill>
+                <a:miter lim="800000"/>
+                <a:headEnd/>
+                <a:tailEnd/>
+              </a14:hiddenLine>
+            </a:ext>
+            <a:ext uri="{AF507438-7753-43E0-B8FC-AC1667EBCBE1}">
+              <a14:hiddenEffects xmlns:a14="http://schemas.microsoft.com/office/drawing/2010/main">
+                <a:effectLst>
+                  <a:outerShdw dist="35921" dir="2700000" algn="ctr" rotWithShape="0">
+                    <a:schemeClr val="bg2"/>
+                  </a:outerShdw>
+                </a:effectLst>
+              </a14:hiddenEffects>
+            </a:ext>
+          </a:extLst>
+        </p:spPr>
+        <p:txBody>
+          <a:bodyPr vert="horz" wrap="none" lIns="91440" tIns="45720" rIns="91440" bIns="45720" numCol="1" anchor="ctr" anchorCtr="0" compatLnSpc="1">
+            <a:prstTxWarp prst="textNoShape">
+              <a:avLst/>
+            </a:prstTxWarp>
+            <a:spAutoFit/>
+          </a:bodyPr>
+          <a:lstStyle/>
+          <a:p>
+            <a:endParaRPr lang="en-US"/>
+          </a:p>
+        </p:txBody>
+      </p:sp>
+      <p:sp>
+        <p:nvSpPr>
+          <p:cNvPr id="7" name="Rectangle 3"/>
+          <p:cNvSpPr>
+            <a:spLocks noChangeArrowheads="1"/>
+          </p:cNvSpPr>
+          <p:nvPr/>
+        </p:nvSpPr>
+        <p:spPr bwMode="auto">
+          <a:xfrm>
+            <a:off x="3057144" y="5997575"/>
+            <a:ext cx="12192000" cy="0"/>
+          </a:xfrm>
+          <a:prstGeom prst="rect">
+            <a:avLst/>
+          </a:prstGeom>
+          <a:noFill/>
+          <a:ln>
+            <a:noFill/>
+          </a:ln>
+          <a:effectLst/>
+          <a:extLst>
+            <a:ext uri="{909E8E84-426E-40DD-AFC4-6F175D3DCCD1}">
+              <a14:hiddenFill xmlns:a14="http://schemas.microsoft.com/office/drawing/2010/main">
+                <a:solidFill>
+                  <a:schemeClr val="accent1"/>
+                </a:solidFill>
+              </a14:hiddenFill>
+            </a:ext>
+            <a:ext uri="{91240B29-F687-4F45-9708-019B960494DF}">
+              <a14:hiddenLine xmlns:a14="http://schemas.microsoft.com/office/drawing/2010/main" w="9525">
+                <a:solidFill>
+                  <a:schemeClr val="tx1"/>
+                </a:solidFill>
+                <a:miter lim="800000"/>
+                <a:headEnd/>
+                <a:tailEnd/>
+              </a14:hiddenLine>
+            </a:ext>
+            <a:ext uri="{AF507438-7753-43E0-B8FC-AC1667EBCBE1}">
+              <a14:hiddenEffects xmlns:a14="http://schemas.microsoft.com/office/drawing/2010/main">
+                <a:effectLst>
+                  <a:outerShdw dist="35921" dir="2700000" algn="ctr" rotWithShape="0">
+                    <a:schemeClr val="bg2"/>
+                  </a:outerShdw>
+                </a:effectLst>
+              </a14:hiddenEffects>
+            </a:ext>
+          </a:extLst>
+        </p:spPr>
+        <p:txBody>
+          <a:bodyPr vert="horz" wrap="none" lIns="91440" tIns="45720" rIns="91440" bIns="45720" numCol="1" anchor="ctr" anchorCtr="0" compatLnSpc="1">
+            <a:prstTxWarp prst="textNoShape">
+              <a:avLst/>
+            </a:prstTxWarp>
+            <a:spAutoFit/>
+          </a:bodyPr>
+          <a:lstStyle/>
+          <a:p>
+            <a:endParaRPr lang="en-US"/>
+          </a:p>
+        </p:txBody>
+      </p:sp>
+      <p:sp>
+        <p:nvSpPr>
+          <p:cNvPr id="2" name="Rectangle 2"/>
+          <p:cNvSpPr>
+            <a:spLocks noChangeArrowheads="1"/>
+          </p:cNvSpPr>
+          <p:nvPr/>
+        </p:nvSpPr>
+        <p:spPr bwMode="auto">
+          <a:xfrm>
+            <a:off x="3057144" y="1368425"/>
+            <a:ext cx="12192000" cy="457200"/>
+          </a:xfrm>
+          <a:prstGeom prst="rect">
+            <a:avLst/>
+          </a:prstGeom>
+          <a:noFill/>
+          <a:ln>
+            <a:noFill/>
+          </a:ln>
+          <a:effectLst/>
+          <a:extLst>
+            <a:ext uri="{909E8E84-426E-40DD-AFC4-6F175D3DCCD1}">
+              <a14:hiddenFill xmlns:a14="http://schemas.microsoft.com/office/drawing/2010/main">
+                <a:solidFill>
+                  <a:schemeClr val="accent1"/>
+                </a:solidFill>
+              </a14:hiddenFill>
+            </a:ext>
+            <a:ext uri="{91240B29-F687-4F45-9708-019B960494DF}">
+              <a14:hiddenLine xmlns:a14="http://schemas.microsoft.com/office/drawing/2010/main" w="9525">
+                <a:solidFill>
+                  <a:schemeClr val="tx1"/>
+                </a:solidFill>
+                <a:miter lim="800000"/>
+                <a:headEnd/>
+                <a:tailEnd/>
+              </a14:hiddenLine>
+            </a:ext>
+            <a:ext uri="{AF507438-7753-43E0-B8FC-AC1667EBCBE1}">
+              <a14:hiddenEffects xmlns:a14="http://schemas.microsoft.com/office/drawing/2010/main">
+                <a:effectLst>
+                  <a:outerShdw dist="35921" dir="2700000" algn="ctr" rotWithShape="0">
+                    <a:schemeClr val="bg2"/>
+                  </a:outerShdw>
+                </a:effectLst>
+              </a14:hiddenEffects>
+            </a:ext>
+          </a:extLst>
+        </p:spPr>
+        <p:txBody>
+          <a:bodyPr vert="horz" wrap="none" lIns="91440" tIns="45720" rIns="91440" bIns="45720" numCol="1" anchor="ctr" anchorCtr="0" compatLnSpc="1">
+            <a:prstTxWarp prst="textNoShape">
+              <a:avLst/>
+            </a:prstTxWarp>
+            <a:spAutoFit/>
+          </a:bodyPr>
+          <a:lstStyle/>
+          <a:p>
+            <a:pPr marL="0" marR="0" lvl="0" indent="0" algn="l" defTabSz="914400" rtl="0" eaLnBrk="0" fontAlgn="base" latinLnBrk="0" hangingPunct="0">
+              <a:lnSpc>
+                <a:spcPct val="100000"/>
+              </a:lnSpc>
+              <a:spcBef>
+                <a:spcPct val="0"/>
+              </a:spcBef>
+              <a:spcAft>
+                <a:spcPct val="0"/>
+              </a:spcAft>
+              <a:buClrTx/>
+              <a:buSzTx/>
+              <a:buFontTx/>
+              <a:buChar char="•"/>
+              <a:tabLst/>
+            </a:pPr>
+            <a:r>
+              <a:rPr kumimoji="0" lang="en-US" altLang="ja-JP" sz="1400" b="0" i="0" u="none" strike="noStrike" cap="none" normalizeH="0" baseline="0" smtClean="0">
+                <a:ln>
+                  <a:noFill/>
+                </a:ln>
+                <a:solidFill>
+                  <a:schemeClr val="tx1"/>
+                </a:solidFill>
+                <a:effectLst/>
+                <a:latin typeface="Times New Roman" panose="02020603050405020304" pitchFamily="18" charset="0"/>
+                <a:ea typeface="Yu Mincho" charset="-128"/>
+                <a:cs typeface="Times New Roman" panose="02020603050405020304" pitchFamily="18" charset="0"/>
+              </a:rPr>
+              <a:t>Sơ đồ tuần tự cho usecase X</a:t>
+            </a:r>
+            <a:r>
+              <a:rPr kumimoji="0" lang="en-US" altLang="ja-JP" sz="1400" b="0" i="0" u="none" strike="noStrike" cap="none" normalizeH="0" baseline="0" smtClean="0">
+                <a:ln>
+                  <a:noFill/>
+                </a:ln>
+                <a:solidFill>
+                  <a:schemeClr val="tx1"/>
+                </a:solidFill>
+                <a:effectLst/>
+                <a:latin typeface="Calibri" panose="020F0502020204030204" pitchFamily="34" charset="0"/>
+                <a:ea typeface="Yu Mincho" charset="-128"/>
+                <a:cs typeface="Times New Roman" panose="02020603050405020304" pitchFamily="18" charset="0"/>
+              </a:rPr>
+              <a:t>á</a:t>
+            </a:r>
+            <a:r>
+              <a:rPr kumimoji="0" lang="en-US" altLang="ja-JP" sz="1400" b="0" i="0" u="none" strike="noStrike" cap="none" normalizeH="0" baseline="0" smtClean="0">
+                <a:ln>
+                  <a:noFill/>
+                </a:ln>
+                <a:solidFill>
+                  <a:schemeClr val="tx1"/>
+                </a:solidFill>
+                <a:effectLst/>
+                <a:latin typeface="Times New Roman" panose="02020603050405020304" pitchFamily="18" charset="0"/>
+                <a:ea typeface="Yu Mincho" charset="-128"/>
+                <a:cs typeface="Times New Roman" panose="02020603050405020304" pitchFamily="18" charset="0"/>
+              </a:rPr>
+              <a:t>c nhận giao phòng</a:t>
+            </a:r>
+            <a:endParaRPr kumimoji="0" lang="en-US" altLang="ja-JP" sz="1100" b="0" i="0" u="none" strike="noStrike" cap="none" normalizeH="0" baseline="0" smtClean="0">
+              <a:ln>
+                <a:noFill/>
+              </a:ln>
+              <a:solidFill>
+                <a:schemeClr val="tx1"/>
+              </a:solidFill>
+              <a:effectLst/>
+            </a:endParaRPr>
+          </a:p>
+          <a:p>
+            <a:pPr marL="0" marR="0" lvl="0" indent="0" algn="l" defTabSz="914400" rtl="0" eaLnBrk="0" fontAlgn="base" latinLnBrk="0" hangingPunct="0">
+              <a:lnSpc>
+                <a:spcPct val="100000"/>
+              </a:lnSpc>
+              <a:spcBef>
+                <a:spcPct val="0"/>
+              </a:spcBef>
+              <a:spcAft>
+                <a:spcPct val="0"/>
+              </a:spcAft>
+              <a:buClrTx/>
+              <a:buSzTx/>
+              <a:buFontTx/>
+              <a:buNone/>
+              <a:tabLst/>
+            </a:pPr>
+            <a:endParaRPr kumimoji="0" lang="en-US" altLang="ja-JP" sz="1800" b="0" i="0" u="none" strike="noStrike" cap="none" normalizeH="0" baseline="0" smtClean="0">
+              <a:ln>
+                <a:noFill/>
+              </a:ln>
+              <a:solidFill>
+                <a:schemeClr val="tx1"/>
+              </a:solidFill>
+              <a:effectLst/>
+              <a:latin typeface="Arial" panose="020B0604020202020204" pitchFamily="34" charset="0"/>
+            </a:endParaRPr>
+          </a:p>
+        </p:txBody>
+      </p:sp>
+      <p:pic>
+        <p:nvPicPr>
+          <p:cNvPr id="6145" name="Picture 20"/>
+          <p:cNvPicPr>
+            <a:picLocks noChangeAspect="1" noChangeArrowheads="1"/>
+          </p:cNvPicPr>
+          <p:nvPr/>
+        </p:nvPicPr>
+        <p:blipFill>
+          <a:blip r:embed="rId2">
+            <a:extLst>
+              <a:ext uri="{28A0092B-C50C-407E-A947-70E740481C1C}">
+                <a14:useLocalDpi xmlns:a14="http://schemas.microsoft.com/office/drawing/2010/main" val="0"/>
+              </a:ext>
+            </a:extLst>
+          </a:blip>
+          <a:srcRect/>
+          <a:stretch>
+            <a:fillRect/>
+          </a:stretch>
+        </p:blipFill>
+        <p:spPr bwMode="auto">
+          <a:xfrm>
+            <a:off x="3057144" y="1825625"/>
+            <a:ext cx="5581650" cy="4124325"/>
+          </a:xfrm>
+          <a:prstGeom prst="rect">
+            <a:avLst/>
+          </a:prstGeom>
+          <a:noFill/>
+          <a:extLst>
+            <a:ext uri="{909E8E84-426E-40DD-AFC4-6F175D3DCCD1}">
+              <a14:hiddenFill xmlns:a14="http://schemas.microsoft.com/office/drawing/2010/main">
+                <a:solidFill>
+                  <a:srgbClr val="FFFFFF"/>
+                </a:solidFill>
+              </a14:hiddenFill>
+            </a:ext>
+          </a:extLst>
+        </p:spPr>
+      </p:pic>
+      <p:sp>
+        <p:nvSpPr>
+          <p:cNvPr id="9" name="Rectangle 3"/>
+          <p:cNvSpPr>
+            <a:spLocks noChangeArrowheads="1"/>
+          </p:cNvSpPr>
+          <p:nvPr/>
+        </p:nvSpPr>
+        <p:spPr bwMode="auto">
+          <a:xfrm>
+            <a:off x="3285744" y="5949950"/>
+            <a:ext cx="12192000" cy="0"/>
+          </a:xfrm>
+          <a:prstGeom prst="rect">
+            <a:avLst/>
+          </a:prstGeom>
+          <a:noFill/>
+          <a:ln>
+            <a:noFill/>
+          </a:ln>
+          <a:effectLst/>
+          <a:extLst>
+            <a:ext uri="{909E8E84-426E-40DD-AFC4-6F175D3DCCD1}">
+              <a14:hiddenFill xmlns:a14="http://schemas.microsoft.com/office/drawing/2010/main">
+                <a:solidFill>
+                  <a:schemeClr val="accent1"/>
+                </a:solidFill>
+              </a14:hiddenFill>
+            </a:ext>
+            <a:ext uri="{91240B29-F687-4F45-9708-019B960494DF}">
+              <a14:hiddenLine xmlns:a14="http://schemas.microsoft.com/office/drawing/2010/main" w="9525">
+                <a:solidFill>
+                  <a:schemeClr val="tx1"/>
+                </a:solidFill>
+                <a:miter lim="800000"/>
+                <a:headEnd/>
+                <a:tailEnd/>
+              </a14:hiddenLine>
+            </a:ext>
+            <a:ext uri="{AF507438-7753-43E0-B8FC-AC1667EBCBE1}">
+              <a14:hiddenEffects xmlns:a14="http://schemas.microsoft.com/office/drawing/2010/main">
+                <a:effectLst>
+                  <a:outerShdw dist="35921" dir="2700000" algn="ctr" rotWithShape="0">
+                    <a:schemeClr val="bg2"/>
+                  </a:outerShdw>
+                </a:effectLst>
+              </a14:hiddenEffects>
+            </a:ext>
+          </a:extLst>
+        </p:spPr>
+        <p:txBody>
+          <a:bodyPr vert="horz" wrap="none" lIns="91440" tIns="45720" rIns="91440" bIns="45720" numCol="1" anchor="ctr" anchorCtr="0" compatLnSpc="1">
+            <a:prstTxWarp prst="textNoShape">
+              <a:avLst/>
+            </a:prstTxWarp>
+            <a:spAutoFit/>
+          </a:bodyPr>
+          <a:lstStyle/>
+          <a:p>
+            <a:endParaRPr lang="en-US"/>
+          </a:p>
+        </p:txBody>
+      </p:sp>
+    </p:spTree>
+    <p:extLst>
+      <p:ext uri="{BB962C8B-B14F-4D97-AF65-F5344CB8AC3E}">
+        <p14:creationId xmlns:p14="http://schemas.microsoft.com/office/powerpoint/2010/main" val="3661205578"/>
+      </p:ext>
+    </p:extLst>
+  </p:cSld>
+  <p:clrMapOvr>
+    <a:masterClrMapping/>
+  </p:clrMapOvr>
+  <p:timing>
+    <p:tnLst>
+      <p:par>
+        <p:cTn id="1" dur="indefinite" restart="never" nodeType="tmRoot"/>
+      </p:par>
+    </p:tnLst>
+  </p:timing>
+</p:sld>
+</file>
+
+<file path=ppt/slides/slide21.xml><?xml version="1.0" encoding="utf-8"?>
+<p:sld xmlns:a="http://schemas.openxmlformats.org/drawingml/2006/main" xmlns:r="http://schemas.openxmlformats.org/officeDocument/2006/relationships" xmlns:p="http://schemas.openxmlformats.org/presentationml/2006/main">
+  <p:cSld>
+    <p:spTree>
+      <p:nvGrpSpPr>
+        <p:cNvPr id="1" name=""/>
+        <p:cNvGrpSpPr/>
+        <p:nvPr/>
+      </p:nvGrpSpPr>
+      <p:grpSpPr>
+        <a:xfrm>
+          <a:off x="0" y="0"/>
+          <a:ext cx="0" cy="0"/>
+          <a:chOff x="0" y="0"/>
+          <a:chExt cx="0" cy="0"/>
+        </a:xfrm>
+      </p:grpSpPr>
+      <p:sp>
+        <p:nvSpPr>
+          <p:cNvPr id="3" name="Content Placeholder 2"/>
+          <p:cNvSpPr>
+            <a:spLocks noGrp="1"/>
+          </p:cNvSpPr>
+          <p:nvPr>
+            <p:ph idx="1"/>
+          </p:nvPr>
+        </p:nvSpPr>
+        <p:spPr/>
+        <p:txBody>
+          <a:bodyPr/>
+          <a:lstStyle/>
+          <a:p>
+            <a:pPr lvl="0"/>
+            <a:r>
+              <a:rPr lang="en-US" b="1" dirty="0" smtClean="0"/>
+              <a:t>.</a:t>
+            </a:r>
+            <a:endParaRPr lang="en-US" dirty="0"/>
+          </a:p>
+          <a:p>
+            <a:endParaRPr lang="en-US" dirty="0"/>
+          </a:p>
+        </p:txBody>
+      </p:sp>
+      <p:sp>
+        <p:nvSpPr>
+          <p:cNvPr id="5" name="Rectangle 3"/>
+          <p:cNvSpPr>
+            <a:spLocks noChangeArrowheads="1"/>
+          </p:cNvSpPr>
+          <p:nvPr/>
+        </p:nvSpPr>
+        <p:spPr bwMode="auto">
+          <a:xfrm>
+            <a:off x="1703832" y="5997575"/>
+            <a:ext cx="12192000" cy="0"/>
+          </a:xfrm>
+          <a:prstGeom prst="rect">
+            <a:avLst/>
+          </a:prstGeom>
+          <a:noFill/>
+          <a:ln>
+            <a:noFill/>
+          </a:ln>
+          <a:effectLst/>
+          <a:extLst>
+            <a:ext uri="{909E8E84-426E-40DD-AFC4-6F175D3DCCD1}">
+              <a14:hiddenFill xmlns:a14="http://schemas.microsoft.com/office/drawing/2010/main">
+                <a:solidFill>
+                  <a:schemeClr val="accent1"/>
+                </a:solidFill>
+              </a14:hiddenFill>
+            </a:ext>
+            <a:ext uri="{91240B29-F687-4F45-9708-019B960494DF}">
+              <a14:hiddenLine xmlns:a14="http://schemas.microsoft.com/office/drawing/2010/main" w="9525">
+                <a:solidFill>
+                  <a:schemeClr val="tx1"/>
+                </a:solidFill>
+                <a:miter lim="800000"/>
+                <a:headEnd/>
+                <a:tailEnd/>
+              </a14:hiddenLine>
+            </a:ext>
+            <a:ext uri="{AF507438-7753-43E0-B8FC-AC1667EBCBE1}">
+              <a14:hiddenEffects xmlns:a14="http://schemas.microsoft.com/office/drawing/2010/main">
+                <a:effectLst>
+                  <a:outerShdw dist="35921" dir="2700000" algn="ctr" rotWithShape="0">
+                    <a:schemeClr val="bg2"/>
+                  </a:outerShdw>
+                </a:effectLst>
+              </a14:hiddenEffects>
+            </a:ext>
+          </a:extLst>
+        </p:spPr>
+        <p:txBody>
+          <a:bodyPr vert="horz" wrap="none" lIns="91440" tIns="45720" rIns="91440" bIns="45720" numCol="1" anchor="ctr" anchorCtr="0" compatLnSpc="1">
+            <a:prstTxWarp prst="textNoShape">
+              <a:avLst/>
+            </a:prstTxWarp>
+            <a:spAutoFit/>
+          </a:bodyPr>
+          <a:lstStyle/>
+          <a:p>
+            <a:endParaRPr lang="en-US"/>
+          </a:p>
+        </p:txBody>
+      </p:sp>
+      <p:sp>
+        <p:nvSpPr>
+          <p:cNvPr id="6" name="Rectangle 3"/>
+          <p:cNvSpPr>
+            <a:spLocks noChangeArrowheads="1"/>
+          </p:cNvSpPr>
+          <p:nvPr/>
+        </p:nvSpPr>
+        <p:spPr bwMode="auto">
+          <a:xfrm>
+            <a:off x="3633724" y="5705475"/>
+            <a:ext cx="12192000" cy="0"/>
+          </a:xfrm>
+          <a:prstGeom prst="rect">
+            <a:avLst/>
+          </a:prstGeom>
+          <a:noFill/>
+          <a:ln>
+            <a:noFill/>
+          </a:ln>
+          <a:effectLst/>
+          <a:extLst>
+            <a:ext uri="{909E8E84-426E-40DD-AFC4-6F175D3DCCD1}">
+              <a14:hiddenFill xmlns:a14="http://schemas.microsoft.com/office/drawing/2010/main">
+                <a:solidFill>
+                  <a:schemeClr val="accent1"/>
+                </a:solidFill>
+              </a14:hiddenFill>
+            </a:ext>
+            <a:ext uri="{91240B29-F687-4F45-9708-019B960494DF}">
+              <a14:hiddenLine xmlns:a14="http://schemas.microsoft.com/office/drawing/2010/main" w="9525">
+                <a:solidFill>
+                  <a:schemeClr val="tx1"/>
+                </a:solidFill>
+                <a:miter lim="800000"/>
+                <a:headEnd/>
+                <a:tailEnd/>
+              </a14:hiddenLine>
+            </a:ext>
+            <a:ext uri="{AF507438-7753-43E0-B8FC-AC1667EBCBE1}">
+              <a14:hiddenEffects xmlns:a14="http://schemas.microsoft.com/office/drawing/2010/main">
+                <a:effectLst>
+                  <a:outerShdw dist="35921" dir="2700000" algn="ctr" rotWithShape="0">
+                    <a:schemeClr val="bg2"/>
+                  </a:outerShdw>
+                </a:effectLst>
+              </a14:hiddenEffects>
+            </a:ext>
+          </a:extLst>
+        </p:spPr>
+        <p:txBody>
+          <a:bodyPr vert="horz" wrap="none" lIns="91440" tIns="45720" rIns="91440" bIns="45720" numCol="1" anchor="ctr" anchorCtr="0" compatLnSpc="1">
+            <a:prstTxWarp prst="textNoShape">
+              <a:avLst/>
+            </a:prstTxWarp>
+            <a:spAutoFit/>
+          </a:bodyPr>
+          <a:lstStyle/>
+          <a:p>
+            <a:endParaRPr lang="en-US"/>
+          </a:p>
+        </p:txBody>
+      </p:sp>
+      <p:sp>
+        <p:nvSpPr>
+          <p:cNvPr id="8" name="Rectangle 3"/>
+          <p:cNvSpPr>
+            <a:spLocks noChangeArrowheads="1"/>
+          </p:cNvSpPr>
+          <p:nvPr/>
+        </p:nvSpPr>
+        <p:spPr bwMode="auto">
+          <a:xfrm>
+            <a:off x="3862324" y="5121274"/>
+            <a:ext cx="12192000" cy="0"/>
+          </a:xfrm>
+          <a:prstGeom prst="rect">
+            <a:avLst/>
+          </a:prstGeom>
+          <a:noFill/>
+          <a:ln>
+            <a:noFill/>
+          </a:ln>
+          <a:effectLst/>
+          <a:extLst>
+            <a:ext uri="{909E8E84-426E-40DD-AFC4-6F175D3DCCD1}">
+              <a14:hiddenFill xmlns:a14="http://schemas.microsoft.com/office/drawing/2010/main">
+                <a:solidFill>
+                  <a:schemeClr val="accent1"/>
+                </a:solidFill>
+              </a14:hiddenFill>
+            </a:ext>
+            <a:ext uri="{91240B29-F687-4F45-9708-019B960494DF}">
+              <a14:hiddenLine xmlns:a14="http://schemas.microsoft.com/office/drawing/2010/main" w="9525">
+                <a:solidFill>
+                  <a:schemeClr val="tx1"/>
+                </a:solidFill>
+                <a:miter lim="800000"/>
+                <a:headEnd/>
+                <a:tailEnd/>
+              </a14:hiddenLine>
+            </a:ext>
+            <a:ext uri="{AF507438-7753-43E0-B8FC-AC1667EBCBE1}">
+              <a14:hiddenEffects xmlns:a14="http://schemas.microsoft.com/office/drawing/2010/main">
+                <a:effectLst>
+                  <a:outerShdw dist="35921" dir="2700000" algn="ctr" rotWithShape="0">
+                    <a:schemeClr val="bg2"/>
+                  </a:outerShdw>
+                </a:effectLst>
+              </a14:hiddenEffects>
+            </a:ext>
+          </a:extLst>
+        </p:spPr>
+        <p:txBody>
+          <a:bodyPr vert="horz" wrap="none" lIns="91440" tIns="45720" rIns="91440" bIns="45720" numCol="1" anchor="ctr" anchorCtr="0" compatLnSpc="1">
+            <a:prstTxWarp prst="textNoShape">
+              <a:avLst/>
+            </a:prstTxWarp>
+            <a:spAutoFit/>
+          </a:bodyPr>
+          <a:lstStyle/>
+          <a:p>
+            <a:endParaRPr lang="en-US"/>
+          </a:p>
+        </p:txBody>
+      </p:sp>
+      <p:sp>
+        <p:nvSpPr>
+          <p:cNvPr id="7" name="Rectangle 3"/>
+          <p:cNvSpPr>
+            <a:spLocks noChangeArrowheads="1"/>
+          </p:cNvSpPr>
+          <p:nvPr/>
+        </p:nvSpPr>
+        <p:spPr bwMode="auto">
+          <a:xfrm>
+            <a:off x="3057144" y="5997575"/>
+            <a:ext cx="12192000" cy="0"/>
+          </a:xfrm>
+          <a:prstGeom prst="rect">
+            <a:avLst/>
+          </a:prstGeom>
+          <a:noFill/>
+          <a:ln>
+            <a:noFill/>
+          </a:ln>
+          <a:effectLst/>
+          <a:extLst>
+            <a:ext uri="{909E8E84-426E-40DD-AFC4-6F175D3DCCD1}">
+              <a14:hiddenFill xmlns:a14="http://schemas.microsoft.com/office/drawing/2010/main">
+                <a:solidFill>
+                  <a:schemeClr val="accent1"/>
+                </a:solidFill>
+              </a14:hiddenFill>
+            </a:ext>
+            <a:ext uri="{91240B29-F687-4F45-9708-019B960494DF}">
+              <a14:hiddenLine xmlns:a14="http://schemas.microsoft.com/office/drawing/2010/main" w="9525">
+                <a:solidFill>
+                  <a:schemeClr val="tx1"/>
+                </a:solidFill>
+                <a:miter lim="800000"/>
+                <a:headEnd/>
+                <a:tailEnd/>
+              </a14:hiddenLine>
+            </a:ext>
+            <a:ext uri="{AF507438-7753-43E0-B8FC-AC1667EBCBE1}">
+              <a14:hiddenEffects xmlns:a14="http://schemas.microsoft.com/office/drawing/2010/main">
+                <a:effectLst>
+                  <a:outerShdw dist="35921" dir="2700000" algn="ctr" rotWithShape="0">
+                    <a:schemeClr val="bg2"/>
+                  </a:outerShdw>
+                </a:effectLst>
+              </a14:hiddenEffects>
+            </a:ext>
+          </a:extLst>
+        </p:spPr>
+        <p:txBody>
+          <a:bodyPr vert="horz" wrap="none" lIns="91440" tIns="45720" rIns="91440" bIns="45720" numCol="1" anchor="ctr" anchorCtr="0" compatLnSpc="1">
+            <a:prstTxWarp prst="textNoShape">
+              <a:avLst/>
+            </a:prstTxWarp>
+            <a:spAutoFit/>
+          </a:bodyPr>
+          <a:lstStyle/>
+          <a:p>
+            <a:endParaRPr lang="en-US"/>
+          </a:p>
+        </p:txBody>
+      </p:sp>
+      <p:sp>
+        <p:nvSpPr>
+          <p:cNvPr id="9" name="Rectangle 3"/>
+          <p:cNvSpPr>
+            <a:spLocks noChangeArrowheads="1"/>
+          </p:cNvSpPr>
+          <p:nvPr/>
+        </p:nvSpPr>
+        <p:spPr bwMode="auto">
+          <a:xfrm>
+            <a:off x="3285744" y="5949950"/>
+            <a:ext cx="12192000" cy="0"/>
+          </a:xfrm>
+          <a:prstGeom prst="rect">
+            <a:avLst/>
+          </a:prstGeom>
+          <a:noFill/>
+          <a:ln>
+            <a:noFill/>
+          </a:ln>
+          <a:effectLst/>
+          <a:extLst>
+            <a:ext uri="{909E8E84-426E-40DD-AFC4-6F175D3DCCD1}">
+              <a14:hiddenFill xmlns:a14="http://schemas.microsoft.com/office/drawing/2010/main">
+                <a:solidFill>
+                  <a:schemeClr val="accent1"/>
+                </a:solidFill>
+              </a14:hiddenFill>
+            </a:ext>
+            <a:ext uri="{91240B29-F687-4F45-9708-019B960494DF}">
+              <a14:hiddenLine xmlns:a14="http://schemas.microsoft.com/office/drawing/2010/main" w="9525">
+                <a:solidFill>
+                  <a:schemeClr val="tx1"/>
+                </a:solidFill>
+                <a:miter lim="800000"/>
+                <a:headEnd/>
+                <a:tailEnd/>
+              </a14:hiddenLine>
+            </a:ext>
+            <a:ext uri="{AF507438-7753-43E0-B8FC-AC1667EBCBE1}">
+              <a14:hiddenEffects xmlns:a14="http://schemas.microsoft.com/office/drawing/2010/main">
+                <a:effectLst>
+                  <a:outerShdw dist="35921" dir="2700000" algn="ctr" rotWithShape="0">
+                    <a:schemeClr val="bg2"/>
+                  </a:outerShdw>
+                </a:effectLst>
+              </a14:hiddenEffects>
+            </a:ext>
+          </a:extLst>
+        </p:spPr>
+        <p:txBody>
+          <a:bodyPr vert="horz" wrap="none" lIns="91440" tIns="45720" rIns="91440" bIns="45720" numCol="1" anchor="ctr" anchorCtr="0" compatLnSpc="1">
+            <a:prstTxWarp prst="textNoShape">
+              <a:avLst/>
+            </a:prstTxWarp>
+            <a:spAutoFit/>
+          </a:bodyPr>
+          <a:lstStyle/>
+          <a:p>
+            <a:endParaRPr lang="en-US"/>
+          </a:p>
+        </p:txBody>
+      </p:sp>
+      <p:sp>
+        <p:nvSpPr>
+          <p:cNvPr id="4" name="Rectangle 2"/>
+          <p:cNvSpPr>
+            <a:spLocks noChangeArrowheads="1"/>
+          </p:cNvSpPr>
+          <p:nvPr/>
+        </p:nvSpPr>
+        <p:spPr bwMode="auto">
+          <a:xfrm>
+            <a:off x="3145536" y="1033463"/>
+            <a:ext cx="12192000" cy="457200"/>
+          </a:xfrm>
+          <a:prstGeom prst="rect">
+            <a:avLst/>
+          </a:prstGeom>
+          <a:noFill/>
+          <a:ln>
+            <a:noFill/>
+          </a:ln>
+          <a:effectLst/>
+          <a:extLst>
+            <a:ext uri="{909E8E84-426E-40DD-AFC4-6F175D3DCCD1}">
+              <a14:hiddenFill xmlns:a14="http://schemas.microsoft.com/office/drawing/2010/main">
+                <a:solidFill>
+                  <a:schemeClr val="accent1"/>
+                </a:solidFill>
+              </a14:hiddenFill>
+            </a:ext>
+            <a:ext uri="{91240B29-F687-4F45-9708-019B960494DF}">
+              <a14:hiddenLine xmlns:a14="http://schemas.microsoft.com/office/drawing/2010/main" w="9525">
+                <a:solidFill>
+                  <a:schemeClr val="tx1"/>
+                </a:solidFill>
+                <a:miter lim="800000"/>
+                <a:headEnd/>
+                <a:tailEnd/>
+              </a14:hiddenLine>
+            </a:ext>
+            <a:ext uri="{AF507438-7753-43E0-B8FC-AC1667EBCBE1}">
+              <a14:hiddenEffects xmlns:a14="http://schemas.microsoft.com/office/drawing/2010/main">
+                <a:effectLst>
+                  <a:outerShdw dist="35921" dir="2700000" algn="ctr" rotWithShape="0">
+                    <a:schemeClr val="bg2"/>
+                  </a:outerShdw>
+                </a:effectLst>
+              </a14:hiddenEffects>
+            </a:ext>
+          </a:extLst>
+        </p:spPr>
+        <p:txBody>
+          <a:bodyPr vert="horz" wrap="none" lIns="91440" tIns="45720" rIns="91440" bIns="45720" numCol="1" anchor="ctr" anchorCtr="0" compatLnSpc="1">
+            <a:prstTxWarp prst="textNoShape">
+              <a:avLst/>
+            </a:prstTxWarp>
+            <a:spAutoFit/>
+          </a:bodyPr>
+          <a:lstStyle/>
+          <a:p>
+            <a:pPr marL="0" marR="0" lvl="0" indent="0" algn="l" defTabSz="914400" rtl="0" eaLnBrk="0" fontAlgn="base" latinLnBrk="0" hangingPunct="0">
+              <a:lnSpc>
+                <a:spcPct val="100000"/>
+              </a:lnSpc>
+              <a:spcBef>
+                <a:spcPct val="0"/>
+              </a:spcBef>
+              <a:spcAft>
+                <a:spcPct val="0"/>
+              </a:spcAft>
+              <a:buClrTx/>
+              <a:buSzTx/>
+              <a:buFontTx/>
+              <a:buChar char="•"/>
+              <a:tabLst/>
+            </a:pPr>
+            <a:r>
+              <a:rPr kumimoji="0" lang="en-US" altLang="ja-JP" sz="1400" b="0" i="0" u="none" strike="noStrike" cap="none" normalizeH="0" baseline="0" smtClean="0">
+                <a:ln>
+                  <a:noFill/>
+                </a:ln>
+                <a:solidFill>
+                  <a:schemeClr val="tx1"/>
+                </a:solidFill>
+                <a:effectLst/>
+                <a:latin typeface="Times New Roman" panose="02020603050405020304" pitchFamily="18" charset="0"/>
+                <a:ea typeface="Yu Mincho" charset="-128"/>
+                <a:cs typeface="Times New Roman" panose="02020603050405020304" pitchFamily="18" charset="0"/>
+              </a:rPr>
+              <a:t>Sơ đồ tuần tự cho usecase X</a:t>
+            </a:r>
+            <a:r>
+              <a:rPr kumimoji="0" lang="en-US" altLang="ja-JP" sz="1400" b="0" i="0" u="none" strike="noStrike" cap="none" normalizeH="0" baseline="0" smtClean="0">
+                <a:ln>
+                  <a:noFill/>
+                </a:ln>
+                <a:solidFill>
+                  <a:schemeClr val="tx1"/>
+                </a:solidFill>
+                <a:effectLst/>
+                <a:latin typeface="Calibri" panose="020F0502020204030204" pitchFamily="34" charset="0"/>
+                <a:ea typeface="Yu Mincho" charset="-128"/>
+                <a:cs typeface="Times New Roman" panose="02020603050405020304" pitchFamily="18" charset="0"/>
+              </a:rPr>
+              <a:t>á</a:t>
+            </a:r>
+            <a:r>
+              <a:rPr kumimoji="0" lang="en-US" altLang="ja-JP" sz="1400" b="0" i="0" u="none" strike="noStrike" cap="none" normalizeH="0" baseline="0" smtClean="0">
+                <a:ln>
+                  <a:noFill/>
+                </a:ln>
+                <a:solidFill>
+                  <a:schemeClr val="tx1"/>
+                </a:solidFill>
+                <a:effectLst/>
+                <a:latin typeface="Times New Roman" panose="02020603050405020304" pitchFamily="18" charset="0"/>
+                <a:ea typeface="Yu Mincho" charset="-128"/>
+                <a:cs typeface="Times New Roman" panose="02020603050405020304" pitchFamily="18" charset="0"/>
+              </a:rPr>
+              <a:t>c nhận trả phòng</a:t>
+            </a:r>
+            <a:endParaRPr kumimoji="0" lang="en-US" altLang="ja-JP" sz="1100" b="0" i="0" u="none" strike="noStrike" cap="none" normalizeH="0" baseline="0" smtClean="0">
+              <a:ln>
+                <a:noFill/>
+              </a:ln>
+              <a:solidFill>
+                <a:schemeClr val="tx1"/>
+              </a:solidFill>
+              <a:effectLst/>
+            </a:endParaRPr>
+          </a:p>
+          <a:p>
+            <a:pPr marL="0" marR="0" lvl="0" indent="0" algn="l" defTabSz="914400" rtl="0" eaLnBrk="0" fontAlgn="base" latinLnBrk="0" hangingPunct="0">
+              <a:lnSpc>
+                <a:spcPct val="100000"/>
+              </a:lnSpc>
+              <a:spcBef>
+                <a:spcPct val="0"/>
+              </a:spcBef>
+              <a:spcAft>
+                <a:spcPct val="0"/>
+              </a:spcAft>
+              <a:buClrTx/>
+              <a:buSzTx/>
+              <a:buFontTx/>
+              <a:buNone/>
+              <a:tabLst/>
+            </a:pPr>
+            <a:endParaRPr kumimoji="0" lang="en-US" altLang="ja-JP" sz="1800" b="0" i="0" u="none" strike="noStrike" cap="none" normalizeH="0" baseline="0" smtClean="0">
+              <a:ln>
+                <a:noFill/>
+              </a:ln>
+              <a:solidFill>
+                <a:schemeClr val="tx1"/>
+              </a:solidFill>
+              <a:effectLst/>
+              <a:latin typeface="Arial" panose="020B0604020202020204" pitchFamily="34" charset="0"/>
+            </a:endParaRPr>
+          </a:p>
+        </p:txBody>
+      </p:sp>
+      <p:pic>
+        <p:nvPicPr>
+          <p:cNvPr id="7169" name="Picture 21"/>
+          <p:cNvPicPr>
+            <a:picLocks noChangeAspect="1" noChangeArrowheads="1"/>
+          </p:cNvPicPr>
+          <p:nvPr/>
+        </p:nvPicPr>
+        <p:blipFill>
+          <a:blip r:embed="rId2">
+            <a:extLst>
+              <a:ext uri="{28A0092B-C50C-407E-A947-70E740481C1C}">
+                <a14:useLocalDpi xmlns:a14="http://schemas.microsoft.com/office/drawing/2010/main" val="0"/>
+              </a:ext>
+            </a:extLst>
+          </a:blip>
+          <a:srcRect/>
+          <a:stretch>
+            <a:fillRect/>
+          </a:stretch>
+        </p:blipFill>
+        <p:spPr bwMode="auto">
+          <a:xfrm>
+            <a:off x="3145536" y="1490663"/>
+            <a:ext cx="5505450" cy="4686300"/>
+          </a:xfrm>
+          <a:prstGeom prst="rect">
+            <a:avLst/>
+          </a:prstGeom>
+          <a:noFill/>
+          <a:extLst>
+            <a:ext uri="{909E8E84-426E-40DD-AFC4-6F175D3DCCD1}">
+              <a14:hiddenFill xmlns:a14="http://schemas.microsoft.com/office/drawing/2010/main">
+                <a:solidFill>
+                  <a:srgbClr val="FFFFFF"/>
+                </a:solidFill>
+              </a14:hiddenFill>
+            </a:ext>
+          </a:extLst>
+        </p:spPr>
+      </p:pic>
+      <p:sp>
+        <p:nvSpPr>
+          <p:cNvPr id="10" name="Rectangle 3"/>
+          <p:cNvSpPr>
+            <a:spLocks noChangeArrowheads="1"/>
+          </p:cNvSpPr>
+          <p:nvPr/>
+        </p:nvSpPr>
+        <p:spPr bwMode="auto">
+          <a:xfrm>
+            <a:off x="3374136" y="6176963"/>
+            <a:ext cx="12192000" cy="0"/>
+          </a:xfrm>
+          <a:prstGeom prst="rect">
+            <a:avLst/>
+          </a:prstGeom>
+          <a:noFill/>
+          <a:ln>
+            <a:noFill/>
+          </a:ln>
+          <a:effectLst/>
+          <a:extLst>
+            <a:ext uri="{909E8E84-426E-40DD-AFC4-6F175D3DCCD1}">
+              <a14:hiddenFill xmlns:a14="http://schemas.microsoft.com/office/drawing/2010/main">
+                <a:solidFill>
+                  <a:schemeClr val="accent1"/>
+                </a:solidFill>
+              </a14:hiddenFill>
+            </a:ext>
+            <a:ext uri="{91240B29-F687-4F45-9708-019B960494DF}">
+              <a14:hiddenLine xmlns:a14="http://schemas.microsoft.com/office/drawing/2010/main" w="9525">
+                <a:solidFill>
+                  <a:schemeClr val="tx1"/>
+                </a:solidFill>
+                <a:miter lim="800000"/>
+                <a:headEnd/>
+                <a:tailEnd/>
+              </a14:hiddenLine>
+            </a:ext>
+            <a:ext uri="{AF507438-7753-43E0-B8FC-AC1667EBCBE1}">
+              <a14:hiddenEffects xmlns:a14="http://schemas.microsoft.com/office/drawing/2010/main">
+                <a:effectLst>
+                  <a:outerShdw dist="35921" dir="2700000" algn="ctr" rotWithShape="0">
+                    <a:schemeClr val="bg2"/>
+                  </a:outerShdw>
+                </a:effectLst>
+              </a14:hiddenEffects>
+            </a:ext>
+          </a:extLst>
+        </p:spPr>
+        <p:txBody>
+          <a:bodyPr vert="horz" wrap="none" lIns="91440" tIns="45720" rIns="91440" bIns="45720" numCol="1" anchor="ctr" anchorCtr="0" compatLnSpc="1">
+            <a:prstTxWarp prst="textNoShape">
+              <a:avLst/>
+            </a:prstTxWarp>
+            <a:spAutoFit/>
+          </a:bodyPr>
+          <a:lstStyle/>
+          <a:p>
+            <a:endParaRPr lang="en-US"/>
+          </a:p>
+        </p:txBody>
+      </p:sp>
+    </p:spTree>
+    <p:extLst>
+      <p:ext uri="{BB962C8B-B14F-4D97-AF65-F5344CB8AC3E}">
+        <p14:creationId xmlns:p14="http://schemas.microsoft.com/office/powerpoint/2010/main" val="2480648957"/>
+      </p:ext>
+    </p:extLst>
+  </p:cSld>
+  <p:clrMapOvr>
+    <a:masterClrMapping/>
+  </p:clrMapOvr>
+  <p:timing>
+    <p:tnLst>
+      <p:par>
+        <p:cTn id="1" dur="indefinite" restart="never" nodeType="tmRoot"/>
+      </p:par>
+    </p:tnLst>
+  </p:timing>
 </p:sld>
 </file>
 
@@ -3668,28 +7895,9 @@
           <a:chExt cx="0" cy="0"/>
         </a:xfrm>
       </p:grpSpPr>
-      <p:sp>
-        <p:nvSpPr>
-          <p:cNvPr id="2" name="Title 1"/>
-          <p:cNvSpPr>
-            <a:spLocks noGrp="1"/>
-          </p:cNvSpPr>
-          <p:nvPr>
-            <p:ph type="title"/>
-          </p:nvPr>
-        </p:nvSpPr>
-        <p:spPr/>
-        <p:txBody>
-          <a:bodyPr/>
-          <a:lstStyle/>
-          <a:p>
-            <a:endParaRPr lang="en-US"/>
-          </a:p>
-        </p:txBody>
-      </p:sp>
       <p:pic>
         <p:nvPicPr>
-          <p:cNvPr id="4" name="Content Placeholder 3"/>
+          <p:cNvPr id="5" name="Content Placeholder 4"/>
           <p:cNvPicPr>
             <a:picLocks noGrp="1"/>
           </p:cNvPicPr>
@@ -3705,14 +7913,100 @@
         </p:blipFill>
         <p:spPr>
           <a:xfrm>
-            <a:off x="3927583" y="1825625"/>
-            <a:ext cx="4336833" cy="4351338"/>
+            <a:off x="2386584" y="1715897"/>
+            <a:ext cx="6278359" cy="4351338"/>
           </a:xfrm>
           <a:prstGeom prst="rect">
             <a:avLst/>
           </a:prstGeom>
         </p:spPr>
       </p:pic>
+      <p:sp>
+        <p:nvSpPr>
+          <p:cNvPr id="6" name="TextBox 5"/>
+          <p:cNvSpPr txBox="1"/>
+          <p:nvPr/>
+        </p:nvSpPr>
+        <p:spPr>
+          <a:xfrm>
+            <a:off x="2587491" y="402336"/>
+            <a:ext cx="5876544" cy="369332"/>
+          </a:xfrm>
+          <a:prstGeom prst="rect">
+            <a:avLst/>
+          </a:prstGeom>
+          <a:noFill/>
+        </p:spPr>
+        <p:txBody>
+          <a:bodyPr wrap="square" rtlCol="0">
+            <a:spAutoFit/>
+          </a:bodyPr>
+          <a:lstStyle/>
+          <a:p>
+            <a:r>
+              <a:rPr lang="en-US" dirty="0" err="1" smtClean="0"/>
+              <a:t>Sơ</a:t>
+            </a:r>
+            <a:r>
+              <a:rPr lang="en-US" dirty="0" smtClean="0"/>
+              <a:t> </a:t>
+            </a:r>
+            <a:r>
+              <a:rPr lang="en-US" dirty="0" err="1" smtClean="0"/>
+              <a:t>đồ</a:t>
+            </a:r>
+            <a:r>
+              <a:rPr lang="en-US" dirty="0" smtClean="0"/>
+              <a:t> </a:t>
+            </a:r>
+            <a:r>
+              <a:rPr lang="en-US" dirty="0" err="1" smtClean="0"/>
+              <a:t>usecase</a:t>
+            </a:r>
+            <a:r>
+              <a:rPr lang="en-US" dirty="0" smtClean="0"/>
+              <a:t> </a:t>
+            </a:r>
+            <a:r>
+              <a:rPr lang="en-US" dirty="0" err="1" smtClean="0"/>
+              <a:t>phân</a:t>
+            </a:r>
+            <a:r>
+              <a:rPr lang="en-US" dirty="0" smtClean="0"/>
+              <a:t> </a:t>
+            </a:r>
+            <a:r>
+              <a:rPr lang="en-US" dirty="0" err="1" smtClean="0"/>
+              <a:t>rã</a:t>
+            </a:r>
+            <a:r>
+              <a:rPr lang="en-US" dirty="0" smtClean="0"/>
+              <a:t> </a:t>
+            </a:r>
+            <a:r>
+              <a:rPr lang="en-US" dirty="0" err="1" smtClean="0"/>
+              <a:t>theo</a:t>
+            </a:r>
+            <a:r>
+              <a:rPr lang="en-US" dirty="0" smtClean="0"/>
+              <a:t> </a:t>
+            </a:r>
+            <a:r>
+              <a:rPr lang="en-US" dirty="0" err="1" smtClean="0"/>
+              <a:t>khách</a:t>
+            </a:r>
+            <a:r>
+              <a:rPr lang="en-US" dirty="0" smtClean="0"/>
+              <a:t> </a:t>
+            </a:r>
+            <a:r>
+              <a:rPr lang="en-US" dirty="0" err="1" smtClean="0"/>
+              <a:t>hàng</a:t>
+            </a:r>
+            <a:endParaRPr lang="en-US" dirty="0"/>
+          </a:p>
+        </p:txBody>
+      </p:sp>
     </p:spTree>
     <p:extLst>
       <p:ext uri="{BB962C8B-B14F-4D97-AF65-F5344CB8AC3E}">
@@ -3743,6 +8037,356 @@
           <a:chExt cx="0" cy="0"/>
         </a:xfrm>
       </p:grpSpPr>
+      <p:pic>
+        <p:nvPicPr>
+          <p:cNvPr id="6" name="Content Placeholder 5"/>
+          <p:cNvPicPr>
+            <a:picLocks noGrp="1"/>
+          </p:cNvPicPr>
+          <p:nvPr>
+            <p:ph idx="1"/>
+          </p:nvPr>
+        </p:nvPicPr>
+        <p:blipFill>
+          <a:blip r:embed="rId2"/>
+          <a:stretch>
+            <a:fillRect/>
+          </a:stretch>
+        </p:blipFill>
+        <p:spPr>
+          <a:xfrm>
+            <a:off x="3184324" y="1825625"/>
+            <a:ext cx="5823351" cy="4351338"/>
+          </a:xfrm>
+          <a:prstGeom prst="rect">
+            <a:avLst/>
+          </a:prstGeom>
+        </p:spPr>
+      </p:pic>
+      <p:sp>
+        <p:nvSpPr>
+          <p:cNvPr id="7" name="TextBox 6"/>
+          <p:cNvSpPr txBox="1"/>
+          <p:nvPr/>
+        </p:nvSpPr>
+        <p:spPr>
+          <a:xfrm>
+            <a:off x="2572512" y="451104"/>
+            <a:ext cx="5827776" cy="369332"/>
+          </a:xfrm>
+          <a:prstGeom prst="rect">
+            <a:avLst/>
+          </a:prstGeom>
+          <a:noFill/>
+        </p:spPr>
+        <p:txBody>
+          <a:bodyPr wrap="square" rtlCol="0">
+            <a:spAutoFit/>
+          </a:bodyPr>
+          <a:lstStyle/>
+          <a:p>
+            <a:r>
+              <a:rPr lang="en-US" dirty="0" err="1" smtClean="0"/>
+              <a:t>Sơ</a:t>
+            </a:r>
+            <a:r>
+              <a:rPr lang="en-US" dirty="0" smtClean="0"/>
+              <a:t> </a:t>
+            </a:r>
+            <a:r>
+              <a:rPr lang="en-US" dirty="0" err="1" smtClean="0"/>
+              <a:t>đồ</a:t>
+            </a:r>
+            <a:r>
+              <a:rPr lang="en-US" dirty="0" smtClean="0"/>
+              <a:t> use case </a:t>
+            </a:r>
+            <a:r>
+              <a:rPr lang="en-US" dirty="0" err="1" smtClean="0"/>
+              <a:t>phân</a:t>
+            </a:r>
+            <a:r>
+              <a:rPr lang="en-US" dirty="0" smtClean="0"/>
+              <a:t> </a:t>
+            </a:r>
+            <a:r>
+              <a:rPr lang="en-US" dirty="0" err="1" smtClean="0"/>
+              <a:t>rã</a:t>
+            </a:r>
+            <a:r>
+              <a:rPr lang="en-US" dirty="0" smtClean="0"/>
+              <a:t> </a:t>
+            </a:r>
+            <a:r>
+              <a:rPr lang="en-US" dirty="0" err="1" smtClean="0"/>
+              <a:t>theo</a:t>
+            </a:r>
+            <a:r>
+              <a:rPr lang="en-US" dirty="0" smtClean="0"/>
+              <a:t> </a:t>
+            </a:r>
+            <a:r>
+              <a:rPr lang="en-US" dirty="0" err="1" smtClean="0"/>
+              <a:t>Tiếp</a:t>
+            </a:r>
+            <a:r>
+              <a:rPr lang="en-US" dirty="0" smtClean="0"/>
+              <a:t> </a:t>
+            </a:r>
+            <a:r>
+              <a:rPr lang="en-US" dirty="0" err="1" smtClean="0"/>
+              <a:t>tân</a:t>
+            </a:r>
+            <a:endParaRPr lang="en-US" dirty="0"/>
+          </a:p>
+        </p:txBody>
+      </p:sp>
+    </p:spTree>
+    <p:extLst>
+      <p:ext uri="{BB962C8B-B14F-4D97-AF65-F5344CB8AC3E}">
+        <p14:creationId xmlns:p14="http://schemas.microsoft.com/office/powerpoint/2010/main" val="771104665"/>
+      </p:ext>
+    </p:extLst>
+  </p:cSld>
+  <p:clrMapOvr>
+    <a:masterClrMapping/>
+  </p:clrMapOvr>
+</p:sld>
+</file>
+
+<file path=ppt/slides/slide5.xml><?xml version="1.0" encoding="utf-8"?>
+<p:sld xmlns:a="http://schemas.openxmlformats.org/drawingml/2006/main" xmlns:r="http://schemas.openxmlformats.org/officeDocument/2006/relationships" xmlns:p="http://schemas.openxmlformats.org/presentationml/2006/main">
+  <p:cSld>
+    <p:spTree>
+      <p:nvGrpSpPr>
+        <p:cNvPr id="1" name=""/>
+        <p:cNvGrpSpPr/>
+        <p:nvPr/>
+      </p:nvGrpSpPr>
+      <p:grpSpPr>
+        <a:xfrm>
+          <a:off x="0" y="0"/>
+          <a:ext cx="0" cy="0"/>
+          <a:chOff x="0" y="0"/>
+          <a:chExt cx="0" cy="0"/>
+        </a:xfrm>
+      </p:grpSpPr>
+      <p:pic>
+        <p:nvPicPr>
+          <p:cNvPr id="5" name="Content Placeholder 4"/>
+          <p:cNvPicPr>
+            <a:picLocks noGrp="1"/>
+          </p:cNvPicPr>
+          <p:nvPr>
+            <p:ph idx="1"/>
+          </p:nvPr>
+        </p:nvPicPr>
+        <p:blipFill>
+          <a:blip r:embed="rId2"/>
+          <a:stretch>
+            <a:fillRect/>
+          </a:stretch>
+        </p:blipFill>
+        <p:spPr>
+          <a:xfrm>
+            <a:off x="3776838" y="1825625"/>
+            <a:ext cx="4638324" cy="4351338"/>
+          </a:xfrm>
+          <a:prstGeom prst="rect">
+            <a:avLst/>
+          </a:prstGeom>
+        </p:spPr>
+      </p:pic>
+      <p:sp>
+        <p:nvSpPr>
+          <p:cNvPr id="3" name="TextBox 2"/>
+          <p:cNvSpPr txBox="1"/>
+          <p:nvPr/>
+        </p:nvSpPr>
+        <p:spPr>
+          <a:xfrm>
+            <a:off x="5327904" y="1060704"/>
+            <a:ext cx="5147706" cy="369332"/>
+          </a:xfrm>
+          <a:prstGeom prst="rect">
+            <a:avLst/>
+          </a:prstGeom>
+          <a:noFill/>
+        </p:spPr>
+        <p:txBody>
+          <a:bodyPr wrap="square" rtlCol="0">
+            <a:spAutoFit/>
+          </a:bodyPr>
+          <a:lstStyle/>
+          <a:p>
+            <a:r>
+              <a:rPr lang="en-US" dirty="0" err="1" smtClean="0"/>
+              <a:t>Sơ</a:t>
+            </a:r>
+            <a:r>
+              <a:rPr lang="en-US" dirty="0" smtClean="0"/>
+              <a:t> </a:t>
+            </a:r>
+            <a:r>
+              <a:rPr lang="en-US" dirty="0" err="1" smtClean="0"/>
+              <a:t>đồ</a:t>
+            </a:r>
+            <a:r>
+              <a:rPr lang="en-US" dirty="0" smtClean="0"/>
+              <a:t> </a:t>
+            </a:r>
+            <a:r>
+              <a:rPr lang="en-US" dirty="0" err="1" smtClean="0"/>
+              <a:t>lớp</a:t>
+            </a:r>
+            <a:endParaRPr lang="en-US" dirty="0"/>
+          </a:p>
+        </p:txBody>
+      </p:sp>
+    </p:spTree>
+    <p:extLst>
+      <p:ext uri="{BB962C8B-B14F-4D97-AF65-F5344CB8AC3E}">
+        <p14:creationId xmlns:p14="http://schemas.microsoft.com/office/powerpoint/2010/main" val="4144976862"/>
+      </p:ext>
+    </p:extLst>
+  </p:cSld>
+  <p:clrMapOvr>
+    <a:masterClrMapping/>
+  </p:clrMapOvr>
+</p:sld>
+</file>
+
+<file path=ppt/slides/slide6.xml><?xml version="1.0" encoding="utf-8"?>
+<p:sld xmlns:a="http://schemas.openxmlformats.org/drawingml/2006/main" xmlns:r="http://schemas.openxmlformats.org/officeDocument/2006/relationships" xmlns:p="http://schemas.openxmlformats.org/presentationml/2006/main">
+  <p:cSld>
+    <p:spTree>
+      <p:nvGrpSpPr>
+        <p:cNvPr id="1" name=""/>
+        <p:cNvGrpSpPr/>
+        <p:nvPr/>
+      </p:nvGrpSpPr>
+      <p:grpSpPr>
+        <a:xfrm>
+          <a:off x="0" y="0"/>
+          <a:ext cx="0" cy="0"/>
+          <a:chOff x="0" y="0"/>
+          <a:chExt cx="0" cy="0"/>
+        </a:xfrm>
+      </p:grpSpPr>
+      <p:sp>
+        <p:nvSpPr>
+          <p:cNvPr id="3" name="TextBox 2"/>
+          <p:cNvSpPr txBox="1"/>
+          <p:nvPr/>
+        </p:nvSpPr>
+        <p:spPr>
+          <a:xfrm>
+            <a:off x="4718304" y="434618"/>
+            <a:ext cx="5147706" cy="369332"/>
+          </a:xfrm>
+          <a:prstGeom prst="rect">
+            <a:avLst/>
+          </a:prstGeom>
+          <a:noFill/>
+        </p:spPr>
+        <p:txBody>
+          <a:bodyPr wrap="square" rtlCol="0">
+            <a:spAutoFit/>
+          </a:bodyPr>
+          <a:lstStyle/>
+          <a:p>
+            <a:r>
+              <a:rPr lang="en-US" dirty="0" err="1" smtClean="0"/>
+              <a:t>Sơ</a:t>
+            </a:r>
+            <a:r>
+              <a:rPr lang="en-US" dirty="0" smtClean="0"/>
+              <a:t> </a:t>
+            </a:r>
+            <a:r>
+              <a:rPr lang="en-US" dirty="0" err="1" smtClean="0"/>
+              <a:t>đồ</a:t>
+            </a:r>
+            <a:r>
+              <a:rPr lang="en-US" dirty="0" smtClean="0"/>
+              <a:t> </a:t>
+            </a:r>
+            <a:r>
+              <a:rPr lang="en-US" dirty="0" err="1" smtClean="0"/>
+              <a:t>lớp</a:t>
+            </a:r>
+            <a:r>
+              <a:rPr lang="en-US" dirty="0" smtClean="0"/>
+              <a:t> </a:t>
+            </a:r>
+            <a:r>
+              <a:rPr lang="en-US" dirty="0" err="1" smtClean="0"/>
+              <a:t>theo</a:t>
+            </a:r>
+            <a:r>
+              <a:rPr lang="en-US" dirty="0" smtClean="0"/>
+              <a:t> </a:t>
+            </a:r>
+            <a:r>
+              <a:rPr lang="en-US" dirty="0" err="1" smtClean="0"/>
+              <a:t>ecb</a:t>
+            </a:r>
+            <a:endParaRPr lang="en-US" dirty="0"/>
+          </a:p>
+        </p:txBody>
+      </p:sp>
+      <p:pic>
+        <p:nvPicPr>
+          <p:cNvPr id="6" name="Picture 5"/>
+          <p:cNvPicPr/>
+          <p:nvPr/>
+        </p:nvPicPr>
+        <p:blipFill>
+          <a:blip r:embed="rId2"/>
+          <a:stretch>
+            <a:fillRect/>
+          </a:stretch>
+        </p:blipFill>
+        <p:spPr>
+          <a:xfrm>
+            <a:off x="3213925" y="950627"/>
+            <a:ext cx="5495925" cy="5467350"/>
+          </a:xfrm>
+          <a:prstGeom prst="rect">
+            <a:avLst/>
+          </a:prstGeom>
+        </p:spPr>
+      </p:pic>
+    </p:spTree>
+    <p:extLst>
+      <p:ext uri="{BB962C8B-B14F-4D97-AF65-F5344CB8AC3E}">
+        <p14:creationId xmlns:p14="http://schemas.microsoft.com/office/powerpoint/2010/main" val="3983235005"/>
+      </p:ext>
+    </p:extLst>
+  </p:cSld>
+  <p:clrMapOvr>
+    <a:masterClrMapping/>
+  </p:clrMapOvr>
+</p:sld>
+</file>
+
+<file path=ppt/slides/slide7.xml><?xml version="1.0" encoding="utf-8"?>
+<p:sld xmlns:a="http://schemas.openxmlformats.org/drawingml/2006/main" xmlns:r="http://schemas.openxmlformats.org/officeDocument/2006/relationships" xmlns:p="http://schemas.openxmlformats.org/presentationml/2006/main">
+  <p:cSld>
+    <p:spTree>
+      <p:nvGrpSpPr>
+        <p:cNvPr id="1" name=""/>
+        <p:cNvGrpSpPr/>
+        <p:nvPr/>
+      </p:nvGrpSpPr>
+      <p:grpSpPr>
+        <a:xfrm>
+          <a:off x="0" y="0"/>
+          <a:ext cx="0" cy="0"/>
+          <a:chOff x="0" y="0"/>
+          <a:chExt cx="0" cy="0"/>
+        </a:xfrm>
+      </p:grpSpPr>
       <p:sp>
         <p:nvSpPr>
           <p:cNvPr id="2" name="Title 1"/>
@@ -4582,7 +9226,7 @@
 </p:sld>
 </file>
 
-<file path=ppt/slides/slide5.xml><?xml version="1.0" encoding="utf-8"?>
+<file path=ppt/slides/slide8.xml><?xml version="1.0" encoding="utf-8"?>
 <p:sld xmlns:a="http://schemas.openxmlformats.org/drawingml/2006/main" xmlns:r="http://schemas.openxmlformats.org/officeDocument/2006/relationships" xmlns:p="http://schemas.openxmlformats.org/presentationml/2006/main">
   <p:cSld>
     <p:spTree>
@@ -4657,7 +9301,7 @@
 </p:sld>
 </file>
 
-<file path=ppt/slides/slide6.xml><?xml version="1.0" encoding="utf-8"?>
+<file path=ppt/slides/slide9.xml><?xml version="1.0" encoding="utf-8"?>
 <p:sld xmlns:a="http://schemas.openxmlformats.org/drawingml/2006/main" xmlns:r="http://schemas.openxmlformats.org/officeDocument/2006/relationships" xmlns:p="http://schemas.openxmlformats.org/presentationml/2006/main">
   <p:cSld>
     <p:spTree>
@@ -4723,724 +9367,6 @@
     <p:extLst>
       <p:ext uri="{BB962C8B-B14F-4D97-AF65-F5344CB8AC3E}">
         <p14:creationId xmlns:p14="http://schemas.microsoft.com/office/powerpoint/2010/main" val="1177849808"/>
-      </p:ext>
-    </p:extLst>
-  </p:cSld>
-  <p:clrMapOvr>
-    <a:masterClrMapping/>
-  </p:clrMapOvr>
-</p:sld>
-</file>
-
-<file path=ppt/slides/slide7.xml><?xml version="1.0" encoding="utf-8"?>
-<p:sld xmlns:a="http://schemas.openxmlformats.org/drawingml/2006/main" xmlns:r="http://schemas.openxmlformats.org/officeDocument/2006/relationships" xmlns:p="http://schemas.openxmlformats.org/presentationml/2006/main">
-  <p:cSld>
-    <p:spTree>
-      <p:nvGrpSpPr>
-        <p:cNvPr id="1" name=""/>
-        <p:cNvGrpSpPr/>
-        <p:nvPr/>
-      </p:nvGrpSpPr>
-      <p:grpSpPr>
-        <a:xfrm>
-          <a:off x="0" y="0"/>
-          <a:ext cx="0" cy="0"/>
-          <a:chOff x="0" y="0"/>
-          <a:chExt cx="0" cy="0"/>
-        </a:xfrm>
-      </p:grpSpPr>
-      <p:sp>
-        <p:nvSpPr>
-          <p:cNvPr id="2" name="Title 1"/>
-          <p:cNvSpPr>
-            <a:spLocks noGrp="1"/>
-          </p:cNvSpPr>
-          <p:nvPr>
-            <p:ph type="title"/>
-          </p:nvPr>
-        </p:nvSpPr>
-        <p:spPr/>
-        <p:txBody>
-          <a:bodyPr/>
-          <a:lstStyle/>
-          <a:p>
-            <a:endParaRPr lang="en-US"/>
-          </a:p>
-        </p:txBody>
-      </p:sp>
-      <p:pic>
-        <p:nvPicPr>
-          <p:cNvPr id="1028" name="Picture 1"/>
-          <p:cNvPicPr>
-            <a:picLocks noChangeAspect="1" noChangeArrowheads="1"/>
-          </p:cNvPicPr>
-          <p:nvPr/>
-        </p:nvPicPr>
-        <p:blipFill>
-          <a:blip r:embed="rId2">
-            <a:extLst>
-              <a:ext uri="{28A0092B-C50C-407E-A947-70E740481C1C}">
-                <a14:useLocalDpi xmlns:a14="http://schemas.microsoft.com/office/drawing/2010/main" val="0"/>
-              </a:ext>
-            </a:extLst>
-          </a:blip>
-          <a:srcRect/>
-          <a:stretch>
-            <a:fillRect/>
-          </a:stretch>
-        </p:blipFill>
-        <p:spPr bwMode="auto">
-          <a:xfrm>
-            <a:off x="2605171" y="2111375"/>
-            <a:ext cx="5759450" cy="4746625"/>
-          </a:xfrm>
-          <a:prstGeom prst="rect">
-            <a:avLst/>
-          </a:prstGeom>
-          <a:noFill/>
-          <a:ln>
-            <a:noFill/>
-          </a:ln>
-          <a:extLst>
-            <a:ext uri="{909E8E84-426E-40DD-AFC4-6F175D3DCCD1}">
-              <a14:hiddenFill xmlns:a14="http://schemas.microsoft.com/office/drawing/2010/main">
-                <a:solidFill>
-                  <a:srgbClr val="FFFFFF"/>
-                </a:solidFill>
-              </a14:hiddenFill>
-            </a:ext>
-            <a:ext uri="{91240B29-F687-4F45-9708-019B960494DF}">
-              <a14:hiddenLine xmlns:a14="http://schemas.microsoft.com/office/drawing/2010/main" w="9525">
-                <a:solidFill>
-                  <a:srgbClr val="000000"/>
-                </a:solidFill>
-                <a:miter lim="800000"/>
-                <a:headEnd/>
-                <a:tailEnd/>
-              </a14:hiddenLine>
-            </a:ext>
-          </a:extLst>
-        </p:spPr>
-      </p:pic>
-    </p:spTree>
-    <p:extLst>
-      <p:ext uri="{BB962C8B-B14F-4D97-AF65-F5344CB8AC3E}">
-        <p14:creationId xmlns:p14="http://schemas.microsoft.com/office/powerpoint/2010/main" val="4084163907"/>
-      </p:ext>
-    </p:extLst>
-  </p:cSld>
-  <p:clrMapOvr>
-    <a:masterClrMapping/>
-  </p:clrMapOvr>
-</p:sld>
-</file>
-
-<file path=ppt/slides/slide8.xml><?xml version="1.0" encoding="utf-8"?>
-<p:sld xmlns:a="http://schemas.openxmlformats.org/drawingml/2006/main" xmlns:r="http://schemas.openxmlformats.org/officeDocument/2006/relationships" xmlns:p="http://schemas.openxmlformats.org/presentationml/2006/main">
-  <p:cSld>
-    <p:spTree>
-      <p:nvGrpSpPr>
-        <p:cNvPr id="1" name=""/>
-        <p:cNvGrpSpPr/>
-        <p:nvPr/>
-      </p:nvGrpSpPr>
-      <p:grpSpPr>
-        <a:xfrm>
-          <a:off x="0" y="0"/>
-          <a:ext cx="0" cy="0"/>
-          <a:chOff x="0" y="0"/>
-          <a:chExt cx="0" cy="0"/>
-        </a:xfrm>
-      </p:grpSpPr>
-      <p:sp>
-        <p:nvSpPr>
-          <p:cNvPr id="2" name="Title 1"/>
-          <p:cNvSpPr>
-            <a:spLocks noGrp="1"/>
-          </p:cNvSpPr>
-          <p:nvPr>
-            <p:ph type="title"/>
-          </p:nvPr>
-        </p:nvSpPr>
-        <p:spPr/>
-        <p:txBody>
-          <a:bodyPr/>
-          <a:lstStyle/>
-          <a:p>
-            <a:r>
-              <a:rPr lang="en-US" dirty="0" err="1" smtClean="0"/>
-              <a:t>Kịch</a:t>
-            </a:r>
-            <a:r>
-              <a:rPr lang="en-US" dirty="0" smtClean="0"/>
-              <a:t> </a:t>
-            </a:r>
-            <a:r>
-              <a:rPr lang="en-US" dirty="0" err="1" smtClean="0"/>
-              <a:t>bản</a:t>
-            </a:r>
-            <a:r>
-              <a:rPr lang="en-US" dirty="0" smtClean="0"/>
-              <a:t> </a:t>
-            </a:r>
-            <a:r>
-              <a:rPr lang="en-US" dirty="0" err="1" smtClean="0"/>
-              <a:t>cho</a:t>
-            </a:r>
-            <a:r>
-              <a:rPr lang="en-US" dirty="0" smtClean="0"/>
-              <a:t> them </a:t>
-            </a:r>
-            <a:r>
-              <a:rPr lang="en-US" dirty="0" err="1" smtClean="0"/>
-              <a:t>phòng</a:t>
-            </a:r>
-            <a:endParaRPr lang="en-US" dirty="0"/>
-          </a:p>
-        </p:txBody>
-      </p:sp>
-      <p:sp>
-        <p:nvSpPr>
-          <p:cNvPr id="3" name="Content Placeholder 2"/>
-          <p:cNvSpPr>
-            <a:spLocks noGrp="1"/>
-          </p:cNvSpPr>
-          <p:nvPr>
-            <p:ph idx="1"/>
-          </p:nvPr>
-        </p:nvSpPr>
-        <p:spPr/>
-        <p:txBody>
-          <a:bodyPr/>
-          <a:lstStyle/>
-          <a:p>
-            <a:pPr lvl="0"/>
-            <a:r>
-              <a:rPr lang="en-US" b="1" dirty="0" err="1"/>
-              <a:t>Nhân</a:t>
-            </a:r>
-            <a:r>
-              <a:rPr lang="en-US" b="1" dirty="0"/>
-              <a:t> </a:t>
-            </a:r>
-            <a:r>
-              <a:rPr lang="en-US" b="1" dirty="0" err="1"/>
-              <a:t>viên</a:t>
-            </a:r>
-            <a:r>
-              <a:rPr lang="en-US" b="1" dirty="0"/>
-              <a:t>: </a:t>
-            </a:r>
-            <a:r>
-              <a:rPr lang="en-US" b="1" dirty="0" err="1"/>
-              <a:t>Lựa</a:t>
-            </a:r>
-            <a:r>
-              <a:rPr lang="en-US" b="1" dirty="0"/>
-              <a:t> </a:t>
-            </a:r>
-            <a:r>
-              <a:rPr lang="en-US" b="1" dirty="0" err="1"/>
-              <a:t>chọn</a:t>
-            </a:r>
-            <a:r>
-              <a:rPr lang="en-US" b="1" dirty="0"/>
-              <a:t> </a:t>
-            </a:r>
-            <a:r>
-              <a:rPr lang="en-US" b="1" dirty="0" err="1"/>
-              <a:t>thêm</a:t>
-            </a:r>
-            <a:r>
-              <a:rPr lang="en-US" b="1" dirty="0"/>
-              <a:t> </a:t>
-            </a:r>
-            <a:r>
-              <a:rPr lang="en-US" b="1" dirty="0" err="1"/>
-              <a:t>phòng</a:t>
-            </a:r>
-            <a:r>
-              <a:rPr lang="en-US" b="1" dirty="0"/>
-              <a:t>.</a:t>
-            </a:r>
-            <a:endParaRPr lang="en-US" dirty="0"/>
-          </a:p>
-          <a:p>
-            <a:pPr lvl="0"/>
-            <a:r>
-              <a:rPr lang="en-US" b="1" dirty="0" err="1"/>
-              <a:t>Hệ</a:t>
-            </a:r>
-            <a:r>
-              <a:rPr lang="en-US" b="1" dirty="0"/>
-              <a:t> </a:t>
-            </a:r>
-            <a:r>
-              <a:rPr lang="en-US" b="1" dirty="0" err="1"/>
-              <a:t>thống</a:t>
-            </a:r>
-            <a:r>
-              <a:rPr lang="en-US" b="1" dirty="0"/>
-              <a:t>: </a:t>
-            </a:r>
-            <a:r>
-              <a:rPr lang="en-US" b="1" dirty="0" err="1"/>
-              <a:t>đưa</a:t>
-            </a:r>
-            <a:r>
-              <a:rPr lang="en-US" b="1" dirty="0"/>
-              <a:t> </a:t>
-            </a:r>
-            <a:r>
-              <a:rPr lang="en-US" b="1" dirty="0" err="1"/>
-              <a:t>ra</a:t>
-            </a:r>
-            <a:r>
-              <a:rPr lang="en-US" b="1" dirty="0"/>
-              <a:t> </a:t>
-            </a:r>
-            <a:r>
-              <a:rPr lang="en-US" b="1" dirty="0" err="1"/>
-              <a:t>biểu</a:t>
-            </a:r>
-            <a:r>
-              <a:rPr lang="en-US" b="1" dirty="0"/>
-              <a:t> </a:t>
-            </a:r>
-            <a:r>
-              <a:rPr lang="en-US" b="1" dirty="0" err="1"/>
-              <a:t>mẫu</a:t>
-            </a:r>
-            <a:r>
-              <a:rPr lang="en-US" b="1" dirty="0"/>
-              <a:t> </a:t>
-            </a:r>
-            <a:r>
-              <a:rPr lang="en-US" b="1" dirty="0" err="1"/>
-              <a:t>để</a:t>
-            </a:r>
-            <a:r>
-              <a:rPr lang="en-US" b="1" dirty="0"/>
-              <a:t> </a:t>
-            </a:r>
-            <a:r>
-              <a:rPr lang="en-US" b="1" dirty="0" err="1"/>
-              <a:t>thêm</a:t>
-            </a:r>
-            <a:r>
-              <a:rPr lang="en-US" b="1" dirty="0"/>
-              <a:t> </a:t>
-            </a:r>
-            <a:r>
-              <a:rPr lang="en-US" b="1" dirty="0" err="1"/>
-              <a:t>phòng</a:t>
-            </a:r>
-            <a:r>
-              <a:rPr lang="en-US" b="1" dirty="0"/>
-              <a:t>.</a:t>
-            </a:r>
-            <a:endParaRPr lang="en-US" dirty="0"/>
-          </a:p>
-          <a:p>
-            <a:pPr lvl="0"/>
-            <a:r>
-              <a:rPr lang="en-US" b="1" dirty="0" err="1"/>
-              <a:t>Nhân</a:t>
-            </a:r>
-            <a:r>
-              <a:rPr lang="en-US" b="1" dirty="0"/>
-              <a:t> </a:t>
-            </a:r>
-            <a:r>
-              <a:rPr lang="en-US" b="1" dirty="0" err="1"/>
-              <a:t>viên</a:t>
-            </a:r>
-            <a:r>
-              <a:rPr lang="en-US" b="1" dirty="0"/>
-              <a:t> </a:t>
-            </a:r>
-            <a:r>
-              <a:rPr lang="en-US" b="1" dirty="0" err="1"/>
-              <a:t>điền</a:t>
-            </a:r>
-            <a:r>
-              <a:rPr lang="en-US" b="1" dirty="0"/>
-              <a:t> </a:t>
-            </a:r>
-            <a:r>
-              <a:rPr lang="en-US" b="1" dirty="0" err="1"/>
-              <a:t>thông</a:t>
-            </a:r>
-            <a:r>
-              <a:rPr lang="en-US" b="1" dirty="0"/>
-              <a:t> tin </a:t>
-            </a:r>
-            <a:r>
-              <a:rPr lang="en-US" b="1" dirty="0" err="1"/>
-              <a:t>phòng</a:t>
-            </a:r>
-            <a:r>
-              <a:rPr lang="en-US" b="1" dirty="0"/>
-              <a:t> </a:t>
-            </a:r>
-            <a:r>
-              <a:rPr lang="en-US" b="1" dirty="0" err="1"/>
-              <a:t>vào</a:t>
-            </a:r>
-            <a:r>
-              <a:rPr lang="en-US" b="1" dirty="0"/>
-              <a:t>.</a:t>
-            </a:r>
-            <a:endParaRPr lang="en-US" dirty="0"/>
-          </a:p>
-          <a:p>
-            <a:pPr lvl="0"/>
-            <a:r>
-              <a:rPr lang="en-US" b="1" dirty="0" err="1"/>
-              <a:t>Hệ</a:t>
-            </a:r>
-            <a:r>
-              <a:rPr lang="en-US" b="1" dirty="0"/>
-              <a:t> </a:t>
-            </a:r>
-            <a:r>
-              <a:rPr lang="en-US" b="1" dirty="0" err="1"/>
-              <a:t>thống</a:t>
-            </a:r>
-            <a:r>
-              <a:rPr lang="en-US" b="1" dirty="0"/>
-              <a:t>: </a:t>
-            </a:r>
-            <a:r>
-              <a:rPr lang="en-US" b="1" dirty="0" err="1"/>
-              <a:t>Kiểm</a:t>
-            </a:r>
-            <a:r>
-              <a:rPr lang="en-US" b="1" dirty="0"/>
-              <a:t> </a:t>
-            </a:r>
-            <a:r>
-              <a:rPr lang="en-US" b="1" dirty="0" err="1"/>
-              <a:t>tra</a:t>
-            </a:r>
-            <a:r>
-              <a:rPr lang="en-US" b="1" dirty="0"/>
-              <a:t> </a:t>
-            </a:r>
-            <a:r>
-              <a:rPr lang="en-US" b="1" dirty="0" err="1"/>
-              <a:t>địa</a:t>
-            </a:r>
-            <a:r>
-              <a:rPr lang="en-US" b="1" dirty="0"/>
-              <a:t> </a:t>
-            </a:r>
-            <a:r>
-              <a:rPr lang="en-US" b="1" dirty="0" err="1"/>
-              <a:t>chỉ</a:t>
-            </a:r>
-            <a:r>
-              <a:rPr lang="en-US" b="1" dirty="0"/>
-              <a:t> </a:t>
-            </a:r>
-            <a:r>
-              <a:rPr lang="en-US" b="1" dirty="0" err="1"/>
-              <a:t>xem</a:t>
-            </a:r>
-            <a:r>
-              <a:rPr lang="en-US" b="1" dirty="0"/>
-              <a:t> </a:t>
-            </a:r>
-            <a:r>
-              <a:rPr lang="en-US" b="1" dirty="0" err="1"/>
-              <a:t>có</a:t>
-            </a:r>
-            <a:r>
-              <a:rPr lang="en-US" b="1" dirty="0"/>
-              <a:t> </a:t>
-            </a:r>
-            <a:r>
-              <a:rPr lang="en-US" b="1" dirty="0" err="1"/>
-              <a:t>tồn</a:t>
-            </a:r>
-            <a:r>
-              <a:rPr lang="en-US" b="1" dirty="0"/>
-              <a:t> </a:t>
-            </a:r>
-            <a:r>
-              <a:rPr lang="en-US" b="1" dirty="0" err="1"/>
-              <a:t>tại</a:t>
-            </a:r>
-            <a:r>
-              <a:rPr lang="en-US" b="1" dirty="0"/>
-              <a:t> hay </a:t>
-            </a:r>
-            <a:r>
-              <a:rPr lang="en-US" b="1" dirty="0" err="1"/>
-              <a:t>chưa</a:t>
-            </a:r>
-            <a:r>
-              <a:rPr lang="en-US" b="1" dirty="0"/>
-              <a:t>.</a:t>
-            </a:r>
-            <a:endParaRPr lang="en-US" dirty="0"/>
-          </a:p>
-          <a:p>
-            <a:pPr lvl="0"/>
-            <a:r>
-              <a:rPr lang="en-US" b="1" dirty="0" err="1"/>
-              <a:t>Hệ</a:t>
-            </a:r>
-            <a:r>
-              <a:rPr lang="en-US" b="1" dirty="0"/>
-              <a:t> </a:t>
-            </a:r>
-            <a:r>
-              <a:rPr lang="en-US" b="1" dirty="0" err="1"/>
-              <a:t>thống</a:t>
-            </a:r>
-            <a:r>
-              <a:rPr lang="en-US" b="1" dirty="0"/>
-              <a:t>: </a:t>
-            </a:r>
-            <a:r>
-              <a:rPr lang="en-US" b="1" dirty="0" err="1"/>
-              <a:t>trả</a:t>
-            </a:r>
-            <a:r>
-              <a:rPr lang="en-US" b="1" dirty="0"/>
-              <a:t> </a:t>
-            </a:r>
-            <a:r>
-              <a:rPr lang="en-US" b="1" dirty="0" err="1"/>
-              <a:t>về</a:t>
-            </a:r>
-            <a:r>
-              <a:rPr lang="en-US" b="1" dirty="0"/>
-              <a:t> </a:t>
-            </a:r>
-            <a:r>
-              <a:rPr lang="en-US" b="1" dirty="0" err="1"/>
-              <a:t>thêm</a:t>
-            </a:r>
-            <a:r>
-              <a:rPr lang="en-US" b="1" dirty="0"/>
-              <a:t> </a:t>
-            </a:r>
-            <a:r>
-              <a:rPr lang="en-US" b="1" dirty="0" err="1"/>
-              <a:t>thành</a:t>
-            </a:r>
-            <a:r>
-              <a:rPr lang="en-US" b="1" dirty="0"/>
-              <a:t> </a:t>
-            </a:r>
-            <a:r>
-              <a:rPr lang="en-US" b="1" dirty="0" err="1"/>
-              <a:t>công</a:t>
-            </a:r>
-            <a:r>
-              <a:rPr lang="en-US" b="1" dirty="0"/>
-              <a:t> </a:t>
-            </a:r>
-            <a:r>
-              <a:rPr lang="en-US" b="1" dirty="0" err="1"/>
-              <a:t>hoặc</a:t>
-            </a:r>
-            <a:r>
-              <a:rPr lang="en-US" b="1" dirty="0"/>
-              <a:t> </a:t>
-            </a:r>
-            <a:r>
-              <a:rPr lang="en-US" b="1" dirty="0" err="1"/>
-              <a:t>địa</a:t>
-            </a:r>
-            <a:r>
-              <a:rPr lang="en-US" b="1" dirty="0"/>
-              <a:t> </a:t>
-            </a:r>
-            <a:r>
-              <a:rPr lang="en-US" b="1" dirty="0" err="1"/>
-              <a:t>chỉ</a:t>
-            </a:r>
-            <a:r>
-              <a:rPr lang="en-US" b="1" dirty="0"/>
-              <a:t> </a:t>
-            </a:r>
-            <a:r>
-              <a:rPr lang="en-US" b="1" dirty="0" err="1"/>
-              <a:t>đã</a:t>
-            </a:r>
-            <a:r>
-              <a:rPr lang="en-US" b="1" dirty="0"/>
-              <a:t> </a:t>
-            </a:r>
-            <a:r>
-              <a:rPr lang="en-US" b="1" dirty="0" err="1"/>
-              <a:t>tồng</a:t>
-            </a:r>
-            <a:r>
-              <a:rPr lang="en-US" b="1" dirty="0"/>
-              <a:t> </a:t>
-            </a:r>
-            <a:r>
-              <a:rPr lang="en-US" b="1" dirty="0" err="1"/>
-              <a:t>tại</a:t>
-            </a:r>
-            <a:r>
-              <a:rPr lang="en-US" b="1" dirty="0"/>
-              <a:t>.</a:t>
-            </a:r>
-            <a:endParaRPr lang="en-US" dirty="0"/>
-          </a:p>
-          <a:p>
-            <a:pPr lvl="0"/>
-            <a:r>
-              <a:rPr lang="en-US" b="1" dirty="0" err="1"/>
-              <a:t>Hẹ</a:t>
-            </a:r>
-            <a:r>
-              <a:rPr lang="en-US" b="1" dirty="0"/>
-              <a:t> </a:t>
-            </a:r>
-            <a:r>
-              <a:rPr lang="en-US" b="1" dirty="0" err="1"/>
-              <a:t>thống</a:t>
-            </a:r>
-            <a:r>
-              <a:rPr lang="en-US" b="1" dirty="0"/>
-              <a:t>: </a:t>
-            </a:r>
-            <a:r>
-              <a:rPr lang="en-US" b="1" dirty="0" err="1"/>
-              <a:t>trả</a:t>
-            </a:r>
-            <a:r>
-              <a:rPr lang="en-US" b="1" dirty="0"/>
-              <a:t> </a:t>
-            </a:r>
-            <a:r>
-              <a:rPr lang="en-US" b="1" dirty="0" err="1"/>
-              <a:t>về</a:t>
-            </a:r>
-            <a:r>
-              <a:rPr lang="en-US" b="1" dirty="0"/>
-              <a:t> MENU.</a:t>
-            </a:r>
-            <a:endParaRPr lang="en-US" dirty="0"/>
-          </a:p>
-          <a:p>
-            <a:endParaRPr lang="en-US" dirty="0"/>
-          </a:p>
-        </p:txBody>
-      </p:sp>
-    </p:spTree>
-    <p:extLst>
-      <p:ext uri="{BB962C8B-B14F-4D97-AF65-F5344CB8AC3E}">
-        <p14:creationId xmlns:p14="http://schemas.microsoft.com/office/powerpoint/2010/main" val="1446813414"/>
-      </p:ext>
-    </p:extLst>
-  </p:cSld>
-  <p:clrMapOvr>
-    <a:masterClrMapping/>
-  </p:clrMapOvr>
-</p:sld>
-</file>
-
-<file path=ppt/slides/slide9.xml><?xml version="1.0" encoding="utf-8"?>
-<p:sld xmlns:a="http://schemas.openxmlformats.org/drawingml/2006/main" xmlns:r="http://schemas.openxmlformats.org/officeDocument/2006/relationships" xmlns:p="http://schemas.openxmlformats.org/presentationml/2006/main">
-  <p:cSld>
-    <p:spTree>
-      <p:nvGrpSpPr>
-        <p:cNvPr id="1" name=""/>
-        <p:cNvGrpSpPr/>
-        <p:nvPr/>
-      </p:nvGrpSpPr>
-      <p:grpSpPr>
-        <a:xfrm>
-          <a:off x="0" y="0"/>
-          <a:ext cx="0" cy="0"/>
-          <a:chOff x="0" y="0"/>
-          <a:chExt cx="0" cy="0"/>
-        </a:xfrm>
-      </p:grpSpPr>
-      <p:sp>
-        <p:nvSpPr>
-          <p:cNvPr id="2" name="Title 1"/>
-          <p:cNvSpPr>
-            <a:spLocks noGrp="1"/>
-          </p:cNvSpPr>
-          <p:nvPr>
-            <p:ph type="title"/>
-          </p:nvPr>
-        </p:nvSpPr>
-        <p:spPr/>
-        <p:txBody>
-          <a:bodyPr/>
-          <a:lstStyle/>
-          <a:p>
-            <a:endParaRPr lang="en-US"/>
-          </a:p>
-        </p:txBody>
-      </p:sp>
-      <p:pic>
-        <p:nvPicPr>
-          <p:cNvPr id="2050" name="Picture 1"/>
-          <p:cNvPicPr>
-            <a:picLocks noChangeAspect="1" noChangeArrowheads="1"/>
-          </p:cNvPicPr>
-          <p:nvPr/>
-        </p:nvPicPr>
-        <p:blipFill>
-          <a:blip r:embed="rId2">
-            <a:extLst>
-              <a:ext uri="{28A0092B-C50C-407E-A947-70E740481C1C}">
-                <a14:useLocalDpi xmlns:a14="http://schemas.microsoft.com/office/drawing/2010/main" val="0"/>
-              </a:ext>
-            </a:extLst>
-          </a:blip>
-          <a:srcRect/>
-          <a:stretch>
-            <a:fillRect/>
-          </a:stretch>
-        </p:blipFill>
-        <p:spPr bwMode="auto">
-          <a:xfrm>
-            <a:off x="2244224" y="1690688"/>
-            <a:ext cx="5759450" cy="5167312"/>
-          </a:xfrm>
-          <a:prstGeom prst="rect">
-            <a:avLst/>
-          </a:prstGeom>
-          <a:noFill/>
-          <a:ln>
-            <a:noFill/>
-          </a:ln>
-          <a:extLst>
-            <a:ext uri="{909E8E84-426E-40DD-AFC4-6F175D3DCCD1}">
-              <a14:hiddenFill xmlns:a14="http://schemas.microsoft.com/office/drawing/2010/main">
-                <a:solidFill>
-                  <a:srgbClr val="FFFFFF"/>
-                </a:solidFill>
-              </a14:hiddenFill>
-            </a:ext>
-            <a:ext uri="{91240B29-F687-4F45-9708-019B960494DF}">
-              <a14:hiddenLine xmlns:a14="http://schemas.microsoft.com/office/drawing/2010/main" w="9525">
-                <a:solidFill>
-                  <a:srgbClr val="000000"/>
-                </a:solidFill>
-                <a:miter lim="800000"/>
-                <a:headEnd/>
-                <a:tailEnd/>
-              </a14:hiddenLine>
-            </a:ext>
-          </a:extLst>
-        </p:spPr>
-      </p:pic>
-    </p:spTree>
-    <p:extLst>
-      <p:ext uri="{BB962C8B-B14F-4D97-AF65-F5344CB8AC3E}">
-        <p14:creationId xmlns:p14="http://schemas.microsoft.com/office/powerpoint/2010/main" val="2345656342"/>
       </p:ext>
     </p:extLst>
   </p:cSld>
